--- a/presentacion/presentacion_final/quantum ictp.pptx
+++ b/presentacion/presentacion_final/quantum ictp.pptx
@@ -13,8 +13,8 @@
     <p:sldId id="332" r:id="rId4"/>
     <p:sldId id="274" r:id="rId5"/>
     <p:sldId id="275" r:id="rId6"/>
-    <p:sldId id="276" r:id="rId7"/>
-    <p:sldId id="331" r:id="rId8"/>
+    <p:sldId id="333" r:id="rId7"/>
+    <p:sldId id="334" r:id="rId8"/>
     <p:sldId id="277" r:id="rId9"/>
     <p:sldId id="278" r:id="rId10"/>
     <p:sldId id="296" r:id="rId11"/>
@@ -22,8 +22,8 @@
     <p:sldId id="298" r:id="rId13"/>
     <p:sldId id="299" r:id="rId14"/>
     <p:sldId id="279" r:id="rId15"/>
-    <p:sldId id="300" r:id="rId16"/>
-    <p:sldId id="301" r:id="rId17"/>
+    <p:sldId id="301" r:id="rId16"/>
+    <p:sldId id="300" r:id="rId17"/>
     <p:sldId id="303" r:id="rId18"/>
     <p:sldId id="302" r:id="rId19"/>
     <p:sldId id="307" r:id="rId20"/>
@@ -47,9 +47,9 @@
     <p:sldId id="321" r:id="rId38"/>
     <p:sldId id="322" r:id="rId39"/>
     <p:sldId id="323" r:id="rId40"/>
-    <p:sldId id="295" r:id="rId41"/>
+    <p:sldId id="329" r:id="rId41"/>
     <p:sldId id="328" r:id="rId42"/>
-    <p:sldId id="329" r:id="rId43"/>
+    <p:sldId id="295" r:id="rId43"/>
     <p:sldId id="330" r:id="rId44"/>
     <p:sldId id="327" r:id="rId45"/>
   </p:sldIdLst>
@@ -2845,7 +2845,7 @@
     </p:spTree>
     <p:extLst>
       <p:ext uri="{BB962C8B-B14F-4D97-AF65-F5344CB8AC3E}">
-        <p14:creationId xmlns:p14="http://schemas.microsoft.com/office/powerpoint/2010/main" val="189727432"/>
+        <p14:creationId xmlns:p14="http://schemas.microsoft.com/office/powerpoint/2010/main" val="2287040944"/>
       </p:ext>
     </p:extLst>
   </p:cSld>
@@ -3013,7 +3013,7 @@
     </p:spTree>
     <p:extLst>
       <p:ext uri="{BB962C8B-B14F-4D97-AF65-F5344CB8AC3E}">
-        <p14:creationId xmlns:p14="http://schemas.microsoft.com/office/powerpoint/2010/main" val="2287040944"/>
+        <p14:creationId xmlns:p14="http://schemas.microsoft.com/office/powerpoint/2010/main" val="189727432"/>
       </p:ext>
     </p:extLst>
   </p:cSld>
@@ -3601,7 +3601,7 @@
     </p:spTree>
     <p:extLst>
       <p:ext uri="{BB962C8B-B14F-4D97-AF65-F5344CB8AC3E}">
-        <p14:creationId xmlns:p14="http://schemas.microsoft.com/office/powerpoint/2010/main" val="3268522991"/>
+        <p14:creationId xmlns:p14="http://schemas.microsoft.com/office/powerpoint/2010/main" val="3864906831"/>
       </p:ext>
     </p:extLst>
   </p:cSld>
@@ -3685,7 +3685,7 @@
     </p:spTree>
     <p:extLst>
       <p:ext uri="{BB962C8B-B14F-4D97-AF65-F5344CB8AC3E}">
-        <p14:creationId xmlns:p14="http://schemas.microsoft.com/office/powerpoint/2010/main" val="3864906831"/>
+        <p14:creationId xmlns:p14="http://schemas.microsoft.com/office/powerpoint/2010/main" val="3268522991"/>
       </p:ext>
     </p:extLst>
   </p:cSld>
@@ -8604,27 +8604,11 @@
           <a:p>
             <a:r>
               <a:rPr lang="en-US" dirty="0" smtClean="0"/>
-              <a:t>Wave Function</a:t>
-            </a:r>
-          </a:p>
-          <a:p>
-            <a:r>
-              <a:rPr lang="en-US" dirty="0" smtClean="0">
-                <a:solidFill>
-                  <a:schemeClr val="bg2"/>
-                </a:solidFill>
-              </a:rPr>
-              <a:t>Superposition</a:t>
-            </a:r>
-          </a:p>
-          <a:p>
-            <a:r>
-              <a:rPr lang="en-US" dirty="0" smtClean="0">
-                <a:solidFill>
-                  <a:schemeClr val="bg2"/>
-                </a:solidFill>
-              </a:rPr>
-              <a:t>Measurement</a:t>
+              <a:t>Wave </a:t>
+            </a:r>
+            <a:r>
+              <a:rPr lang="en-US" dirty="0" smtClean="0"/>
+              <a:t>Function</a:t>
             </a:r>
             <a:endParaRPr lang="en-US" dirty="0">
               <a:solidFill>
@@ -8634,13 +8618,39 @@
           </a:p>
           <a:p>
             <a:r>
+              <a:rPr lang="en-US" dirty="0">
+                <a:solidFill>
+                  <a:schemeClr val="bg2"/>
+                </a:solidFill>
+              </a:rPr>
+              <a:t>Measurement</a:t>
+            </a:r>
+            <a:endParaRPr lang="en-US" dirty="0" smtClean="0"/>
+          </a:p>
+          <a:p>
+            <a:r>
               <a:rPr lang="en-US" dirty="0" smtClean="0">
                 <a:solidFill>
                   <a:schemeClr val="bg2"/>
                 </a:solidFill>
               </a:rPr>
+              <a:t>Superposition</a:t>
+            </a:r>
+          </a:p>
+          <a:p>
+            <a:r>
+              <a:rPr lang="en-US" dirty="0" smtClean="0">
+                <a:solidFill>
+                  <a:schemeClr val="bg2"/>
+                </a:solidFill>
+              </a:rPr>
               <a:t>Deconherence</a:t>
             </a:r>
+            <a:endParaRPr lang="en-US" dirty="0" smtClean="0">
+              <a:solidFill>
+                <a:schemeClr val="bg2"/>
+              </a:solidFill>
+            </a:endParaRPr>
           </a:p>
           <a:p>
             <a:r>
@@ -8943,23 +8953,36 @@
                   <a:schemeClr val="bg2"/>
                 </a:solidFill>
               </a:rPr>
-              <a:t>Wave Function</a:t>
-            </a:r>
-          </a:p>
-          <a:p>
-            <a:r>
-              <a:rPr lang="en-US" dirty="0" smtClean="0"/>
+              <a:t>Wave </a:t>
+            </a:r>
+            <a:r>
+              <a:rPr lang="en-US" dirty="0">
+                <a:solidFill>
+                  <a:schemeClr val="bg2"/>
+                </a:solidFill>
+              </a:rPr>
+              <a:t>Function</a:t>
+            </a:r>
+          </a:p>
+          <a:p>
+            <a:r>
+              <a:rPr lang="en-US" dirty="0"/>
+              <a:t>Measurement</a:t>
+            </a:r>
+            <a:endParaRPr lang="en-US" dirty="0" smtClean="0">
+              <a:solidFill>
+                <a:schemeClr val="bg2"/>
+              </a:solidFill>
+            </a:endParaRPr>
+          </a:p>
+          <a:p>
+            <a:r>
+              <a:rPr lang="en-US" dirty="0" smtClean="0">
+                <a:solidFill>
+                  <a:schemeClr val="bg2"/>
+                </a:solidFill>
+              </a:rPr>
               <a:t>Superposition</a:t>
-            </a:r>
-          </a:p>
-          <a:p>
-            <a:r>
-              <a:rPr lang="en-US" dirty="0" smtClean="0">
-                <a:solidFill>
-                  <a:schemeClr val="bg2"/>
-                </a:solidFill>
-              </a:rPr>
-              <a:t>Measurement</a:t>
             </a:r>
             <a:endParaRPr lang="en-US" dirty="0">
               <a:solidFill>
@@ -8969,13 +8992,14 @@
           </a:p>
           <a:p>
             <a:r>
-              <a:rPr lang="en-US" dirty="0" smtClean="0">
+              <a:rPr lang="en-US" dirty="0">
                 <a:solidFill>
                   <a:schemeClr val="bg2"/>
                 </a:solidFill>
               </a:rPr>
               <a:t>Deconherence</a:t>
             </a:r>
+            <a:endParaRPr lang="en-US" dirty="0" smtClean="0"/>
           </a:p>
           <a:p>
             <a:r>
@@ -8996,29 +9020,27 @@
       </p:sp>
       <p:pic>
         <p:nvPicPr>
-          <p:cNvPr id="5122" name="Picture 2" descr="https://scx2.b-cdn.net/gfx/news/hires/2014/schrodingers.png"/>
+          <p:cNvPr id="4098" name="Picture 2" descr="https://i.pinimg.com/originals/ff/7d/6e/ff7d6e510e56cb9a476a4ff6db3a79ef.png"/>
           <p:cNvPicPr>
             <a:picLocks noChangeAspect="1" noChangeArrowheads="1"/>
           </p:cNvPicPr>
           <p:nvPr/>
         </p:nvPicPr>
-        <p:blipFill>
-          <a:blip r:embed="rId7">
+        <p:blipFill rotWithShape="1">
+          <a:blip r:embed="rId7" cstate="print">
             <a:extLst>
               <a:ext uri="{28A0092B-C50C-407E-A947-70E740481C1C}">
                 <a14:useLocalDpi xmlns:a14="http://schemas.microsoft.com/office/drawing/2010/main" val="0"/>
               </a:ext>
             </a:extLst>
           </a:blip>
-          <a:srcRect/>
-          <a:stretch>
-            <a:fillRect/>
-          </a:stretch>
+          <a:srcRect t="26905"/>
+          <a:stretch/>
         </p:blipFill>
         <p:spPr bwMode="auto">
           <a:xfrm>
-            <a:off x="6181725" y="2493328"/>
-            <a:ext cx="4765937" cy="2528750"/>
+            <a:off x="7241959" y="2366296"/>
+            <a:ext cx="2833033" cy="3880687"/>
           </a:xfrm>
           <a:prstGeom prst="rect">
             <a:avLst/>
@@ -9038,7 +9060,7 @@
     </p:spTree>
     <p:extLst>
       <p:ext uri="{BB962C8B-B14F-4D97-AF65-F5344CB8AC3E}">
-        <p14:creationId xmlns:p14="http://schemas.microsoft.com/office/powerpoint/2010/main" val="3892673006"/>
+        <p14:creationId xmlns:p14="http://schemas.microsoft.com/office/powerpoint/2010/main" val="150956824"/>
       </p:ext>
     </p:extLst>
   </p:cSld>
@@ -9278,23 +9300,62 @@
                   <a:schemeClr val="bg2"/>
                 </a:solidFill>
               </a:rPr>
-              <a:t>Wave Function</a:t>
-            </a:r>
-          </a:p>
-          <a:p>
+              <a:t>Wave </a:t>
+            </a:r>
             <a:r>
               <a:rPr lang="en-US" dirty="0" smtClean="0">
                 <a:solidFill>
                   <a:schemeClr val="bg2"/>
                 </a:solidFill>
               </a:rPr>
+              <a:t>Function</a:t>
+            </a:r>
+            <a:endParaRPr lang="en-US" dirty="0"/>
+          </a:p>
+          <a:p>
+            <a:r>
+              <a:rPr lang="en-US" dirty="0" smtClean="0">
+                <a:solidFill>
+                  <a:schemeClr val="bg2"/>
+                </a:solidFill>
+              </a:rPr>
+              <a:t>Measurement</a:t>
+            </a:r>
+            <a:endParaRPr lang="en-US" dirty="0" smtClean="0">
+              <a:solidFill>
+                <a:schemeClr val="bg2"/>
+              </a:solidFill>
+            </a:endParaRPr>
+          </a:p>
+          <a:p>
+            <a:r>
+              <a:rPr lang="en-US" dirty="0" smtClean="0"/>
               <a:t>Superposition</a:t>
             </a:r>
           </a:p>
           <a:p>
             <a:r>
-              <a:rPr lang="en-US" dirty="0" smtClean="0"/>
-              <a:t>Measurement</a:t>
+              <a:rPr lang="en-US" dirty="0" smtClean="0">
+                <a:solidFill>
+                  <a:schemeClr val="bg2"/>
+                </a:solidFill>
+              </a:rPr>
+              <a:t>Deconherence</a:t>
+            </a:r>
+            <a:endParaRPr lang="en-US" dirty="0" smtClean="0">
+              <a:solidFill>
+                <a:schemeClr val="bg2"/>
+              </a:solidFill>
+            </a:endParaRPr>
+          </a:p>
+          <a:p>
+            <a:r>
+              <a:rPr lang="en-US" dirty="0" smtClean="0">
+                <a:solidFill>
+                  <a:schemeClr val="bg2"/>
+                </a:solidFill>
+              </a:rPr>
+              <a:t>Entanglement</a:t>
             </a:r>
             <a:endParaRPr lang="en-US" dirty="0">
               <a:solidFill>
@@ -9302,57 +9363,33 @@
               </a:solidFill>
             </a:endParaRPr>
           </a:p>
-          <a:p>
-            <a:r>
-              <a:rPr lang="en-US" dirty="0">
-                <a:solidFill>
-                  <a:schemeClr val="bg2"/>
-                </a:solidFill>
-              </a:rPr>
-              <a:t>Deconherence</a:t>
-            </a:r>
-            <a:endParaRPr lang="en-US" dirty="0" smtClean="0"/>
-          </a:p>
-          <a:p>
-            <a:r>
-              <a:rPr lang="en-US" dirty="0" smtClean="0">
-                <a:solidFill>
-                  <a:schemeClr val="bg2"/>
-                </a:solidFill>
-              </a:rPr>
-              <a:t>Entanglement</a:t>
-            </a:r>
-            <a:endParaRPr lang="en-US" dirty="0">
-              <a:solidFill>
-                <a:schemeClr val="bg2"/>
-              </a:solidFill>
-            </a:endParaRPr>
-          </a:p>
         </p:txBody>
       </p:sp>
       <p:pic>
         <p:nvPicPr>
-          <p:cNvPr id="4098" name="Picture 2" descr="https://i.pinimg.com/originals/ff/7d/6e/ff7d6e510e56cb9a476a4ff6db3a79ef.png"/>
+          <p:cNvPr id="5122" name="Picture 2" descr="https://scx2.b-cdn.net/gfx/news/hires/2014/schrodingers.png"/>
           <p:cNvPicPr>
             <a:picLocks noChangeAspect="1" noChangeArrowheads="1"/>
           </p:cNvPicPr>
           <p:nvPr/>
         </p:nvPicPr>
-        <p:blipFill rotWithShape="1">
-          <a:blip r:embed="rId7" cstate="print">
+        <p:blipFill>
+          <a:blip r:embed="rId7">
             <a:extLst>
               <a:ext uri="{28A0092B-C50C-407E-A947-70E740481C1C}">
                 <a14:useLocalDpi xmlns:a14="http://schemas.microsoft.com/office/drawing/2010/main" val="0"/>
               </a:ext>
             </a:extLst>
           </a:blip>
-          <a:srcRect t="26905"/>
-          <a:stretch/>
+          <a:srcRect/>
+          <a:stretch>
+            <a:fillRect/>
+          </a:stretch>
         </p:blipFill>
         <p:spPr bwMode="auto">
           <a:xfrm>
-            <a:off x="7241959" y="2366296"/>
-            <a:ext cx="2833033" cy="3880687"/>
+            <a:off x="6181725" y="2493328"/>
+            <a:ext cx="4765937" cy="2528750"/>
           </a:xfrm>
           <a:prstGeom prst="rect">
             <a:avLst/>
@@ -9372,7 +9409,7 @@
     </p:spTree>
     <p:extLst>
       <p:ext uri="{BB962C8B-B14F-4D97-AF65-F5344CB8AC3E}">
-        <p14:creationId xmlns:p14="http://schemas.microsoft.com/office/powerpoint/2010/main" val="150956824"/>
+        <p14:creationId xmlns:p14="http://schemas.microsoft.com/office/powerpoint/2010/main" val="3892673006"/>
       </p:ext>
     </p:extLst>
   </p:cSld>
@@ -9612,7 +9649,15 @@
                   <a:schemeClr val="bg2"/>
                 </a:solidFill>
               </a:rPr>
-              <a:t>Wave Function</a:t>
+              <a:t>Wave </a:t>
+            </a:r>
+            <a:r>
+              <a:rPr lang="en-US" dirty="0">
+                <a:solidFill>
+                  <a:schemeClr val="bg2"/>
+                </a:solidFill>
+              </a:rPr>
+              <a:t>Function</a:t>
             </a:r>
           </a:p>
           <a:p>
@@ -9622,19 +9667,9 @@
                   <a:schemeClr val="bg2"/>
                 </a:solidFill>
               </a:rPr>
-              <a:t>Superposition</a:t>
-            </a:r>
-          </a:p>
-          <a:p>
-            <a:r>
-              <a:rPr lang="en-US" dirty="0" smtClean="0">
-                <a:solidFill>
-                  <a:schemeClr val="bg2"/>
-                </a:solidFill>
-              </a:rPr>
               <a:t>Measurement</a:t>
             </a:r>
-            <a:endParaRPr lang="en-US" dirty="0">
+            <a:endParaRPr lang="en-US" dirty="0" smtClean="0">
               <a:solidFill>
                 <a:schemeClr val="bg2"/>
               </a:solidFill>
@@ -9642,7 +9677,17 @@
           </a:p>
           <a:p>
             <a:r>
-              <a:rPr lang="en-US" dirty="0"/>
+              <a:rPr lang="en-US" dirty="0" smtClean="0">
+                <a:solidFill>
+                  <a:schemeClr val="bg2"/>
+                </a:solidFill>
+              </a:rPr>
+              <a:t>Superposition</a:t>
+            </a:r>
+          </a:p>
+          <a:p>
+            <a:r>
+              <a:rPr lang="en-US" dirty="0" smtClean="0"/>
               <a:t>Deconherence</a:t>
             </a:r>
             <a:endParaRPr lang="en-US" dirty="0" smtClean="0">
@@ -9937,7 +9982,15 @@
                   <a:schemeClr val="bg2"/>
                 </a:solidFill>
               </a:rPr>
-              <a:t>Wave Function</a:t>
+              <a:t>Wave </a:t>
+            </a:r>
+            <a:r>
+              <a:rPr lang="en-US" dirty="0">
+                <a:solidFill>
+                  <a:schemeClr val="bg2"/>
+                </a:solidFill>
+              </a:rPr>
+              <a:t>Function</a:t>
             </a:r>
           </a:p>
           <a:p>
@@ -9947,19 +10000,23 @@
                   <a:schemeClr val="bg2"/>
                 </a:solidFill>
               </a:rPr>
+              <a:t>Measurement</a:t>
+            </a:r>
+            <a:endParaRPr lang="en-US" dirty="0" smtClean="0">
+              <a:solidFill>
+                <a:schemeClr val="bg2"/>
+              </a:solidFill>
+            </a:endParaRPr>
+          </a:p>
+          <a:p>
+            <a:r>
+              <a:rPr lang="en-US" dirty="0" smtClean="0">
+                <a:solidFill>
+                  <a:schemeClr val="bg2"/>
+                </a:solidFill>
+              </a:rPr>
               <a:t>Superposition</a:t>
             </a:r>
-          </a:p>
-          <a:p>
-            <a:r>
-              <a:rPr lang="en-US" dirty="0" smtClean="0">
-                <a:solidFill>
-                  <a:schemeClr val="bg2"/>
-                </a:solidFill>
-              </a:rPr>
-              <a:t>Measurement</a:t>
-            </a:r>
-            <a:endParaRPr lang="en-US" dirty="0" smtClean="0"/>
           </a:p>
           <a:p>
             <a:r>
@@ -11022,7 +11079,15 @@
                   <a:schemeClr val="bg2"/>
                 </a:solidFill>
               </a:rPr>
-              <a:t>Quantum Everywhere</a:t>
+              <a:t>Quantum </a:t>
+            </a:r>
+            <a:r>
+              <a:rPr lang="en-US" sz="2400" dirty="0">
+                <a:solidFill>
+                  <a:schemeClr val="bg2"/>
+                </a:solidFill>
+              </a:rPr>
+              <a:t>Everywhere</a:t>
             </a:r>
           </a:p>
           <a:p>
@@ -11031,12 +11096,12 @@
               <a:buChar char="o"/>
             </a:pPr>
             <a:r>
-              <a:rPr lang="en-US" sz="2000" dirty="0" smtClean="0">
-                <a:solidFill>
-                  <a:schemeClr val="bg2"/>
-                </a:solidFill>
-              </a:rPr>
-              <a:t>Quantum Machine Learning</a:t>
+              <a:rPr lang="en-US" sz="2000" dirty="0">
+                <a:solidFill>
+                  <a:schemeClr val="bg2"/>
+                </a:solidFill>
+              </a:rPr>
+              <a:t>Quantum Cryptography</a:t>
             </a:r>
           </a:p>
           <a:p>
@@ -11045,13 +11110,18 @@
               <a:buChar char="o"/>
             </a:pPr>
             <a:r>
-              <a:rPr lang="en-US" sz="2000" dirty="0" smtClean="0">
+              <a:rPr lang="en-US" sz="2000" dirty="0">
                 <a:solidFill>
                   <a:schemeClr val="bg2"/>
                 </a:solidFill>
               </a:rPr>
               <a:t>Quantum Game Theory</a:t>
             </a:r>
+            <a:endParaRPr lang="en-US" dirty="0">
+              <a:solidFill>
+                <a:schemeClr val="bg2"/>
+              </a:solidFill>
+            </a:endParaRPr>
           </a:p>
           <a:p>
             <a:pPr lvl="1">
@@ -11059,12 +11129,12 @@
               <a:buChar char="o"/>
             </a:pPr>
             <a:r>
-              <a:rPr lang="en-US" sz="2000" dirty="0" smtClean="0">
-                <a:solidFill>
-                  <a:schemeClr val="bg2"/>
-                </a:solidFill>
-              </a:rPr>
-              <a:t>Quantum Cryptography</a:t>
+              <a:rPr lang="en-US" sz="2000" dirty="0">
+                <a:solidFill>
+                  <a:schemeClr val="bg2"/>
+                </a:solidFill>
+              </a:rPr>
+              <a:t>Quantum Machine Learning</a:t>
             </a:r>
           </a:p>
           <a:p>
@@ -11073,13 +11143,18 @@
               <a:buChar char="o"/>
             </a:pPr>
             <a:r>
-              <a:rPr lang="en-US" sz="2000" dirty="0" smtClean="0">
+              <a:rPr lang="en-US" sz="2000" dirty="0">
                 <a:solidFill>
                   <a:schemeClr val="bg2"/>
                 </a:solidFill>
               </a:rPr>
               <a:t>Quantum Simulations</a:t>
             </a:r>
+            <a:endParaRPr lang="en-US" sz="2000" dirty="0" smtClean="0">
+              <a:solidFill>
+                <a:schemeClr val="bg2"/>
+              </a:solidFill>
+            </a:endParaRPr>
           </a:p>
           <a:p>
             <a:pPr>
@@ -15666,12 +15741,51 @@
         </p:blipFill>
         <p:spPr>
           <a:xfrm>
-            <a:off x="7008007" y="3066531"/>
+            <a:off x="7265591" y="1965313"/>
             <a:ext cx="3939655" cy="765584"/>
           </a:xfrm>
           <a:prstGeom prst="rect">
             <a:avLst/>
           </a:prstGeom>
+        </p:spPr>
+      </p:pic>
+      <p:pic>
+        <p:nvPicPr>
+          <p:cNvPr id="4098" name="Picture 2" descr="III Quantum information representation and manipulation‣ PHYS483: Quantum  information processing—Lecture Notes"/>
+          <p:cNvPicPr>
+            <a:picLocks noChangeAspect="1" noChangeArrowheads="1"/>
+          </p:cNvPicPr>
+          <p:nvPr/>
+        </p:nvPicPr>
+        <p:blipFill rotWithShape="1">
+          <a:blip r:embed="rId8">
+            <a:extLst>
+              <a:ext uri="{28A0092B-C50C-407E-A947-70E740481C1C}">
+                <a14:useLocalDpi xmlns:a14="http://schemas.microsoft.com/office/drawing/2010/main" val="0"/>
+              </a:ext>
+            </a:extLst>
+          </a:blip>
+          <a:srcRect b="66151"/>
+          <a:stretch/>
+        </p:blipFill>
+        <p:spPr bwMode="auto">
+          <a:xfrm>
+            <a:off x="7008006" y="3229583"/>
+            <a:ext cx="4454824" cy="2084896"/>
+          </a:xfrm>
+          <a:prstGeom prst="rect">
+            <a:avLst/>
+          </a:prstGeom>
+          <a:noFill/>
+          <a:extLst>
+            <a:ext uri="{909E8E84-426E-40DD-AFC4-6F175D3DCCD1}">
+              <a14:hiddenFill xmlns:a14="http://schemas.microsoft.com/office/drawing/2010/main">
+                <a:solidFill>
+                  <a:srgbClr val="FFFFFF"/>
+                </a:solidFill>
+              </a14:hiddenFill>
+            </a:ext>
+          </a:extLst>
         </p:spPr>
       </p:pic>
     </p:spTree>
@@ -16660,7 +16774,15 @@
                   <a:schemeClr val="bg2"/>
                 </a:solidFill>
               </a:rPr>
-              <a:t>Quantum Everywhere</a:t>
+              <a:t>Quantum </a:t>
+            </a:r>
+            <a:r>
+              <a:rPr lang="en-US" sz="2400" dirty="0">
+                <a:solidFill>
+                  <a:schemeClr val="bg2"/>
+                </a:solidFill>
+              </a:rPr>
+              <a:t>Everywhere</a:t>
             </a:r>
           </a:p>
           <a:p>
@@ -16669,12 +16791,12 @@
               <a:buChar char="o"/>
             </a:pPr>
             <a:r>
-              <a:rPr lang="en-US" sz="2000" dirty="0" smtClean="0">
-                <a:solidFill>
-                  <a:schemeClr val="bg2"/>
-                </a:solidFill>
-              </a:rPr>
-              <a:t>Quantum Machine Learning</a:t>
+              <a:rPr lang="en-US" sz="2000" dirty="0">
+                <a:solidFill>
+                  <a:schemeClr val="bg2"/>
+                </a:solidFill>
+              </a:rPr>
+              <a:t>Quantum Cryptography</a:t>
             </a:r>
           </a:p>
           <a:p>
@@ -16683,13 +16805,18 @@
               <a:buChar char="o"/>
             </a:pPr>
             <a:r>
-              <a:rPr lang="en-US" sz="2000" dirty="0" smtClean="0">
+              <a:rPr lang="en-US" sz="2000" dirty="0">
                 <a:solidFill>
                   <a:schemeClr val="bg2"/>
                 </a:solidFill>
               </a:rPr>
               <a:t>Quantum Game Theory</a:t>
             </a:r>
+            <a:endParaRPr lang="en-US" dirty="0">
+              <a:solidFill>
+                <a:schemeClr val="bg2"/>
+              </a:solidFill>
+            </a:endParaRPr>
           </a:p>
           <a:p>
             <a:pPr lvl="1">
@@ -16697,12 +16824,12 @@
               <a:buChar char="o"/>
             </a:pPr>
             <a:r>
-              <a:rPr lang="en-US" sz="2000" dirty="0" smtClean="0">
-                <a:solidFill>
-                  <a:schemeClr val="bg2"/>
-                </a:solidFill>
-              </a:rPr>
-              <a:t>Quantum Cryptography</a:t>
+              <a:rPr lang="en-US" sz="2000" dirty="0">
+                <a:solidFill>
+                  <a:schemeClr val="bg2"/>
+                </a:solidFill>
+              </a:rPr>
+              <a:t>Quantum Machine Learning</a:t>
             </a:r>
           </a:p>
           <a:p>
@@ -16711,13 +16838,18 @@
               <a:buChar char="o"/>
             </a:pPr>
             <a:r>
-              <a:rPr lang="en-US" sz="2000" dirty="0" smtClean="0">
+              <a:rPr lang="en-US" sz="2000" dirty="0">
                 <a:solidFill>
                   <a:schemeClr val="bg2"/>
                 </a:solidFill>
               </a:rPr>
               <a:t>Quantum Simulations</a:t>
             </a:r>
+            <a:endParaRPr lang="en-US" sz="2000" dirty="0" smtClean="0">
+              <a:solidFill>
+                <a:schemeClr val="bg2"/>
+              </a:solidFill>
+            </a:endParaRPr>
           </a:p>
           <a:p>
             <a:pPr>
@@ -17733,6 +17865,13 @@
   <p:clrMapOvr>
     <a:masterClrMapping/>
   </p:clrMapOvr>
+  <p:timing>
+    <p:tnLst>
+      <p:par>
+        <p:cTn id="1" dur="indefinite" restart="never" nodeType="tmRoot"/>
+      </p:par>
+    </p:tnLst>
+  </p:timing>
 </p:sld>
 </file>
 
@@ -18175,15 +18314,7 @@
                   <a:schemeClr val="bg2"/>
                 </a:solidFill>
               </a:rPr>
-              <a:t>No-cloning </a:t>
-            </a:r>
-            <a:r>
-              <a:rPr lang="en-US" dirty="0" smtClean="0">
-                <a:solidFill>
-                  <a:schemeClr val="bg2"/>
-                </a:solidFill>
-              </a:rPr>
-              <a:t>theorem</a:t>
+              <a:t>No-cloning theorem</a:t>
             </a:r>
             <a:endParaRPr lang="en-US" dirty="0">
               <a:solidFill>
@@ -18284,6 +18415,13 @@
   <p:clrMapOvr>
     <a:masterClrMapping/>
   </p:clrMapOvr>
+  <p:timing>
+    <p:tnLst>
+      <p:par>
+        <p:cTn id="1" dur="indefinite" restart="never" nodeType="tmRoot"/>
+      </p:par>
+    </p:tnLst>
+  </p:timing>
 </p:sld>
 </file>
 
@@ -18725,7 +18863,6 @@
               <a:rPr lang="en-US" dirty="0" smtClean="0"/>
               <a:t>set</a:t>
             </a:r>
-            <a:endParaRPr lang="en-US" dirty="0" smtClean="0"/>
           </a:p>
           <a:p>
             <a:r>
@@ -18870,6 +19007,13 @@
   <p:clrMapOvr>
     <a:masterClrMapping/>
   </p:clrMapOvr>
+  <p:timing>
+    <p:tnLst>
+      <p:par>
+        <p:cTn id="1" dur="indefinite" restart="never" nodeType="tmRoot"/>
+      </p:par>
+    </p:tnLst>
+  </p:timing>
 </p:sld>
 </file>
 
@@ -19433,6 +19577,13 @@
   <p:clrMapOvr>
     <a:masterClrMapping/>
   </p:clrMapOvr>
+  <p:timing>
+    <p:tnLst>
+      <p:par>
+        <p:cTn id="1" dur="indefinite" restart="never" nodeType="tmRoot"/>
+      </p:par>
+    </p:tnLst>
+  </p:timing>
 </p:sld>
 </file>
 
@@ -19624,16 +19775,42 @@
           <a:p>
             <a:r>
               <a:rPr lang="en-US" sz="3600" dirty="0" smtClean="0"/>
-              <a:t>Quantum </a:t>
-            </a:r>
-            <a:r>
-              <a:rPr lang="en-US" sz="3600" dirty="0" smtClean="0"/>
-              <a:t>Algorithms: Quantum Teleportation</a:t>
+              <a:t>Quantum Algorithms: Quantum Teleportation</a:t>
             </a:r>
             <a:endParaRPr lang="en-US" sz="3600" dirty="0"/>
           </a:p>
         </p:txBody>
       </p:sp>
+      <p:pic>
+        <p:nvPicPr>
+          <p:cNvPr id="2" name="Picture 1"/>
+          <p:cNvPicPr>
+            <a:picLocks noChangeAspect="1"/>
+          </p:cNvPicPr>
+          <p:nvPr/>
+        </p:nvPicPr>
+        <p:blipFill>
+          <a:blip r:embed="rId7">
+            <a:extLst>
+              <a:ext uri="{28A0092B-C50C-407E-A947-70E740481C1C}">
+                <a14:useLocalDpi xmlns:a14="http://schemas.microsoft.com/office/drawing/2010/main" val="0"/>
+              </a:ext>
+            </a:extLst>
+          </a:blip>
+          <a:stretch>
+            <a:fillRect/>
+          </a:stretch>
+        </p:blipFill>
+        <p:spPr>
+          <a:xfrm>
+            <a:off x="2022047" y="2545693"/>
+            <a:ext cx="8147901" cy="3226072"/>
+          </a:xfrm>
+          <a:prstGeom prst="rect">
+            <a:avLst/>
+          </a:prstGeom>
+        </p:spPr>
+      </p:pic>
     </p:spTree>
     <p:extLst>
       <p:ext uri="{BB962C8B-B14F-4D97-AF65-F5344CB8AC3E}">
@@ -19644,6 +19821,13 @@
   <p:clrMapOvr>
     <a:masterClrMapping/>
   </p:clrMapOvr>
+  <p:timing>
+    <p:tnLst>
+      <p:par>
+        <p:cTn id="1" dur="indefinite" restart="never" nodeType="tmRoot"/>
+      </p:par>
+    </p:tnLst>
+  </p:timing>
 </p:sld>
 </file>
 
@@ -19835,20 +20019,39 @@
           <a:p>
             <a:r>
               <a:rPr lang="en-US" sz="3600" dirty="0" smtClean="0"/>
-              <a:t>Quantum </a:t>
-            </a:r>
-            <a:r>
-              <a:rPr lang="en-US" sz="3600" dirty="0" smtClean="0"/>
-              <a:t>Algorithms</a:t>
+              <a:t>Quantum Algorithms</a:t>
             </a:r>
             <a:r>
               <a:rPr lang="en-US" sz="3600" dirty="0"/>
               <a:t>: Deutsch-Jozsa algorithm</a:t>
             </a:r>
-            <a:endParaRPr lang="en-US" sz="3600" dirty="0"/>
-          </a:p>
-        </p:txBody>
-      </p:sp>
+          </a:p>
+        </p:txBody>
+      </p:sp>
+      <p:pic>
+        <p:nvPicPr>
+          <p:cNvPr id="2" name="Picture 1"/>
+          <p:cNvPicPr>
+            <a:picLocks noChangeAspect="1"/>
+          </p:cNvPicPr>
+          <p:nvPr/>
+        </p:nvPicPr>
+        <p:blipFill>
+          <a:blip r:embed="rId7"/>
+          <a:stretch>
+            <a:fillRect/>
+          </a:stretch>
+        </p:blipFill>
+        <p:spPr>
+          <a:xfrm>
+            <a:off x="2452096" y="2419867"/>
+            <a:ext cx="7287803" cy="3769794"/>
+          </a:xfrm>
+          <a:prstGeom prst="rect">
+            <a:avLst/>
+          </a:prstGeom>
+        </p:spPr>
+      </p:pic>
     </p:spTree>
     <p:extLst>
       <p:ext uri="{BB962C8B-B14F-4D97-AF65-F5344CB8AC3E}">
@@ -19859,6 +20062,13 @@
   <p:clrMapOvr>
     <a:masterClrMapping/>
   </p:clrMapOvr>
+  <p:timing>
+    <p:tnLst>
+      <p:par>
+        <p:cTn id="1" dur="indefinite" restart="never" nodeType="tmRoot"/>
+      </p:par>
+    </p:tnLst>
+  </p:timing>
 </p:sld>
 </file>
 
@@ -20050,20 +20260,39 @@
           <a:p>
             <a:r>
               <a:rPr lang="en-US" sz="3600" dirty="0" smtClean="0"/>
-              <a:t>Quantum </a:t>
-            </a:r>
-            <a:r>
-              <a:rPr lang="en-US" sz="3600" dirty="0" smtClean="0"/>
-              <a:t>Algorithms</a:t>
+              <a:t>Quantum Algorithms</a:t>
             </a:r>
             <a:r>
               <a:rPr lang="en-US" sz="3600" dirty="0"/>
               <a:t>: Grover’s algorithm</a:t>
             </a:r>
-            <a:endParaRPr lang="en-US" sz="3600" dirty="0"/>
-          </a:p>
-        </p:txBody>
-      </p:sp>
+          </a:p>
+        </p:txBody>
+      </p:sp>
+      <p:pic>
+        <p:nvPicPr>
+          <p:cNvPr id="2" name="Picture 1"/>
+          <p:cNvPicPr>
+            <a:picLocks noChangeAspect="1"/>
+          </p:cNvPicPr>
+          <p:nvPr/>
+        </p:nvPicPr>
+        <p:blipFill>
+          <a:blip r:embed="rId7"/>
+          <a:stretch>
+            <a:fillRect/>
+          </a:stretch>
+        </p:blipFill>
+        <p:spPr>
+          <a:xfrm>
+            <a:off x="1781666" y="2407325"/>
+            <a:ext cx="8700940" cy="3241406"/>
+          </a:xfrm>
+          <a:prstGeom prst="rect">
+            <a:avLst/>
+          </a:prstGeom>
+        </p:spPr>
+      </p:pic>
     </p:spTree>
     <p:extLst>
       <p:ext uri="{BB962C8B-B14F-4D97-AF65-F5344CB8AC3E}">
@@ -20074,6 +20303,13 @@
   <p:clrMapOvr>
     <a:masterClrMapping/>
   </p:clrMapOvr>
+  <p:timing>
+    <p:tnLst>
+      <p:par>
+        <p:cTn id="1" dur="indefinite" restart="never" nodeType="tmRoot"/>
+      </p:par>
+    </p:tnLst>
+  </p:timing>
 </p:sld>
 </file>
 
@@ -20265,20 +20501,39 @@
           <a:p>
             <a:r>
               <a:rPr lang="en-US" sz="3600" dirty="0" smtClean="0"/>
-              <a:t>Quantum </a:t>
-            </a:r>
-            <a:r>
-              <a:rPr lang="en-US" sz="3600" dirty="0" smtClean="0"/>
-              <a:t>Algorithms</a:t>
+              <a:t>Quantum Algorithms</a:t>
             </a:r>
             <a:r>
               <a:rPr lang="en-US" sz="3600" dirty="0"/>
               <a:t>: Quantum Fourier Transform</a:t>
             </a:r>
-            <a:endParaRPr lang="en-US" sz="3600" dirty="0"/>
-          </a:p>
-        </p:txBody>
-      </p:sp>
+          </a:p>
+        </p:txBody>
+      </p:sp>
+      <p:pic>
+        <p:nvPicPr>
+          <p:cNvPr id="2" name="Picture 1"/>
+          <p:cNvPicPr>
+            <a:picLocks noChangeAspect="1"/>
+          </p:cNvPicPr>
+          <p:nvPr/>
+        </p:nvPicPr>
+        <p:blipFill>
+          <a:blip r:embed="rId7"/>
+          <a:stretch>
+            <a:fillRect/>
+          </a:stretch>
+        </p:blipFill>
+        <p:spPr>
+          <a:xfrm>
+            <a:off x="1038224" y="2811737"/>
+            <a:ext cx="10182225" cy="2542394"/>
+          </a:xfrm>
+          <a:prstGeom prst="rect">
+            <a:avLst/>
+          </a:prstGeom>
+        </p:spPr>
+      </p:pic>
     </p:spTree>
     <p:extLst>
       <p:ext uri="{BB962C8B-B14F-4D97-AF65-F5344CB8AC3E}">
@@ -20289,6 +20544,13 @@
   <p:clrMapOvr>
     <a:masterClrMapping/>
   </p:clrMapOvr>
+  <p:timing>
+    <p:tnLst>
+      <p:par>
+        <p:cTn id="1" dur="indefinite" restart="never" nodeType="tmRoot"/>
+      </p:par>
+    </p:tnLst>
+  </p:timing>
 </p:sld>
 </file>
 
@@ -20480,20 +20742,39 @@
           <a:p>
             <a:r>
               <a:rPr lang="en-US" sz="3600" dirty="0" smtClean="0"/>
-              <a:t>Quantum </a:t>
-            </a:r>
-            <a:r>
-              <a:rPr lang="en-US" sz="3600" dirty="0" smtClean="0"/>
-              <a:t>Algorithms</a:t>
+              <a:t>Quantum Algorithms</a:t>
             </a:r>
             <a:r>
               <a:rPr lang="en-US" sz="3600" dirty="0"/>
               <a:t>: Shor’s algorithm</a:t>
             </a:r>
-            <a:endParaRPr lang="en-US" sz="3600" dirty="0"/>
-          </a:p>
-        </p:txBody>
-      </p:sp>
+          </a:p>
+        </p:txBody>
+      </p:sp>
+      <p:pic>
+        <p:nvPicPr>
+          <p:cNvPr id="2" name="Picture 1"/>
+          <p:cNvPicPr>
+            <a:picLocks noChangeAspect="1"/>
+          </p:cNvPicPr>
+          <p:nvPr/>
+        </p:nvPicPr>
+        <p:blipFill>
+          <a:blip r:embed="rId7"/>
+          <a:stretch>
+            <a:fillRect/>
+          </a:stretch>
+        </p:blipFill>
+        <p:spPr>
+          <a:xfrm>
+            <a:off x="1433510" y="2550131"/>
+            <a:ext cx="9324975" cy="3509266"/>
+          </a:xfrm>
+          <a:prstGeom prst="rect">
+            <a:avLst/>
+          </a:prstGeom>
+        </p:spPr>
+      </p:pic>
     </p:spTree>
     <p:extLst>
       <p:ext uri="{BB962C8B-B14F-4D97-AF65-F5344CB8AC3E}">
@@ -20504,6 +20785,13 @@
   <p:clrMapOvr>
     <a:masterClrMapping/>
   </p:clrMapOvr>
+  <p:timing>
+    <p:tnLst>
+      <p:par>
+        <p:cTn id="1" dur="indefinite" restart="never" nodeType="tmRoot"/>
+      </p:par>
+    </p:tnLst>
+  </p:timing>
 </p:sld>
 </file>
 
@@ -20971,7 +21259,15 @@
                   <a:schemeClr val="bg2"/>
                 </a:solidFill>
               </a:rPr>
-              <a:t>Quantum Everywhere</a:t>
+              <a:t>Quantum </a:t>
+            </a:r>
+            <a:r>
+              <a:rPr lang="en-US" sz="2400" dirty="0">
+                <a:solidFill>
+                  <a:schemeClr val="bg2"/>
+                </a:solidFill>
+              </a:rPr>
+              <a:t>Everywhere</a:t>
             </a:r>
           </a:p>
           <a:p>
@@ -20980,12 +21276,12 @@
               <a:buChar char="o"/>
             </a:pPr>
             <a:r>
-              <a:rPr lang="en-US" sz="2000" dirty="0" smtClean="0">
-                <a:solidFill>
-                  <a:schemeClr val="bg2"/>
-                </a:solidFill>
-              </a:rPr>
-              <a:t>Quantum Machine Learning</a:t>
+              <a:rPr lang="en-US" sz="2000" dirty="0">
+                <a:solidFill>
+                  <a:schemeClr val="bg2"/>
+                </a:solidFill>
+              </a:rPr>
+              <a:t>Quantum Cryptography</a:t>
             </a:r>
           </a:p>
           <a:p>
@@ -20994,13 +21290,18 @@
               <a:buChar char="o"/>
             </a:pPr>
             <a:r>
-              <a:rPr lang="en-US" sz="2000" dirty="0" smtClean="0">
+              <a:rPr lang="en-US" sz="2000" dirty="0">
                 <a:solidFill>
                   <a:schemeClr val="bg2"/>
                 </a:solidFill>
               </a:rPr>
               <a:t>Quantum Game Theory</a:t>
             </a:r>
+            <a:endParaRPr lang="en-US" dirty="0">
+              <a:solidFill>
+                <a:schemeClr val="bg2"/>
+              </a:solidFill>
+            </a:endParaRPr>
           </a:p>
           <a:p>
             <a:pPr lvl="1">
@@ -21008,12 +21309,12 @@
               <a:buChar char="o"/>
             </a:pPr>
             <a:r>
-              <a:rPr lang="en-US" sz="2000" dirty="0" smtClean="0">
-                <a:solidFill>
-                  <a:schemeClr val="bg2"/>
-                </a:solidFill>
-              </a:rPr>
-              <a:t>Quantum Cryptography</a:t>
+              <a:rPr lang="en-US" sz="2000" dirty="0">
+                <a:solidFill>
+                  <a:schemeClr val="bg2"/>
+                </a:solidFill>
+              </a:rPr>
+              <a:t>Quantum Machine Learning</a:t>
             </a:r>
           </a:p>
           <a:p>
@@ -21022,21 +21323,18 @@
               <a:buChar char="o"/>
             </a:pPr>
             <a:r>
-              <a:rPr lang="en-US" sz="2000" dirty="0" smtClean="0">
-                <a:solidFill>
-                  <a:schemeClr val="bg2"/>
-                </a:solidFill>
-              </a:rPr>
-              <a:t>Quantum </a:t>
-            </a:r>
-            <a:r>
-              <a:rPr lang="en-US" sz="2000" dirty="0" smtClean="0">
-                <a:solidFill>
-                  <a:schemeClr val="bg2"/>
-                </a:solidFill>
-              </a:rPr>
-              <a:t>Simulations</a:t>
-            </a:r>
+              <a:rPr lang="en-US" sz="2000" dirty="0">
+                <a:solidFill>
+                  <a:schemeClr val="bg2"/>
+                </a:solidFill>
+              </a:rPr>
+              <a:t>Quantum Simulations</a:t>
+            </a:r>
+            <a:endParaRPr lang="en-US" sz="2000" dirty="0" smtClean="0">
+              <a:solidFill>
+                <a:schemeClr val="bg2"/>
+              </a:solidFill>
+            </a:endParaRPr>
           </a:p>
           <a:p>
             <a:pPr>
@@ -21275,22 +21573,67 @@
             <a:pPr algn="ctr"/>
             <a:r>
               <a:rPr lang="en-US" sz="3600" dirty="0"/>
-              <a:t>Quantum Machine Learning</a:t>
-            </a:r>
-            <a:endParaRPr lang="en-US" sz="3600" dirty="0"/>
-          </a:p>
-        </p:txBody>
-      </p:sp>
+              <a:t>Quantum Cryptography</a:t>
+            </a:r>
+          </a:p>
+        </p:txBody>
+      </p:sp>
+      <p:pic>
+        <p:nvPicPr>
+          <p:cNvPr id="2050" name="Picture 2" descr="https://i.ytimg.com/vi/u_K9jPBrOwA/maxresdefault.jpg"/>
+          <p:cNvPicPr>
+            <a:picLocks noChangeAspect="1" noChangeArrowheads="1"/>
+          </p:cNvPicPr>
+          <p:nvPr/>
+        </p:nvPicPr>
+        <p:blipFill rotWithShape="1">
+          <a:blip r:embed="rId7">
+            <a:extLst>
+              <a:ext uri="{28A0092B-C50C-407E-A947-70E740481C1C}">
+                <a14:useLocalDpi xmlns:a14="http://schemas.microsoft.com/office/drawing/2010/main" val="0"/>
+              </a:ext>
+            </a:extLst>
+          </a:blip>
+          <a:srcRect l="12655" r="14220"/>
+          <a:stretch/>
+        </p:blipFill>
+        <p:spPr bwMode="auto">
+          <a:xfrm>
+            <a:off x="3174015" y="2039149"/>
+            <a:ext cx="5843965" cy="4495358"/>
+          </a:xfrm>
+          <a:prstGeom prst="rect">
+            <a:avLst/>
+          </a:prstGeom>
+          <a:noFill/>
+          <a:extLst>
+            <a:ext uri="{909E8E84-426E-40DD-AFC4-6F175D3DCCD1}">
+              <a14:hiddenFill xmlns:a14="http://schemas.microsoft.com/office/drawing/2010/main">
+                <a:solidFill>
+                  <a:srgbClr val="FFFFFF"/>
+                </a:solidFill>
+              </a14:hiddenFill>
+            </a:ext>
+          </a:extLst>
+        </p:spPr>
+      </p:pic>
     </p:spTree>
     <p:extLst>
       <p:ext uri="{BB962C8B-B14F-4D97-AF65-F5344CB8AC3E}">
-        <p14:creationId xmlns:p14="http://schemas.microsoft.com/office/powerpoint/2010/main" val="3372092177"/>
+        <p14:creationId xmlns:p14="http://schemas.microsoft.com/office/powerpoint/2010/main" val="2512873881"/>
       </p:ext>
     </p:extLst>
   </p:cSld>
   <p:clrMapOvr>
     <a:masterClrMapping/>
   </p:clrMapOvr>
+  <p:timing>
+    <p:tnLst>
+      <p:par>
+        <p:cTn id="1" dur="indefinite" restart="never" nodeType="tmRoot"/>
+      </p:par>
+    </p:tnLst>
+  </p:timing>
 </p:sld>
 </file>
 
@@ -21485,10 +21828,63 @@
               <a:rPr lang="en-US" sz="3600" dirty="0"/>
               <a:t>Quantum Game Theory</a:t>
             </a:r>
-            <a:endParaRPr lang="en-US" sz="3600" dirty="0"/>
-          </a:p>
-        </p:txBody>
-      </p:sp>
+          </a:p>
+        </p:txBody>
+      </p:sp>
+      <p:pic>
+        <p:nvPicPr>
+          <p:cNvPr id="2" name="Picture 1"/>
+          <p:cNvPicPr>
+            <a:picLocks noChangeAspect="1"/>
+          </p:cNvPicPr>
+          <p:nvPr/>
+        </p:nvPicPr>
+        <p:blipFill>
+          <a:blip r:embed="rId7"/>
+          <a:stretch>
+            <a:fillRect/>
+          </a:stretch>
+        </p:blipFill>
+        <p:spPr>
+          <a:xfrm>
+            <a:off x="2237769" y="3347840"/>
+            <a:ext cx="4183799" cy="1378965"/>
+          </a:xfrm>
+          <a:prstGeom prst="rect">
+            <a:avLst/>
+          </a:prstGeom>
+        </p:spPr>
+      </p:pic>
+      <p:pic>
+        <p:nvPicPr>
+          <p:cNvPr id="4" name="Picture 3"/>
+          <p:cNvPicPr>
+            <a:picLocks noChangeAspect="1"/>
+          </p:cNvPicPr>
+          <p:nvPr/>
+        </p:nvPicPr>
+        <p:blipFill>
+          <a:blip r:embed="rId8" cstate="print">
+            <a:extLst>
+              <a:ext uri="{28A0092B-C50C-407E-A947-70E740481C1C}">
+                <a14:useLocalDpi xmlns:a14="http://schemas.microsoft.com/office/drawing/2010/main" val="0"/>
+              </a:ext>
+            </a:extLst>
+          </a:blip>
+          <a:stretch>
+            <a:fillRect/>
+          </a:stretch>
+        </p:blipFill>
+        <p:spPr>
+          <a:xfrm>
+            <a:off x="6807398" y="3065273"/>
+            <a:ext cx="2992184" cy="1944098"/>
+          </a:xfrm>
+          <a:prstGeom prst="rect">
+            <a:avLst/>
+          </a:prstGeom>
+        </p:spPr>
+      </p:pic>
     </p:spTree>
     <p:extLst>
       <p:ext uri="{BB962C8B-B14F-4D97-AF65-F5344CB8AC3E}">
@@ -21499,6 +21895,13 @@
   <p:clrMapOvr>
     <a:masterClrMapping/>
   </p:clrMapOvr>
+  <p:timing>
+    <p:tnLst>
+      <p:par>
+        <p:cTn id="1" dur="indefinite" restart="never" nodeType="tmRoot"/>
+      </p:par>
+    </p:tnLst>
+  </p:timing>
 </p:sld>
 </file>
 
@@ -21691,22 +22094,69 @@
             <a:pPr algn="ctr"/>
             <a:r>
               <a:rPr lang="en-US" sz="3600" dirty="0"/>
-              <a:t>Quantum Cryptography</a:t>
-            </a:r>
-            <a:endParaRPr lang="en-US" sz="3600" dirty="0"/>
-          </a:p>
-        </p:txBody>
-      </p:sp>
+              <a:t>Quantum Machine Learning</a:t>
+            </a:r>
+          </a:p>
+        </p:txBody>
+      </p:sp>
+      <p:pic>
+        <p:nvPicPr>
+          <p:cNvPr id="1026" name="Picture 2" descr="https://1.bp.blogspot.com/-GrKeW5muOdo/XmKfETB0-AI/AAAAAAAAFZw/qct9L-0QI2kMOsuB1i75exhAyGLYOCaMwCLcBGAsYHQ/s1600/image2.png"/>
+          <p:cNvPicPr>
+            <a:picLocks noChangeAspect="1" noChangeArrowheads="1"/>
+          </p:cNvPicPr>
+          <p:nvPr/>
+        </p:nvPicPr>
+        <p:blipFill>
+          <a:blip r:embed="rId7">
+            <a:extLst>
+              <a:ext uri="{28A0092B-C50C-407E-A947-70E740481C1C}">
+                <a14:useLocalDpi xmlns:a14="http://schemas.microsoft.com/office/drawing/2010/main" val="0"/>
+              </a:ext>
+            </a:extLst>
+          </a:blip>
+          <a:srcRect/>
+          <a:stretch>
+            <a:fillRect/>
+          </a:stretch>
+        </p:blipFill>
+        <p:spPr bwMode="auto">
+          <a:xfrm>
+            <a:off x="2656632" y="2072638"/>
+            <a:ext cx="6874687" cy="4092492"/>
+          </a:xfrm>
+          <a:prstGeom prst="rect">
+            <a:avLst/>
+          </a:prstGeom>
+          <a:noFill/>
+          <a:extLst>
+            <a:ext uri="{909E8E84-426E-40DD-AFC4-6F175D3DCCD1}">
+              <a14:hiddenFill xmlns:a14="http://schemas.microsoft.com/office/drawing/2010/main">
+                <a:solidFill>
+                  <a:srgbClr val="FFFFFF"/>
+                </a:solidFill>
+              </a14:hiddenFill>
+            </a:ext>
+          </a:extLst>
+        </p:spPr>
+      </p:pic>
     </p:spTree>
     <p:extLst>
       <p:ext uri="{BB962C8B-B14F-4D97-AF65-F5344CB8AC3E}">
-        <p14:creationId xmlns:p14="http://schemas.microsoft.com/office/powerpoint/2010/main" val="2512873881"/>
+        <p14:creationId xmlns:p14="http://schemas.microsoft.com/office/powerpoint/2010/main" val="3372092177"/>
       </p:ext>
     </p:extLst>
   </p:cSld>
   <p:clrMapOvr>
     <a:masterClrMapping/>
   </p:clrMapOvr>
+  <p:timing>
+    <p:tnLst>
+      <p:par>
+        <p:cTn id="1" dur="indefinite" restart="never" nodeType="tmRoot"/>
+      </p:par>
+    </p:tnLst>
+  </p:timing>
 </p:sld>
 </file>
 
@@ -21901,10 +22351,104 @@
               <a:rPr lang="en-US" sz="3600" dirty="0"/>
               <a:t>Quantum Simulations</a:t>
             </a:r>
-            <a:endParaRPr lang="en-US" sz="3600" dirty="0"/>
-          </a:p>
-        </p:txBody>
-      </p:sp>
+          </a:p>
+        </p:txBody>
+      </p:sp>
+      <p:pic>
+        <p:nvPicPr>
+          <p:cNvPr id="2" name="Picture 1"/>
+          <p:cNvPicPr>
+            <a:picLocks noChangeAspect="1"/>
+          </p:cNvPicPr>
+          <p:nvPr/>
+        </p:nvPicPr>
+        <p:blipFill>
+          <a:blip r:embed="rId7"/>
+          <a:stretch>
+            <a:fillRect/>
+          </a:stretch>
+        </p:blipFill>
+        <p:spPr>
+          <a:xfrm>
+            <a:off x="466725" y="2210459"/>
+            <a:ext cx="5364146" cy="3666368"/>
+          </a:xfrm>
+          <a:prstGeom prst="rect">
+            <a:avLst/>
+          </a:prstGeom>
+        </p:spPr>
+      </p:pic>
+      <p:pic>
+        <p:nvPicPr>
+          <p:cNvPr id="4" name="Picture 3"/>
+          <p:cNvPicPr>
+            <a:picLocks noChangeAspect="1"/>
+          </p:cNvPicPr>
+          <p:nvPr/>
+        </p:nvPicPr>
+        <p:blipFill>
+          <a:blip r:embed="rId8">
+            <a:extLst>
+              <a:ext uri="{28A0092B-C50C-407E-A947-70E740481C1C}">
+                <a14:useLocalDpi xmlns:a14="http://schemas.microsoft.com/office/drawing/2010/main" val="0"/>
+              </a:ext>
+            </a:extLst>
+          </a:blip>
+          <a:stretch>
+            <a:fillRect/>
+          </a:stretch>
+        </p:blipFill>
+        <p:spPr>
+          <a:xfrm>
+            <a:off x="6432642" y="3988553"/>
+            <a:ext cx="5129726" cy="1888274"/>
+          </a:xfrm>
+          <a:prstGeom prst="rect">
+            <a:avLst/>
+          </a:prstGeom>
+        </p:spPr>
+      </p:pic>
+      <p:pic>
+        <p:nvPicPr>
+          <p:cNvPr id="3074" name="Picture 2" descr="https://wires.onlinelibrary.wiley.com/cms/asset/e4746082-c350-457e-9a68-7e580b3ff43f/wcms1481-toc-0001-m.jpg"/>
+          <p:cNvPicPr>
+            <a:picLocks noChangeAspect="1" noChangeArrowheads="1"/>
+          </p:cNvPicPr>
+          <p:nvPr/>
+        </p:nvPicPr>
+        <p:blipFill>
+          <a:blip r:embed="rId9" cstate="print">
+            <a:extLst>
+              <a:ext uri="{28A0092B-C50C-407E-A947-70E740481C1C}">
+                <a14:useLocalDpi xmlns:a14="http://schemas.microsoft.com/office/drawing/2010/main" val="0"/>
+              </a:ext>
+            </a:extLst>
+          </a:blip>
+          <a:srcRect/>
+          <a:stretch>
+            <a:fillRect/>
+          </a:stretch>
+        </p:blipFill>
+        <p:spPr bwMode="auto">
+          <a:xfrm>
+            <a:off x="8517520" y="1340830"/>
+            <a:ext cx="2622554" cy="2027436"/>
+          </a:xfrm>
+          <a:prstGeom prst="rect">
+            <a:avLst/>
+          </a:prstGeom>
+          <a:noFill/>
+          <a:extLst>
+            <a:ext uri="{909E8E84-426E-40DD-AFC4-6F175D3DCCD1}">
+              <a14:hiddenFill xmlns:a14="http://schemas.microsoft.com/office/drawing/2010/main">
+                <a:solidFill>
+                  <a:srgbClr val="FFFFFF"/>
+                </a:solidFill>
+              </a14:hiddenFill>
+            </a:ext>
+          </a:extLst>
+        </p:spPr>
+      </p:pic>
     </p:spTree>
     <p:extLst>
       <p:ext uri="{BB962C8B-B14F-4D97-AF65-F5344CB8AC3E}">
@@ -21915,6 +22459,13 @@
   <p:clrMapOvr>
     <a:masterClrMapping/>
   </p:clrMapOvr>
+  <p:timing>
+    <p:tnLst>
+      <p:par>
+        <p:cTn id="1" dur="indefinite" restart="never" nodeType="tmRoot"/>
+      </p:par>
+    </p:tnLst>
+  </p:timing>
 </p:sld>
 </file>
 
@@ -22301,19 +22852,19 @@
           <a:p>
             <a:r>
               <a:rPr lang="en-US" dirty="0"/>
-              <a:t>Why do we even need quantum computers? If it's just linear algebra, why don't </a:t>
-            </a:r>
-            <a:r>
-              <a:rPr lang="en-US"/>
-              <a:t>we </a:t>
-            </a:r>
-            <a:r>
-              <a:rPr lang="en-US" smtClean="0"/>
+              <a:t>Why do we even need quantum computers? If it's just linear algebra, why don't we </a:t>
+            </a:r>
+            <a:r>
+              <a:rPr lang="en-US" dirty="0" smtClean="0"/>
               <a:t>just emulate </a:t>
             </a:r>
             <a:r>
+              <a:rPr lang="en-US" dirty="0" smtClean="0"/>
+              <a:t>them </a:t>
+            </a:r>
+            <a:r>
               <a:rPr lang="en-US" dirty="0"/>
-              <a:t>quantum computers with classic hardware (</a:t>
+              <a:t>with classic hardware (</a:t>
             </a:r>
             <a:r>
               <a:rPr lang="en-US" dirty="0" smtClean="0"/>
@@ -22349,6 +22900,13 @@
   <p:clrMapOvr>
     <a:masterClrMapping/>
   </p:clrMapOvr>
+  <p:timing>
+    <p:tnLst>
+      <p:par>
+        <p:cTn id="1" dur="indefinite" restart="never" nodeType="tmRoot"/>
+      </p:par>
+    </p:tnLst>
+  </p:timing>
 </p:sld>
 </file>
 
@@ -22804,12 +23362,12 @@
               <a:buChar char="o"/>
             </a:pPr>
             <a:r>
-              <a:rPr lang="en-US" sz="2000" dirty="0" smtClean="0">
-                <a:solidFill>
-                  <a:schemeClr val="bg2"/>
-                </a:solidFill>
-              </a:rPr>
-              <a:t>Quantum Machine Learning</a:t>
+              <a:rPr lang="en-US" sz="2000" dirty="0">
+                <a:solidFill>
+                  <a:schemeClr val="bg2"/>
+                </a:solidFill>
+              </a:rPr>
+              <a:t>Quantum Cryptography</a:t>
             </a:r>
           </a:p>
           <a:p>
@@ -22818,13 +23376,18 @@
               <a:buChar char="o"/>
             </a:pPr>
             <a:r>
-              <a:rPr lang="en-US" sz="2000" dirty="0" smtClean="0">
+              <a:rPr lang="en-US" sz="2000" dirty="0">
                 <a:solidFill>
                   <a:schemeClr val="bg2"/>
                 </a:solidFill>
               </a:rPr>
               <a:t>Quantum Game Theory</a:t>
             </a:r>
+            <a:endParaRPr lang="en-US" dirty="0">
+              <a:solidFill>
+                <a:schemeClr val="bg2"/>
+              </a:solidFill>
+            </a:endParaRPr>
           </a:p>
           <a:p>
             <a:pPr lvl="1">
@@ -22832,12 +23395,12 @@
               <a:buChar char="o"/>
             </a:pPr>
             <a:r>
-              <a:rPr lang="en-US" sz="2000" dirty="0" smtClean="0">
-                <a:solidFill>
-                  <a:schemeClr val="bg2"/>
-                </a:solidFill>
-              </a:rPr>
-              <a:t>Quantum Cryptography</a:t>
+              <a:rPr lang="en-US" sz="2000" dirty="0">
+                <a:solidFill>
+                  <a:schemeClr val="bg2"/>
+                </a:solidFill>
+              </a:rPr>
+              <a:t>Quantum Machine Learning</a:t>
             </a:r>
           </a:p>
           <a:p>
@@ -22846,21 +23409,18 @@
               <a:buChar char="o"/>
             </a:pPr>
             <a:r>
-              <a:rPr lang="en-US" sz="2000" dirty="0" smtClean="0">
-                <a:solidFill>
-                  <a:schemeClr val="bg2"/>
-                </a:solidFill>
-              </a:rPr>
-              <a:t>Quantum </a:t>
-            </a:r>
-            <a:r>
-              <a:rPr lang="en-US" sz="2000" dirty="0" smtClean="0">
-                <a:solidFill>
-                  <a:schemeClr val="bg2"/>
-                </a:solidFill>
-              </a:rPr>
-              <a:t>Simulations</a:t>
-            </a:r>
+              <a:rPr lang="en-US" sz="2000" dirty="0">
+                <a:solidFill>
+                  <a:schemeClr val="bg2"/>
+                </a:solidFill>
+              </a:rPr>
+              <a:t>Quantum Simulations</a:t>
+            </a:r>
+            <a:endParaRPr lang="en-US" sz="2000" dirty="0" smtClean="0">
+              <a:solidFill>
+                <a:schemeClr val="bg2"/>
+              </a:solidFill>
+            </a:endParaRPr>
           </a:p>
           <a:p>
             <a:pPr>
@@ -23363,90 +23923,79 @@
                   <a:schemeClr val="bg2"/>
                 </a:solidFill>
               </a:rPr>
-              <a:t>Shor </a:t>
-            </a:r>
-            <a:r>
-              <a:rPr lang="en-US" sz="2000" dirty="0">
-                <a:solidFill>
-                  <a:schemeClr val="bg2"/>
-                </a:solidFill>
-              </a:rPr>
-              <a:t>Factorization</a:t>
-            </a:r>
-            <a:endParaRPr lang="en-US" sz="2000" dirty="0" smtClean="0">
+              <a:t>Shor Factorization</a:t>
+            </a:r>
+          </a:p>
+          <a:p>
+            <a:pPr>
+              <a:buFont typeface="Courier New" panose="02070309020205020404" pitchFamily="49" charset="0"/>
+              <a:buChar char="o"/>
+            </a:pPr>
+            <a:r>
+              <a:rPr lang="en-US" sz="2400" dirty="0" smtClean="0"/>
+              <a:t>Quantum Everywhere</a:t>
+            </a:r>
+          </a:p>
+          <a:p>
+            <a:pPr lvl="1">
+              <a:buFont typeface="Courier New" panose="02070309020205020404" pitchFamily="49" charset="0"/>
+              <a:buChar char="o"/>
+            </a:pPr>
+            <a:r>
+              <a:rPr lang="en-US" sz="2000" dirty="0"/>
+              <a:t>Quantum Cryptography</a:t>
+            </a:r>
+          </a:p>
+          <a:p>
+            <a:pPr lvl="1">
+              <a:buFont typeface="Courier New" panose="02070309020205020404" pitchFamily="49" charset="0"/>
+              <a:buChar char="o"/>
+            </a:pPr>
+            <a:r>
+              <a:rPr lang="en-US" sz="2000" dirty="0"/>
+              <a:t>Quantum Game Theory</a:t>
+            </a:r>
+            <a:endParaRPr lang="en-US" dirty="0"/>
+          </a:p>
+          <a:p>
+            <a:pPr lvl="1">
+              <a:buFont typeface="Courier New" panose="02070309020205020404" pitchFamily="49" charset="0"/>
+              <a:buChar char="o"/>
+            </a:pPr>
+            <a:r>
+              <a:rPr lang="en-US" sz="2000" dirty="0"/>
+              <a:t>Quantum Machine Learning</a:t>
+            </a:r>
+          </a:p>
+          <a:p>
+            <a:pPr lvl="1">
+              <a:buFont typeface="Courier New" panose="02070309020205020404" pitchFamily="49" charset="0"/>
+              <a:buChar char="o"/>
+            </a:pPr>
+            <a:r>
+              <a:rPr lang="en-US" sz="2000" dirty="0"/>
+              <a:t>Quantum Simulations</a:t>
+            </a:r>
+            <a:endParaRPr lang="en-US" sz="2000" dirty="0" smtClean="0"/>
+          </a:p>
+          <a:p>
+            <a:pPr>
+              <a:buFont typeface="Courier New" panose="02070309020205020404" pitchFamily="49" charset="0"/>
+              <a:buChar char="o"/>
+            </a:pPr>
+            <a:r>
+              <a:rPr lang="en-US" sz="2400" dirty="0">
+                <a:solidFill>
+                  <a:schemeClr val="bg2"/>
+                </a:solidFill>
+              </a:rPr>
+              <a:t>Emulation of Quantum Algorithms</a:t>
+            </a:r>
+            <a:endParaRPr lang="en-US" sz="2400" dirty="0" smtClean="0">
               <a:solidFill>
                 <a:schemeClr val="bg2"/>
               </a:solidFill>
             </a:endParaRPr>
-          </a:p>
-          <a:p>
-            <a:pPr>
-              <a:buFont typeface="Courier New" panose="02070309020205020404" pitchFamily="49" charset="0"/>
-              <a:buChar char="o"/>
-            </a:pPr>
-            <a:r>
-              <a:rPr lang="en-US" sz="2400" dirty="0" smtClean="0"/>
-              <a:t>Quantum Everywhere</a:t>
-            </a:r>
-          </a:p>
-          <a:p>
-            <a:pPr lvl="1">
-              <a:buFont typeface="Courier New" panose="02070309020205020404" pitchFamily="49" charset="0"/>
-              <a:buChar char="o"/>
-            </a:pPr>
-            <a:r>
-              <a:rPr lang="en-US" sz="2000" dirty="0" smtClean="0"/>
-              <a:t>Quantum Machine Learning</a:t>
-            </a:r>
-          </a:p>
-          <a:p>
-            <a:pPr lvl="1">
-              <a:buFont typeface="Courier New" panose="02070309020205020404" pitchFamily="49" charset="0"/>
-              <a:buChar char="o"/>
-            </a:pPr>
-            <a:r>
-              <a:rPr lang="en-US" sz="2000" dirty="0" smtClean="0"/>
-              <a:t>Quantum Game Theory</a:t>
-            </a:r>
-          </a:p>
-          <a:p>
-            <a:pPr lvl="1">
-              <a:buFont typeface="Courier New" panose="02070309020205020404" pitchFamily="49" charset="0"/>
-              <a:buChar char="o"/>
-            </a:pPr>
-            <a:r>
-              <a:rPr lang="en-US" sz="2000" dirty="0" smtClean="0"/>
-              <a:t>Quantum Cryptography</a:t>
-            </a:r>
-          </a:p>
-          <a:p>
-            <a:pPr lvl="1">
-              <a:buFont typeface="Courier New" panose="02070309020205020404" pitchFamily="49" charset="0"/>
-              <a:buChar char="o"/>
-            </a:pPr>
-            <a:r>
-              <a:rPr lang="en-US" sz="2000" dirty="0" smtClean="0"/>
-              <a:t>Quantum </a:t>
-            </a:r>
-            <a:r>
-              <a:rPr lang="en-US" sz="2000" dirty="0" smtClean="0"/>
-              <a:t>Simulations</a:t>
-            </a:r>
-          </a:p>
-          <a:p>
-            <a:pPr>
-              <a:buFont typeface="Courier New" panose="02070309020205020404" pitchFamily="49" charset="0"/>
-              <a:buChar char="o"/>
-            </a:pPr>
-            <a:r>
-              <a:rPr lang="en-US" sz="2400" dirty="0">
-                <a:solidFill>
-                  <a:schemeClr val="bg2"/>
-                </a:solidFill>
-              </a:rPr>
-              <a:t>Emulation of Quantum Algorithms</a:t>
-            </a:r>
-            <a:endParaRPr lang="en-US" sz="2400" dirty="0" smtClean="0"/>
           </a:p>
           <a:p>
             <a:pPr lvl="1">
@@ -23460,7 +24009,7 @@
     </p:spTree>
     <p:extLst>
       <p:ext uri="{BB962C8B-B14F-4D97-AF65-F5344CB8AC3E}">
-        <p14:creationId xmlns:p14="http://schemas.microsoft.com/office/powerpoint/2010/main" val="840447746"/>
+        <p14:creationId xmlns:p14="http://schemas.microsoft.com/office/powerpoint/2010/main" val="1334018383"/>
       </p:ext>
     </p:extLst>
   </p:cSld>
@@ -23930,15 +24479,82 @@
                   <a:schemeClr val="bg2"/>
                 </a:solidFill>
               </a:rPr>
-              <a:t>Shor </a:t>
-            </a:r>
+              <a:t>Shor Factorization</a:t>
+            </a:r>
+          </a:p>
+          <a:p>
+            <a:pPr>
+              <a:buFont typeface="Courier New" panose="02070309020205020404" pitchFamily="49" charset="0"/>
+              <a:buChar char="o"/>
+            </a:pPr>
+            <a:r>
+              <a:rPr lang="en-US" sz="2400" dirty="0" smtClean="0">
+                <a:solidFill>
+                  <a:schemeClr val="bg2"/>
+                </a:solidFill>
+              </a:rPr>
+              <a:t>Quantum Everywhere</a:t>
+            </a:r>
+          </a:p>
+          <a:p>
+            <a:pPr lvl="1">
+              <a:buFont typeface="Courier New" panose="02070309020205020404" pitchFamily="49" charset="0"/>
+              <a:buChar char="o"/>
+            </a:pPr>
             <a:r>
               <a:rPr lang="en-US" sz="2000" dirty="0">
                 <a:solidFill>
                   <a:schemeClr val="bg2"/>
                 </a:solidFill>
               </a:rPr>
-              <a:t>Factorization</a:t>
+              <a:t>Quantum Cryptography</a:t>
+            </a:r>
+          </a:p>
+          <a:p>
+            <a:pPr lvl="1">
+              <a:buFont typeface="Courier New" panose="02070309020205020404" pitchFamily="49" charset="0"/>
+              <a:buChar char="o"/>
+            </a:pPr>
+            <a:r>
+              <a:rPr lang="en-US" sz="2000" dirty="0">
+                <a:solidFill>
+                  <a:schemeClr val="bg2"/>
+                </a:solidFill>
+              </a:rPr>
+              <a:t>Quantum Game Theory</a:t>
+            </a:r>
+            <a:endParaRPr lang="en-US" dirty="0">
+              <a:solidFill>
+                <a:schemeClr val="bg2"/>
+              </a:solidFill>
+            </a:endParaRPr>
+          </a:p>
+          <a:p>
+            <a:pPr lvl="1">
+              <a:buFont typeface="Courier New" panose="02070309020205020404" pitchFamily="49" charset="0"/>
+              <a:buChar char="o"/>
+            </a:pPr>
+            <a:r>
+              <a:rPr lang="en-US" sz="2000" dirty="0">
+                <a:solidFill>
+                  <a:schemeClr val="bg2"/>
+                </a:solidFill>
+              </a:rPr>
+              <a:t>Quantum Machine Learning</a:t>
+            </a:r>
+          </a:p>
+          <a:p>
+            <a:pPr lvl="1">
+              <a:buFont typeface="Courier New" panose="02070309020205020404" pitchFamily="49" charset="0"/>
+              <a:buChar char="o"/>
+            </a:pPr>
+            <a:r>
+              <a:rPr lang="en-US" sz="2000" dirty="0">
+                <a:solidFill>
+                  <a:schemeClr val="bg2"/>
+                </a:solidFill>
+              </a:rPr>
+              <a:t>Quantum Simulations</a:t>
             </a:r>
             <a:endParaRPr lang="en-US" sz="2000" dirty="0" smtClean="0">
               <a:solidFill>
@@ -23952,84 +24568,6 @@
               <a:buChar char="o"/>
             </a:pPr>
             <a:r>
-              <a:rPr lang="en-US" sz="2400" dirty="0" smtClean="0">
-                <a:solidFill>
-                  <a:schemeClr val="bg2"/>
-                </a:solidFill>
-              </a:rPr>
-              <a:t>Quantum Everywhere</a:t>
-            </a:r>
-          </a:p>
-          <a:p>
-            <a:pPr lvl="1">
-              <a:buFont typeface="Courier New" panose="02070309020205020404" pitchFamily="49" charset="0"/>
-              <a:buChar char="o"/>
-            </a:pPr>
-            <a:r>
-              <a:rPr lang="en-US" sz="2000" dirty="0" smtClean="0">
-                <a:solidFill>
-                  <a:schemeClr val="bg2"/>
-                </a:solidFill>
-              </a:rPr>
-              <a:t>Quantum Machine Learning</a:t>
-            </a:r>
-          </a:p>
-          <a:p>
-            <a:pPr lvl="1">
-              <a:buFont typeface="Courier New" panose="02070309020205020404" pitchFamily="49" charset="0"/>
-              <a:buChar char="o"/>
-            </a:pPr>
-            <a:r>
-              <a:rPr lang="en-US" sz="2000" dirty="0" smtClean="0">
-                <a:solidFill>
-                  <a:schemeClr val="bg2"/>
-                </a:solidFill>
-              </a:rPr>
-              <a:t>Quantum Game Theory</a:t>
-            </a:r>
-          </a:p>
-          <a:p>
-            <a:pPr lvl="1">
-              <a:buFont typeface="Courier New" panose="02070309020205020404" pitchFamily="49" charset="0"/>
-              <a:buChar char="o"/>
-            </a:pPr>
-            <a:r>
-              <a:rPr lang="en-US" sz="2000" dirty="0" smtClean="0">
-                <a:solidFill>
-                  <a:schemeClr val="bg2"/>
-                </a:solidFill>
-              </a:rPr>
-              <a:t>Quantum Cryptography</a:t>
-            </a:r>
-          </a:p>
-          <a:p>
-            <a:pPr lvl="1">
-              <a:buFont typeface="Courier New" panose="02070309020205020404" pitchFamily="49" charset="0"/>
-              <a:buChar char="o"/>
-            </a:pPr>
-            <a:r>
-              <a:rPr lang="en-US" sz="2000" dirty="0" smtClean="0">
-                <a:solidFill>
-                  <a:schemeClr val="bg2"/>
-                </a:solidFill>
-              </a:rPr>
-              <a:t>Quantum </a:t>
-            </a:r>
-            <a:r>
-              <a:rPr lang="en-US" sz="2000" dirty="0" smtClean="0">
-                <a:solidFill>
-                  <a:schemeClr val="bg2"/>
-                </a:solidFill>
-              </a:rPr>
-              <a:t>Simulations</a:t>
-            </a:r>
-          </a:p>
-          <a:p>
-            <a:pPr>
-              <a:buFont typeface="Courier New" panose="02070309020205020404" pitchFamily="49" charset="0"/>
-              <a:buChar char="o"/>
-            </a:pPr>
-            <a:r>
               <a:rPr lang="en-US" sz="2400" dirty="0"/>
               <a:t>Emulation of Quantum Algorithms</a:t>
             </a:r>
@@ -24047,7 +24585,7 @@
     </p:spTree>
     <p:extLst>
       <p:ext uri="{BB962C8B-B14F-4D97-AF65-F5344CB8AC3E}">
-        <p14:creationId xmlns:p14="http://schemas.microsoft.com/office/powerpoint/2010/main" val="4112800896"/>
+        <p14:creationId xmlns:p14="http://schemas.microsoft.com/office/powerpoint/2010/main" val="759356949"/>
       </p:ext>
     </p:extLst>
   </p:cSld>

--- a/presentacion/presentacion_final/quantum ictp.pptx
+++ b/presentacion/presentacion_final/quantum ictp.pptx
@@ -38,9 +38,9 @@
     <p:sldId id="311" r:id="rId29"/>
     <p:sldId id="312" r:id="rId30"/>
     <p:sldId id="313" r:id="rId31"/>
-    <p:sldId id="316" r:id="rId32"/>
-    <p:sldId id="317" r:id="rId33"/>
-    <p:sldId id="318" r:id="rId34"/>
+    <p:sldId id="318" r:id="rId32"/>
+    <p:sldId id="316" r:id="rId33"/>
+    <p:sldId id="317" r:id="rId34"/>
     <p:sldId id="319" r:id="rId35"/>
     <p:sldId id="284" r:id="rId36"/>
     <p:sldId id="320" r:id="rId37"/>
@@ -251,7 +251,7 @@
           <a:p>
             <a:fld id="{57FADB38-FBF7-4553-9E48-A4D3F52113B9}" type="datetimeFigureOut">
               <a:rPr lang="en-US" smtClean="0"/>
-              <a:t>10/21/2021</a:t>
+              <a:t>10/25/2021</a:t>
             </a:fld>
             <a:endParaRPr lang="en-US" dirty="0"/>
           </a:p>
@@ -2005,7 +2005,7 @@
     </p:spTree>
     <p:extLst>
       <p:ext uri="{BB962C8B-B14F-4D97-AF65-F5344CB8AC3E}">
-        <p14:creationId xmlns:p14="http://schemas.microsoft.com/office/powerpoint/2010/main" val="2478850227"/>
+        <p14:creationId xmlns:p14="http://schemas.microsoft.com/office/powerpoint/2010/main" val="1252065068"/>
       </p:ext>
     </p:extLst>
   </p:cSld>
@@ -2089,7 +2089,7 @@
     </p:spTree>
     <p:extLst>
       <p:ext uri="{BB962C8B-B14F-4D97-AF65-F5344CB8AC3E}">
-        <p14:creationId xmlns:p14="http://schemas.microsoft.com/office/powerpoint/2010/main" val="4004425796"/>
+        <p14:creationId xmlns:p14="http://schemas.microsoft.com/office/powerpoint/2010/main" val="2478850227"/>
       </p:ext>
     </p:extLst>
   </p:cSld>
@@ -2173,7 +2173,7 @@
     </p:spTree>
     <p:extLst>
       <p:ext uri="{BB962C8B-B14F-4D97-AF65-F5344CB8AC3E}">
-        <p14:creationId xmlns:p14="http://schemas.microsoft.com/office/powerpoint/2010/main" val="1252065068"/>
+        <p14:creationId xmlns:p14="http://schemas.microsoft.com/office/powerpoint/2010/main" val="4004425796"/>
       </p:ext>
     </p:extLst>
   </p:cSld>
@@ -3825,7 +3825,7 @@
             <a:fld id="{94411A62-4676-4A50-A9F1-2D4DA559011B}" type="datetimeFigureOut">
               <a:rPr lang="en-US" smtClean="0"/>
               <a:pPr/>
-              <a:t>10/21/2021</a:t>
+              <a:t>10/25/2021</a:t>
             </a:fld>
             <a:endParaRPr lang="en-US" dirty="0"/>
           </a:p>
@@ -3995,7 +3995,7 @@
             <a:fld id="{94411A62-4676-4A50-A9F1-2D4DA559011B}" type="datetimeFigureOut">
               <a:rPr lang="en-US" smtClean="0"/>
               <a:pPr/>
-              <a:t>10/21/2021</a:t>
+              <a:t>10/25/2021</a:t>
             </a:fld>
             <a:endParaRPr lang="en-US" dirty="0"/>
           </a:p>
@@ -4175,7 +4175,7 @@
             <a:fld id="{94411A62-4676-4A50-A9F1-2D4DA559011B}" type="datetimeFigureOut">
               <a:rPr lang="en-US" smtClean="0"/>
               <a:pPr/>
-              <a:t>10/21/2021</a:t>
+              <a:t>10/25/2021</a:t>
             </a:fld>
             <a:endParaRPr lang="en-US" dirty="0"/>
           </a:p>
@@ -4345,7 +4345,7 @@
             <a:fld id="{94411A62-4676-4A50-A9F1-2D4DA559011B}" type="datetimeFigureOut">
               <a:rPr lang="en-US" smtClean="0"/>
               <a:pPr/>
-              <a:t>10/21/2021</a:t>
+              <a:t>10/25/2021</a:t>
             </a:fld>
             <a:endParaRPr lang="en-US" dirty="0"/>
           </a:p>
@@ -4592,7 +4592,7 @@
             <a:fld id="{94411A62-4676-4A50-A9F1-2D4DA559011B}" type="datetimeFigureOut">
               <a:rPr lang="en-US" smtClean="0"/>
               <a:pPr/>
-              <a:t>10/21/2021</a:t>
+              <a:t>10/25/2021</a:t>
             </a:fld>
             <a:endParaRPr lang="en-US" dirty="0"/>
           </a:p>
@@ -4823,7 +4823,7 @@
             <a:fld id="{94411A62-4676-4A50-A9F1-2D4DA559011B}" type="datetimeFigureOut">
               <a:rPr lang="en-US" smtClean="0"/>
               <a:pPr/>
-              <a:t>10/21/2021</a:t>
+              <a:t>10/25/2021</a:t>
             </a:fld>
             <a:endParaRPr lang="en-US" dirty="0"/>
           </a:p>
@@ -5189,7 +5189,7 @@
             <a:fld id="{94411A62-4676-4A50-A9F1-2D4DA559011B}" type="datetimeFigureOut">
               <a:rPr lang="en-US" smtClean="0"/>
               <a:pPr/>
-              <a:t>10/21/2021</a:t>
+              <a:t>10/25/2021</a:t>
             </a:fld>
             <a:endParaRPr lang="en-US" dirty="0"/>
           </a:p>
@@ -5308,7 +5308,7 @@
             <a:fld id="{94411A62-4676-4A50-A9F1-2D4DA559011B}" type="datetimeFigureOut">
               <a:rPr lang="en-US" smtClean="0"/>
               <a:pPr/>
-              <a:t>10/21/2021</a:t>
+              <a:t>10/25/2021</a:t>
             </a:fld>
             <a:endParaRPr lang="en-US" dirty="0"/>
           </a:p>
@@ -5405,7 +5405,7 @@
             <a:fld id="{94411A62-4676-4A50-A9F1-2D4DA559011B}" type="datetimeFigureOut">
               <a:rPr lang="en-US" smtClean="0"/>
               <a:pPr/>
-              <a:t>10/21/2021</a:t>
+              <a:t>10/25/2021</a:t>
             </a:fld>
             <a:endParaRPr lang="en-US" dirty="0"/>
           </a:p>
@@ -5682,7 +5682,7 @@
             <a:fld id="{94411A62-4676-4A50-A9F1-2D4DA559011B}" type="datetimeFigureOut">
               <a:rPr lang="en-US" smtClean="0"/>
               <a:pPr/>
-              <a:t>10/21/2021</a:t>
+              <a:t>10/25/2021</a:t>
             </a:fld>
             <a:endParaRPr lang="en-US" dirty="0"/>
           </a:p>
@@ -5936,7 +5936,7 @@
             <a:fld id="{94411A62-4676-4A50-A9F1-2D4DA559011B}" type="datetimeFigureOut">
               <a:rPr lang="en-US" smtClean="0"/>
               <a:pPr/>
-              <a:t>10/21/2021</a:t>
+              <a:t>10/25/2021</a:t>
             </a:fld>
             <a:endParaRPr lang="en-US" dirty="0"/>
           </a:p>
@@ -6149,7 +6149,7 @@
             <a:fld id="{94411A62-4676-4A50-A9F1-2D4DA559011B}" type="datetimeFigureOut">
               <a:rPr lang="en-US" smtClean="0"/>
               <a:pPr/>
-              <a:t>10/21/2021</a:t>
+              <a:t>10/25/2021</a:t>
             </a:fld>
             <a:endParaRPr lang="en-US" dirty="0"/>
           </a:p>
@@ -8604,11 +8604,7 @@
           <a:p>
             <a:r>
               <a:rPr lang="en-US" dirty="0" smtClean="0"/>
-              <a:t>Wave </a:t>
-            </a:r>
-            <a:r>
-              <a:rPr lang="en-US" dirty="0" smtClean="0"/>
-              <a:t>Function</a:t>
+              <a:t>Wave Function</a:t>
             </a:r>
             <a:endParaRPr lang="en-US" dirty="0">
               <a:solidFill>
@@ -8646,11 +8642,6 @@
               </a:rPr>
               <a:t>Deconherence</a:t>
             </a:r>
-            <a:endParaRPr lang="en-US" dirty="0" smtClean="0">
-              <a:solidFill>
-                <a:schemeClr val="bg2"/>
-              </a:solidFill>
-            </a:endParaRPr>
           </a:p>
           <a:p>
             <a:r>
@@ -9300,32 +9291,19 @@
                   <a:schemeClr val="bg2"/>
                 </a:solidFill>
               </a:rPr>
-              <a:t>Wave </a:t>
-            </a:r>
+              <a:t>Wave Function</a:t>
+            </a:r>
+            <a:endParaRPr lang="en-US" dirty="0"/>
+          </a:p>
+          <a:p>
             <a:r>
               <a:rPr lang="en-US" dirty="0" smtClean="0">
                 <a:solidFill>
                   <a:schemeClr val="bg2"/>
                 </a:solidFill>
               </a:rPr>
-              <a:t>Function</a:t>
-            </a:r>
-            <a:endParaRPr lang="en-US" dirty="0"/>
-          </a:p>
-          <a:p>
-            <a:r>
-              <a:rPr lang="en-US" dirty="0" smtClean="0">
-                <a:solidFill>
-                  <a:schemeClr val="bg2"/>
-                </a:solidFill>
-              </a:rPr>
               <a:t>Measurement</a:t>
             </a:r>
-            <a:endParaRPr lang="en-US" dirty="0" smtClean="0">
-              <a:solidFill>
-                <a:schemeClr val="bg2"/>
-              </a:solidFill>
-            </a:endParaRPr>
           </a:p>
           <a:p>
             <a:r>
@@ -9342,11 +9320,6 @@
               </a:rPr>
               <a:t>Deconherence</a:t>
             </a:r>
-            <a:endParaRPr lang="en-US" dirty="0" smtClean="0">
-              <a:solidFill>
-                <a:schemeClr val="bg2"/>
-              </a:solidFill>
-            </a:endParaRPr>
           </a:p>
           <a:p>
             <a:r>
@@ -9669,11 +9642,6 @@
               </a:rPr>
               <a:t>Measurement</a:t>
             </a:r>
-            <a:endParaRPr lang="en-US" dirty="0" smtClean="0">
-              <a:solidFill>
-                <a:schemeClr val="bg2"/>
-              </a:solidFill>
-            </a:endParaRPr>
           </a:p>
           <a:p>
             <a:r>
@@ -10002,11 +9970,6 @@
               </a:rPr>
               <a:t>Measurement</a:t>
             </a:r>
-            <a:endParaRPr lang="en-US" dirty="0" smtClean="0">
-              <a:solidFill>
-                <a:schemeClr val="bg2"/>
-              </a:solidFill>
-            </a:endParaRPr>
           </a:p>
           <a:p>
             <a:r>
@@ -17763,14 +17726,40 @@
           <a:p>
             <a:r>
               <a:rPr lang="en-US" dirty="0" smtClean="0"/>
+              <a:t>Universal </a:t>
+            </a:r>
+            <a:r>
+              <a:rPr lang="en-US" dirty="0"/>
+              <a:t>gate </a:t>
+            </a:r>
+            <a:r>
+              <a:rPr lang="en-US" dirty="0" smtClean="0"/>
+              <a:t>set</a:t>
+            </a:r>
+          </a:p>
+          <a:p>
+            <a:r>
+              <a:rPr lang="en-US" dirty="0" smtClean="0">
+                <a:solidFill>
+                  <a:schemeClr val="bg2"/>
+                </a:solidFill>
+              </a:rPr>
               <a:t>Linear </a:t>
             </a:r>
             <a:r>
-              <a:rPr lang="en-US" dirty="0"/>
+              <a:rPr lang="en-US" dirty="0">
+                <a:solidFill>
+                  <a:schemeClr val="bg2"/>
+                </a:solidFill>
+              </a:rPr>
               <a:t>vs </a:t>
             </a:r>
             <a:r>
-              <a:rPr lang="en-US" dirty="0" smtClean="0"/>
+              <a:rPr lang="en-US" dirty="0" smtClean="0">
+                <a:solidFill>
+                  <a:schemeClr val="bg2"/>
+                </a:solidFill>
+              </a:rPr>
               <a:t>Nonlinear evolution</a:t>
             </a:r>
           </a:p>
@@ -17784,33 +17773,14 @@
               <a:t>Measurement </a:t>
             </a:r>
             <a:r>
-              <a:rPr lang="en-US" dirty="0">
+              <a:rPr lang="en-US" dirty="0" smtClean="0">
                 <a:solidFill>
                   <a:schemeClr val="bg2"/>
                 </a:solidFill>
               </a:rPr>
               <a:t>gate</a:t>
             </a:r>
-            <a:endParaRPr lang="en-US" dirty="0" smtClean="0">
-              <a:solidFill>
-                <a:schemeClr val="bg2"/>
-              </a:solidFill>
-            </a:endParaRPr>
-          </a:p>
-          <a:p>
-            <a:r>
-              <a:rPr lang="en-US" dirty="0">
-                <a:solidFill>
-                  <a:schemeClr val="bg2"/>
-                </a:solidFill>
-              </a:rPr>
-              <a:t>Universal gate set</a:t>
-            </a:r>
-            <a:endParaRPr lang="en-US" dirty="0" smtClean="0">
-              <a:solidFill>
-                <a:schemeClr val="bg2"/>
-              </a:solidFill>
-            </a:endParaRPr>
+            <a:endParaRPr lang="en-US" dirty="0" smtClean="0"/>
           </a:p>
           <a:p>
             <a:r>
@@ -17840,25 +17810,115 @@
           </p:cNvPicPr>
           <p:nvPr/>
         </p:nvPicPr>
-        <p:blipFill rotWithShape="1">
+        <p:blipFill>
           <a:blip r:embed="rId7"/>
-          <a:srcRect l="2898" t="3016" r="2675" b="3476"/>
-          <a:stretch/>
+          <a:stretch>
+            <a:fillRect/>
+          </a:stretch>
         </p:blipFill>
         <p:spPr>
           <a:xfrm>
-            <a:off x="6014301" y="2072638"/>
-            <a:ext cx="5486400" cy="3254433"/>
-          </a:xfrm>
-          <a:prstGeom prst="rect">
-            <a:avLst/>
-          </a:prstGeom>
+            <a:off x="7137662" y="4938712"/>
+            <a:ext cx="3810000" cy="638175"/>
+          </a:xfrm>
+          <a:prstGeom prst="rect">
+            <a:avLst/>
+          </a:prstGeom>
+        </p:spPr>
+      </p:pic>
+      <p:pic>
+        <p:nvPicPr>
+          <p:cNvPr id="3" name="Picture 2"/>
+          <p:cNvPicPr>
+            <a:picLocks noChangeAspect="1"/>
+          </p:cNvPicPr>
+          <p:nvPr/>
+        </p:nvPicPr>
+        <p:blipFill>
+          <a:blip r:embed="rId8"/>
+          <a:stretch>
+            <a:fillRect/>
+          </a:stretch>
+        </p:blipFill>
+        <p:spPr>
+          <a:xfrm>
+            <a:off x="6332799" y="4207310"/>
+            <a:ext cx="5419725" cy="742950"/>
+          </a:xfrm>
+          <a:prstGeom prst="rect">
+            <a:avLst/>
+          </a:prstGeom>
+        </p:spPr>
+      </p:pic>
+      <p:pic>
+        <p:nvPicPr>
+          <p:cNvPr id="4" name="Picture 3"/>
+          <p:cNvPicPr>
+            <a:picLocks noChangeAspect="1"/>
+          </p:cNvPicPr>
+          <p:nvPr/>
+        </p:nvPicPr>
+        <p:blipFill>
+          <a:blip r:embed="rId9"/>
+          <a:stretch>
+            <a:fillRect/>
+          </a:stretch>
+        </p:blipFill>
+        <p:spPr>
+          <a:xfrm>
+            <a:off x="7210777" y="2521386"/>
+            <a:ext cx="3823935" cy="529354"/>
+          </a:xfrm>
+          <a:prstGeom prst="rect">
+            <a:avLst/>
+          </a:prstGeom>
+        </p:spPr>
+      </p:pic>
+      <p:pic>
+        <p:nvPicPr>
+          <p:cNvPr id="2050" name="Picture 2" descr="&amp;amp; - Wiktionary"/>
+          <p:cNvPicPr>
+            <a:picLocks noChangeAspect="1" noChangeArrowheads="1"/>
+          </p:cNvPicPr>
+          <p:nvPr/>
+        </p:nvPicPr>
+        <p:blipFill>
+          <a:blip r:embed="rId10" cstate="print">
+            <a:extLst>
+              <a:ext uri="{28A0092B-C50C-407E-A947-70E740481C1C}">
+                <a14:useLocalDpi xmlns:a14="http://schemas.microsoft.com/office/drawing/2010/main" val="0"/>
+              </a:ext>
+            </a:extLst>
+          </a:blip>
+          <a:srcRect/>
+          <a:stretch>
+            <a:fillRect/>
+          </a:stretch>
+        </p:blipFill>
+        <p:spPr bwMode="auto">
+          <a:xfrm>
+            <a:off x="8801100" y="3475502"/>
+            <a:ext cx="486035" cy="518843"/>
+          </a:xfrm>
+          <a:prstGeom prst="rect">
+            <a:avLst/>
+          </a:prstGeom>
+          <a:noFill/>
+          <a:extLst>
+            <a:ext uri="{909E8E84-426E-40DD-AFC4-6F175D3DCCD1}">
+              <a14:hiddenFill xmlns:a14="http://schemas.microsoft.com/office/drawing/2010/main">
+                <a:solidFill>
+                  <a:srgbClr val="FFFFFF"/>
+                </a:solidFill>
+              </a14:hiddenFill>
+            </a:ext>
+          </a:extLst>
         </p:spPr>
       </p:pic>
     </p:spTree>
     <p:extLst>
       <p:ext uri="{BB962C8B-B14F-4D97-AF65-F5344CB8AC3E}">
-        <p14:creationId xmlns:p14="http://schemas.microsoft.com/office/powerpoint/2010/main" val="590489111"/>
+        <p14:creationId xmlns:p14="http://schemas.microsoft.com/office/powerpoint/2010/main" val="1350786756"/>
       </p:ext>
     </p:extLst>
   </p:cSld>
@@ -18253,74 +18313,88 @@
             </a:lvl9pPr>
           </a:lstStyle>
           <a:p>
-            <a:endParaRPr lang="en-US" dirty="0" smtClean="0"/>
-          </a:p>
-          <a:p>
-            <a:r>
-              <a:rPr lang="en-US" dirty="0" smtClean="0">
-                <a:solidFill>
-                  <a:schemeClr val="bg2"/>
-                </a:solidFill>
-              </a:rPr>
-              <a:t>Linear </a:t>
-            </a:r>
-            <a:r>
-              <a:rPr lang="en-US" dirty="0">
-                <a:solidFill>
-                  <a:schemeClr val="bg2"/>
-                </a:solidFill>
-              </a:rPr>
-              <a:t>vs </a:t>
-            </a:r>
-            <a:r>
-              <a:rPr lang="en-US" dirty="0" smtClean="0">
-                <a:solidFill>
-                  <a:schemeClr val="bg2"/>
-                </a:solidFill>
-              </a:rPr>
-              <a:t>Nonlinear evolution</a:t>
-            </a:r>
-          </a:p>
-          <a:p>
-            <a:r>
-              <a:rPr lang="en-US" dirty="0" smtClean="0"/>
-              <a:t>Measurement </a:t>
-            </a:r>
-            <a:r>
-              <a:rPr lang="en-US" dirty="0"/>
-              <a:t>gate</a:t>
-            </a:r>
-            <a:endParaRPr lang="en-US" dirty="0" smtClean="0"/>
-          </a:p>
-          <a:p>
-            <a:r>
-              <a:rPr lang="en-US" dirty="0">
-                <a:solidFill>
-                  <a:schemeClr val="bg2"/>
-                </a:solidFill>
-              </a:rPr>
-              <a:t>Universal gate set</a:t>
-            </a:r>
-            <a:endParaRPr lang="en-US" dirty="0" smtClean="0">
-              <a:solidFill>
-                <a:schemeClr val="bg2"/>
-              </a:solidFill>
-            </a:endParaRPr>
-          </a:p>
-          <a:p>
-            <a:r>
-              <a:rPr lang="en-US" dirty="0" smtClean="0">
-                <a:solidFill>
-                  <a:schemeClr val="bg2"/>
-                </a:solidFill>
-              </a:rPr>
-              <a:t>No-cloning theorem</a:t>
-            </a:r>
             <a:endParaRPr lang="en-US" dirty="0">
               <a:solidFill>
                 <a:schemeClr val="bg2"/>
               </a:solidFill>
             </a:endParaRPr>
+          </a:p>
+          <a:p>
+            <a:r>
+              <a:rPr lang="en-US" dirty="0" smtClean="0">
+                <a:solidFill>
+                  <a:schemeClr val="bg2"/>
+                </a:solidFill>
+              </a:rPr>
+              <a:t>Universal </a:t>
+            </a:r>
+            <a:r>
+              <a:rPr lang="en-US" dirty="0">
+                <a:solidFill>
+                  <a:schemeClr val="bg2"/>
+                </a:solidFill>
+              </a:rPr>
+              <a:t>gate </a:t>
+            </a:r>
+            <a:r>
+              <a:rPr lang="en-US" dirty="0" smtClean="0">
+                <a:solidFill>
+                  <a:schemeClr val="bg2"/>
+                </a:solidFill>
+              </a:rPr>
+              <a:t>set</a:t>
+            </a:r>
+            <a:endParaRPr lang="en-US" dirty="0" smtClean="0"/>
+          </a:p>
+          <a:p>
+            <a:r>
+              <a:rPr lang="en-US" dirty="0" smtClean="0"/>
+              <a:t>Linear </a:t>
+            </a:r>
+            <a:r>
+              <a:rPr lang="en-US" dirty="0"/>
+              <a:t>vs </a:t>
+            </a:r>
+            <a:r>
+              <a:rPr lang="en-US" dirty="0" smtClean="0"/>
+              <a:t>Nonlinear evolution</a:t>
+            </a:r>
+          </a:p>
+          <a:p>
+            <a:r>
+              <a:rPr lang="en-US" dirty="0" smtClean="0">
+                <a:solidFill>
+                  <a:schemeClr val="bg2"/>
+                </a:solidFill>
+              </a:rPr>
+              <a:t>Measurement </a:t>
+            </a:r>
+            <a:r>
+              <a:rPr lang="en-US" dirty="0" smtClean="0">
+                <a:solidFill>
+                  <a:schemeClr val="bg2"/>
+                </a:solidFill>
+              </a:rPr>
+              <a:t>gate</a:t>
+            </a:r>
+          </a:p>
+          <a:p>
+            <a:r>
+              <a:rPr lang="en-US" dirty="0" smtClean="0">
+                <a:solidFill>
+                  <a:schemeClr val="bg2"/>
+                </a:solidFill>
+              </a:rPr>
+              <a:t>No-cloning </a:t>
+            </a:r>
+            <a:r>
+              <a:rPr lang="en-US" dirty="0">
+                <a:solidFill>
+                  <a:schemeClr val="bg2"/>
+                </a:solidFill>
+              </a:rPr>
+              <a:t>theorem</a:t>
+            </a:r>
           </a:p>
         </p:txBody>
       </p:sp>
@@ -18332,83 +18406,25 @@
           </p:cNvPicPr>
           <p:nvPr/>
         </p:nvPicPr>
-        <p:blipFill>
+        <p:blipFill rotWithShape="1">
           <a:blip r:embed="rId7"/>
-          <a:stretch>
-            <a:fillRect/>
-          </a:stretch>
+          <a:srcRect l="2898" t="3016" r="2675" b="3476"/>
+          <a:stretch/>
         </p:blipFill>
         <p:spPr>
           <a:xfrm>
-            <a:off x="6438506" y="2804446"/>
-            <a:ext cx="4618005" cy="1094513"/>
+            <a:off x="6014301" y="2072638"/>
+            <a:ext cx="5486400" cy="3254433"/>
           </a:xfrm>
           <a:prstGeom prst="rect">
             <a:avLst/>
           </a:prstGeom>
         </p:spPr>
       </p:pic>
-      <p:pic>
-        <p:nvPicPr>
-          <p:cNvPr id="3" name="Picture 2"/>
-          <p:cNvPicPr>
-            <a:picLocks noChangeAspect="1"/>
-          </p:cNvPicPr>
-          <p:nvPr/>
-        </p:nvPicPr>
-        <p:blipFill>
-          <a:blip r:embed="rId8"/>
-          <a:stretch>
-            <a:fillRect/>
-          </a:stretch>
-        </p:blipFill>
-        <p:spPr>
-          <a:xfrm>
-            <a:off x="8114717" y="4351788"/>
-            <a:ext cx="2055969" cy="1377148"/>
-          </a:xfrm>
-          <a:prstGeom prst="rect">
-            <a:avLst/>
-          </a:prstGeom>
-        </p:spPr>
-      </p:pic>
-      <p:cxnSp>
-        <p:nvCxnSpPr>
-          <p:cNvPr id="12" name="Straight Arrow Connector 11"/>
-          <p:cNvCxnSpPr/>
-          <p:nvPr/>
-        </p:nvCxnSpPr>
-        <p:spPr>
-          <a:xfrm>
-            <a:off x="9067800" y="3101340"/>
-            <a:ext cx="15240" cy="1158240"/>
-          </a:xfrm>
-          <a:prstGeom prst="straightConnector1">
-            <a:avLst/>
-          </a:prstGeom>
-          <a:ln w="38100">
-            <a:tailEnd type="triangle"/>
-          </a:ln>
-        </p:spPr>
-        <p:style>
-          <a:lnRef idx="1">
-            <a:schemeClr val="dk1"/>
-          </a:lnRef>
-          <a:fillRef idx="0">
-            <a:schemeClr val="dk1"/>
-          </a:fillRef>
-          <a:effectRef idx="0">
-            <a:schemeClr val="dk1"/>
-          </a:effectRef>
-          <a:fontRef idx="minor">
-            <a:schemeClr val="tx1"/>
-          </a:fontRef>
-        </p:style>
-      </p:cxnSp>
     </p:spTree>
     <p:extLst>
       <p:ext uri="{BB962C8B-B14F-4D97-AF65-F5344CB8AC3E}">
-        <p14:creationId xmlns:p14="http://schemas.microsoft.com/office/powerpoint/2010/main" val="3159141887"/>
+        <p14:creationId xmlns:p14="http://schemas.microsoft.com/office/powerpoint/2010/main" val="590489111"/>
       </p:ext>
     </p:extLst>
   </p:cSld>
@@ -18803,6 +18819,17 @@
             </a:lvl9pPr>
           </a:lstStyle>
           <a:p>
+            <a:endParaRPr lang="en-US" dirty="0"/>
+          </a:p>
+          <a:p>
+            <a:r>
+              <a:rPr lang="en-US" dirty="0">
+                <a:solidFill>
+                  <a:schemeClr val="bg2"/>
+                </a:solidFill>
+              </a:rPr>
+              <a:t>Universal gate set</a:t>
+            </a:r>
             <a:endParaRPr lang="en-US" dirty="0" smtClean="0"/>
           </a:p>
           <a:p>
@@ -18833,19 +18860,11 @@
           </a:p>
           <a:p>
             <a:r>
-              <a:rPr lang="en-US" dirty="0" smtClean="0">
-                <a:solidFill>
-                  <a:schemeClr val="bg2"/>
-                </a:solidFill>
-              </a:rPr>
+              <a:rPr lang="en-US" dirty="0" smtClean="0"/>
               <a:t>Measurement </a:t>
             </a:r>
             <a:r>
-              <a:rPr lang="en-US" dirty="0">
-                <a:solidFill>
-                  <a:schemeClr val="bg2"/>
-                </a:solidFill>
-              </a:rPr>
+              <a:rPr lang="en-US" dirty="0" smtClean="0"/>
               <a:t>gate</a:t>
             </a:r>
             <a:endParaRPr lang="en-US" dirty="0" smtClean="0">
@@ -18856,31 +18875,18 @@
           </a:p>
           <a:p>
             <a:r>
-              <a:rPr lang="en-US" dirty="0"/>
-              <a:t>Universal gate </a:t>
-            </a:r>
-            <a:r>
-              <a:rPr lang="en-US" dirty="0" smtClean="0"/>
-              <a:t>set</a:t>
-            </a:r>
-          </a:p>
-          <a:p>
-            <a:r>
               <a:rPr lang="en-US" dirty="0" smtClean="0">
                 <a:solidFill>
                   <a:schemeClr val="bg2"/>
                 </a:solidFill>
               </a:rPr>
-              <a:t>No-cloning </a:t>
-            </a:r>
-            <a:r>
-              <a:rPr lang="en-US" dirty="0">
-                <a:solidFill>
-                  <a:schemeClr val="bg2"/>
-                </a:solidFill>
-              </a:rPr>
-              <a:t>theorem</a:t>
-            </a:r>
+              <a:t>No-cloning theorem</a:t>
+            </a:r>
+            <a:endParaRPr lang="en-US" dirty="0">
+              <a:solidFill>
+                <a:schemeClr val="bg2"/>
+              </a:solidFill>
+            </a:endParaRPr>
           </a:p>
         </p:txBody>
       </p:sp>
@@ -18900,8 +18906,8 @@
         </p:blipFill>
         <p:spPr>
           <a:xfrm>
-            <a:off x="7137662" y="4938712"/>
-            <a:ext cx="3810000" cy="638175"/>
+            <a:off x="6438506" y="2804446"/>
+            <a:ext cx="4618005" cy="1094513"/>
           </a:xfrm>
           <a:prstGeom prst="rect">
             <a:avLst/>
@@ -18924,83 +18930,51 @@
         </p:blipFill>
         <p:spPr>
           <a:xfrm>
-            <a:off x="6332799" y="4207310"/>
-            <a:ext cx="5419725" cy="742950"/>
+            <a:off x="8114717" y="4351788"/>
+            <a:ext cx="2055969" cy="1377148"/>
           </a:xfrm>
           <a:prstGeom prst="rect">
             <a:avLst/>
           </a:prstGeom>
         </p:spPr>
       </p:pic>
-      <p:pic>
-        <p:nvPicPr>
-          <p:cNvPr id="4" name="Picture 3"/>
-          <p:cNvPicPr>
-            <a:picLocks noChangeAspect="1"/>
-          </p:cNvPicPr>
-          <p:nvPr/>
-        </p:nvPicPr>
-        <p:blipFill>
-          <a:blip r:embed="rId9"/>
-          <a:stretch>
-            <a:fillRect/>
-          </a:stretch>
-        </p:blipFill>
-        <p:spPr>
-          <a:xfrm>
-            <a:off x="7210777" y="2521386"/>
-            <a:ext cx="3823935" cy="529354"/>
-          </a:xfrm>
-          <a:prstGeom prst="rect">
-            <a:avLst/>
-          </a:prstGeom>
-        </p:spPr>
-      </p:pic>
-      <p:pic>
-        <p:nvPicPr>
-          <p:cNvPr id="2050" name="Picture 2" descr="&amp;amp; - Wiktionary"/>
-          <p:cNvPicPr>
-            <a:picLocks noChangeAspect="1" noChangeArrowheads="1"/>
-          </p:cNvPicPr>
-          <p:nvPr/>
-        </p:nvPicPr>
-        <p:blipFill>
-          <a:blip r:embed="rId10" cstate="print">
-            <a:extLst>
-              <a:ext uri="{28A0092B-C50C-407E-A947-70E740481C1C}">
-                <a14:useLocalDpi xmlns:a14="http://schemas.microsoft.com/office/drawing/2010/main" val="0"/>
-              </a:ext>
-            </a:extLst>
-          </a:blip>
-          <a:srcRect/>
-          <a:stretch>
-            <a:fillRect/>
-          </a:stretch>
-        </p:blipFill>
-        <p:spPr bwMode="auto">
-          <a:xfrm>
-            <a:off x="8801100" y="3475502"/>
-            <a:ext cx="486035" cy="518843"/>
-          </a:xfrm>
-          <a:prstGeom prst="rect">
-            <a:avLst/>
-          </a:prstGeom>
-          <a:noFill/>
-          <a:extLst>
-            <a:ext uri="{909E8E84-426E-40DD-AFC4-6F175D3DCCD1}">
-              <a14:hiddenFill xmlns:a14="http://schemas.microsoft.com/office/drawing/2010/main">
-                <a:solidFill>
-                  <a:srgbClr val="FFFFFF"/>
-                </a:solidFill>
-              </a14:hiddenFill>
-            </a:ext>
-          </a:extLst>
-        </p:spPr>
-      </p:pic>
+      <p:cxnSp>
+        <p:nvCxnSpPr>
+          <p:cNvPr id="12" name="Straight Arrow Connector 11"/>
+          <p:cNvCxnSpPr/>
+          <p:nvPr/>
+        </p:nvCxnSpPr>
+        <p:spPr>
+          <a:xfrm>
+            <a:off x="9067800" y="3101340"/>
+            <a:ext cx="15240" cy="1158240"/>
+          </a:xfrm>
+          <a:prstGeom prst="straightConnector1">
+            <a:avLst/>
+          </a:prstGeom>
+          <a:ln w="38100">
+            <a:tailEnd type="triangle"/>
+          </a:ln>
+        </p:spPr>
+        <p:style>
+          <a:lnRef idx="1">
+            <a:schemeClr val="dk1"/>
+          </a:lnRef>
+          <a:fillRef idx="0">
+            <a:schemeClr val="dk1"/>
+          </a:fillRef>
+          <a:effectRef idx="0">
+            <a:schemeClr val="dk1"/>
+          </a:effectRef>
+          <a:fontRef idx="minor">
+            <a:schemeClr val="tx1"/>
+          </a:fontRef>
+        </p:style>
+      </p:cxnSp>
     </p:spTree>
     <p:extLst>
       <p:ext uri="{BB962C8B-B14F-4D97-AF65-F5344CB8AC3E}">
-        <p14:creationId xmlns:p14="http://schemas.microsoft.com/office/powerpoint/2010/main" val="1350786756"/>
+        <p14:creationId xmlns:p14="http://schemas.microsoft.com/office/powerpoint/2010/main" val="3159141887"/>
       </p:ext>
     </p:extLst>
   </p:cSld>
@@ -19395,52 +19369,7 @@
             </a:lvl9pPr>
           </a:lstStyle>
           <a:p>
-            <a:endParaRPr lang="en-US" dirty="0" smtClean="0"/>
-          </a:p>
-          <a:p>
-            <a:r>
-              <a:rPr lang="en-US" dirty="0" smtClean="0">
-                <a:solidFill>
-                  <a:schemeClr val="bg2"/>
-                </a:solidFill>
-              </a:rPr>
-              <a:t>Linear </a:t>
-            </a:r>
-            <a:r>
-              <a:rPr lang="en-US" dirty="0">
-                <a:solidFill>
-                  <a:schemeClr val="bg2"/>
-                </a:solidFill>
-              </a:rPr>
-              <a:t>vs </a:t>
-            </a:r>
-            <a:r>
-              <a:rPr lang="en-US" dirty="0" smtClean="0">
-                <a:solidFill>
-                  <a:schemeClr val="bg2"/>
-                </a:solidFill>
-              </a:rPr>
-              <a:t>Nonlinear evolution</a:t>
-            </a:r>
-          </a:p>
-          <a:p>
-            <a:r>
-              <a:rPr lang="en-US" dirty="0" smtClean="0">
-                <a:solidFill>
-                  <a:schemeClr val="bg2"/>
-                </a:solidFill>
-              </a:rPr>
-              <a:t>Measurement </a:t>
-            </a:r>
-            <a:r>
-              <a:rPr lang="en-US" dirty="0">
-                <a:solidFill>
-                  <a:schemeClr val="bg2"/>
-                </a:solidFill>
-              </a:rPr>
-              <a:t>gate</a:t>
-            </a:r>
-            <a:endParaRPr lang="en-US" dirty="0" smtClean="0">
+            <a:endParaRPr lang="en-US" dirty="0">
               <a:solidFill>
                 <a:schemeClr val="bg2"/>
               </a:solidFill>
@@ -19453,13 +19382,61 @@
                   <a:schemeClr val="bg2"/>
                 </a:solidFill>
               </a:rPr>
-              <a:t>Universal gate set</a:t>
-            </a:r>
-            <a:endParaRPr lang="en-US" dirty="0" smtClean="0">
-              <a:solidFill>
-                <a:schemeClr val="bg2"/>
-              </a:solidFill>
-            </a:endParaRPr>
+              <a:t>Universal gate </a:t>
+            </a:r>
+            <a:r>
+              <a:rPr lang="en-US" dirty="0" smtClean="0">
+                <a:solidFill>
+                  <a:schemeClr val="bg2"/>
+                </a:solidFill>
+              </a:rPr>
+              <a:t>set</a:t>
+            </a:r>
+            <a:endParaRPr lang="en-US" dirty="0" smtClean="0"/>
+          </a:p>
+          <a:p>
+            <a:r>
+              <a:rPr lang="en-US" dirty="0" smtClean="0">
+                <a:solidFill>
+                  <a:schemeClr val="bg2"/>
+                </a:solidFill>
+              </a:rPr>
+              <a:t>Linear </a:t>
+            </a:r>
+            <a:r>
+              <a:rPr lang="en-US" dirty="0">
+                <a:solidFill>
+                  <a:schemeClr val="bg2"/>
+                </a:solidFill>
+              </a:rPr>
+              <a:t>vs </a:t>
+            </a:r>
+            <a:r>
+              <a:rPr lang="en-US" dirty="0" smtClean="0">
+                <a:solidFill>
+                  <a:schemeClr val="bg2"/>
+                </a:solidFill>
+              </a:rPr>
+              <a:t>Nonlinear evolution</a:t>
+            </a:r>
+          </a:p>
+          <a:p>
+            <a:r>
+              <a:rPr lang="en-US" dirty="0" smtClean="0">
+                <a:solidFill>
+                  <a:schemeClr val="bg2"/>
+                </a:solidFill>
+              </a:rPr>
+              <a:t>Measurement </a:t>
+            </a:r>
+            <a:r>
+              <a:rPr lang="en-US" dirty="0" smtClean="0">
+                <a:solidFill>
+                  <a:schemeClr val="bg2"/>
+                </a:solidFill>
+              </a:rPr>
+              <a:t>gate</a:t>
+            </a:r>
           </a:p>
           <a:p>
             <a:r>
@@ -19540,7 +19517,7 @@
         </p:nvSpPr>
         <p:spPr>
           <a:xfrm>
-            <a:off x="6648450" y="3915537"/>
+            <a:off x="6891526" y="3688256"/>
             <a:ext cx="3659333" cy="1077218"/>
           </a:xfrm>
           <a:prstGeom prst="rect">
@@ -22856,11 +22833,7 @@
             </a:r>
             <a:r>
               <a:rPr lang="en-US" dirty="0" smtClean="0"/>
-              <a:t>just emulate </a:t>
-            </a:r>
-            <a:r>
-              <a:rPr lang="en-US" dirty="0" smtClean="0"/>
-              <a:t>them </a:t>
+              <a:t>just emulate them </a:t>
             </a:r>
             <a:r>
               <a:rPr lang="en-US" dirty="0"/>

--- a/presentacion/presentacion_final/quantum ictp.pptx
+++ b/presentacion/presentacion_final/quantum ictp.pptx
@@ -17770,15 +17770,7 @@
                   <a:schemeClr val="bg2"/>
                 </a:solidFill>
               </a:rPr>
-              <a:t>Measurement </a:t>
-            </a:r>
-            <a:r>
-              <a:rPr lang="en-US" dirty="0" smtClean="0">
-                <a:solidFill>
-                  <a:schemeClr val="bg2"/>
-                </a:solidFill>
-              </a:rPr>
-              <a:t>gate</a:t>
+              <a:t>Measurement gate</a:t>
             </a:r>
             <a:endParaRPr lang="en-US" dirty="0" smtClean="0"/>
           </a:p>
@@ -18367,15 +18359,7 @@
                   <a:schemeClr val="bg2"/>
                 </a:solidFill>
               </a:rPr>
-              <a:t>Measurement </a:t>
-            </a:r>
-            <a:r>
-              <a:rPr lang="en-US" dirty="0" smtClean="0">
-                <a:solidFill>
-                  <a:schemeClr val="bg2"/>
-                </a:solidFill>
-              </a:rPr>
-              <a:t>gate</a:t>
+              <a:t>Measurement gate</a:t>
             </a:r>
           </a:p>
           <a:p>
@@ -18861,11 +18845,7 @@
           <a:p>
             <a:r>
               <a:rPr lang="en-US" dirty="0" smtClean="0"/>
-              <a:t>Measurement </a:t>
-            </a:r>
-            <a:r>
-              <a:rPr lang="en-US" dirty="0" smtClean="0"/>
-              <a:t>gate</a:t>
+              <a:t>Measurement gate</a:t>
             </a:r>
             <a:endParaRPr lang="en-US" dirty="0" smtClean="0">
               <a:solidFill>
@@ -19427,15 +19407,7 @@
                   <a:schemeClr val="bg2"/>
                 </a:solidFill>
               </a:rPr>
-              <a:t>Measurement </a:t>
-            </a:r>
-            <a:r>
-              <a:rPr lang="en-US" dirty="0" smtClean="0">
-                <a:solidFill>
-                  <a:schemeClr val="bg2"/>
-                </a:solidFill>
-              </a:rPr>
-              <a:t>gate</a:t>
+              <a:t>Measurement gate</a:t>
             </a:r>
           </a:p>
           <a:p>

--- a/presentacion/presentacion_final/quantum ictp.pptx
+++ b/presentacion/presentacion_final/quantum ictp.pptx
@@ -251,7 +251,7 @@
           <a:p>
             <a:fld id="{57FADB38-FBF7-4553-9E48-A4D3F52113B9}" type="datetimeFigureOut">
               <a:rPr lang="en-US" smtClean="0"/>
-              <a:t>10/25/2021</a:t>
+              <a:t>10/26/2021</a:t>
             </a:fld>
             <a:endParaRPr lang="en-US" dirty="0"/>
           </a:p>
@@ -3825,7 +3825,7 @@
             <a:fld id="{94411A62-4676-4A50-A9F1-2D4DA559011B}" type="datetimeFigureOut">
               <a:rPr lang="en-US" smtClean="0"/>
               <a:pPr/>
-              <a:t>10/25/2021</a:t>
+              <a:t>10/26/2021</a:t>
             </a:fld>
             <a:endParaRPr lang="en-US" dirty="0"/>
           </a:p>
@@ -3995,7 +3995,7 @@
             <a:fld id="{94411A62-4676-4A50-A9F1-2D4DA559011B}" type="datetimeFigureOut">
               <a:rPr lang="en-US" smtClean="0"/>
               <a:pPr/>
-              <a:t>10/25/2021</a:t>
+              <a:t>10/26/2021</a:t>
             </a:fld>
             <a:endParaRPr lang="en-US" dirty="0"/>
           </a:p>
@@ -4175,7 +4175,7 @@
             <a:fld id="{94411A62-4676-4A50-A9F1-2D4DA559011B}" type="datetimeFigureOut">
               <a:rPr lang="en-US" smtClean="0"/>
               <a:pPr/>
-              <a:t>10/25/2021</a:t>
+              <a:t>10/26/2021</a:t>
             </a:fld>
             <a:endParaRPr lang="en-US" dirty="0"/>
           </a:p>
@@ -4345,7 +4345,7 @@
             <a:fld id="{94411A62-4676-4A50-A9F1-2D4DA559011B}" type="datetimeFigureOut">
               <a:rPr lang="en-US" smtClean="0"/>
               <a:pPr/>
-              <a:t>10/25/2021</a:t>
+              <a:t>10/26/2021</a:t>
             </a:fld>
             <a:endParaRPr lang="en-US" dirty="0"/>
           </a:p>
@@ -4592,7 +4592,7 @@
             <a:fld id="{94411A62-4676-4A50-A9F1-2D4DA559011B}" type="datetimeFigureOut">
               <a:rPr lang="en-US" smtClean="0"/>
               <a:pPr/>
-              <a:t>10/25/2021</a:t>
+              <a:t>10/26/2021</a:t>
             </a:fld>
             <a:endParaRPr lang="en-US" dirty="0"/>
           </a:p>
@@ -4823,7 +4823,7 @@
             <a:fld id="{94411A62-4676-4A50-A9F1-2D4DA559011B}" type="datetimeFigureOut">
               <a:rPr lang="en-US" smtClean="0"/>
               <a:pPr/>
-              <a:t>10/25/2021</a:t>
+              <a:t>10/26/2021</a:t>
             </a:fld>
             <a:endParaRPr lang="en-US" dirty="0"/>
           </a:p>
@@ -5189,7 +5189,7 @@
             <a:fld id="{94411A62-4676-4A50-A9F1-2D4DA559011B}" type="datetimeFigureOut">
               <a:rPr lang="en-US" smtClean="0"/>
               <a:pPr/>
-              <a:t>10/25/2021</a:t>
+              <a:t>10/26/2021</a:t>
             </a:fld>
             <a:endParaRPr lang="en-US" dirty="0"/>
           </a:p>
@@ -5308,7 +5308,7 @@
             <a:fld id="{94411A62-4676-4A50-A9F1-2D4DA559011B}" type="datetimeFigureOut">
               <a:rPr lang="en-US" smtClean="0"/>
               <a:pPr/>
-              <a:t>10/25/2021</a:t>
+              <a:t>10/26/2021</a:t>
             </a:fld>
             <a:endParaRPr lang="en-US" dirty="0"/>
           </a:p>
@@ -5405,7 +5405,7 @@
             <a:fld id="{94411A62-4676-4A50-A9F1-2D4DA559011B}" type="datetimeFigureOut">
               <a:rPr lang="en-US" smtClean="0"/>
               <a:pPr/>
-              <a:t>10/25/2021</a:t>
+              <a:t>10/26/2021</a:t>
             </a:fld>
             <a:endParaRPr lang="en-US" dirty="0"/>
           </a:p>
@@ -5682,7 +5682,7 @@
             <a:fld id="{94411A62-4676-4A50-A9F1-2D4DA559011B}" type="datetimeFigureOut">
               <a:rPr lang="en-US" smtClean="0"/>
               <a:pPr/>
-              <a:t>10/25/2021</a:t>
+              <a:t>10/26/2021</a:t>
             </a:fld>
             <a:endParaRPr lang="en-US" dirty="0"/>
           </a:p>
@@ -5936,7 +5936,7 @@
             <a:fld id="{94411A62-4676-4A50-A9F1-2D4DA559011B}" type="datetimeFigureOut">
               <a:rPr lang="en-US" smtClean="0"/>
               <a:pPr/>
-              <a:t>10/25/2021</a:t>
+              <a:t>10/26/2021</a:t>
             </a:fld>
             <a:endParaRPr lang="en-US" dirty="0"/>
           </a:p>
@@ -6149,7 +6149,7 @@
             <a:fld id="{94411A62-4676-4A50-A9F1-2D4DA559011B}" type="datetimeFigureOut">
               <a:rPr lang="en-US" smtClean="0"/>
               <a:pPr/>
-              <a:t>10/25/2021</a:t>
+              <a:t>10/26/2021</a:t>
             </a:fld>
             <a:endParaRPr lang="en-US" dirty="0"/>
           </a:p>

--- a/presentacion/presentacion_final/quantum ictp.pptx
+++ b/presentacion/presentacion_final/quantum ictp.pptx
@@ -5,7 +5,7 @@
     <p:sldMasterId id="2147483648" r:id="rId1"/>
   </p:sldMasterIdLst>
   <p:notesMasterIdLst>
-    <p:notesMasterId r:id="rId46"/>
+    <p:notesMasterId r:id="rId47"/>
   </p:notesMasterIdLst>
   <p:sldIdLst>
     <p:sldId id="270" r:id="rId2"/>
@@ -52,6 +52,7 @@
     <p:sldId id="295" r:id="rId43"/>
     <p:sldId id="330" r:id="rId44"/>
     <p:sldId id="327" r:id="rId45"/>
+    <p:sldId id="335" r:id="rId46"/>
   </p:sldIdLst>
   <p:sldSz cx="12192000" cy="6858000"/>
   <p:notesSz cx="6858000" cy="9144000"/>
@@ -3182,6 +3183,90 @@
     <p:extLst>
       <p:ext uri="{BB962C8B-B14F-4D97-AF65-F5344CB8AC3E}">
         <p14:creationId xmlns:p14="http://schemas.microsoft.com/office/powerpoint/2010/main" val="2052220091"/>
+      </p:ext>
+    </p:extLst>
+  </p:cSld>
+  <p:clrMapOvr>
+    <a:masterClrMapping/>
+  </p:clrMapOvr>
+</p:notes>
+</file>
+
+<file path=ppt/notesSlides/notesSlide38.xml><?xml version="1.0" encoding="utf-8"?>
+<p:notes xmlns:a="http://schemas.openxmlformats.org/drawingml/2006/main" xmlns:r="http://schemas.openxmlformats.org/officeDocument/2006/relationships" xmlns:p="http://schemas.openxmlformats.org/presentationml/2006/main">
+  <p:cSld>
+    <p:spTree>
+      <p:nvGrpSpPr>
+        <p:cNvPr id="1" name=""/>
+        <p:cNvGrpSpPr/>
+        <p:nvPr/>
+      </p:nvGrpSpPr>
+      <p:grpSpPr>
+        <a:xfrm>
+          <a:off x="0" y="0"/>
+          <a:ext cx="0" cy="0"/>
+          <a:chOff x="0" y="0"/>
+          <a:chExt cx="0" cy="0"/>
+        </a:xfrm>
+      </p:grpSpPr>
+      <p:sp>
+        <p:nvSpPr>
+          <p:cNvPr id="2" name="Slide Image Placeholder 1"/>
+          <p:cNvSpPr>
+            <a:spLocks noGrp="1" noRot="1" noChangeAspect="1"/>
+          </p:cNvSpPr>
+          <p:nvPr>
+            <p:ph type="sldImg"/>
+          </p:nvPr>
+        </p:nvSpPr>
+        <p:spPr/>
+      </p:sp>
+      <p:sp>
+        <p:nvSpPr>
+          <p:cNvPr id="3" name="Notes Placeholder 2"/>
+          <p:cNvSpPr>
+            <a:spLocks noGrp="1"/>
+          </p:cNvSpPr>
+          <p:nvPr>
+            <p:ph type="body" idx="1"/>
+          </p:nvPr>
+        </p:nvSpPr>
+        <p:spPr/>
+        <p:txBody>
+          <a:bodyPr/>
+          <a:lstStyle/>
+          <a:p>
+            <a:endParaRPr lang="en-US" dirty="0"/>
+          </a:p>
+        </p:txBody>
+      </p:sp>
+      <p:sp>
+        <p:nvSpPr>
+          <p:cNvPr id="4" name="Slide Number Placeholder 3"/>
+          <p:cNvSpPr>
+            <a:spLocks noGrp="1"/>
+          </p:cNvSpPr>
+          <p:nvPr>
+            <p:ph type="sldNum" sz="quarter" idx="10"/>
+          </p:nvPr>
+        </p:nvSpPr>
+        <p:spPr/>
+        <p:txBody>
+          <a:bodyPr/>
+          <a:lstStyle/>
+          <a:p>
+            <a:fld id="{39DF5BD0-F27D-4163-9908-9B6C4290E24D}" type="slidenum">
+              <a:rPr lang="en-US" smtClean="0"/>
+              <a:t>45</a:t>
+            </a:fld>
+            <a:endParaRPr lang="en-US" dirty="0"/>
+          </a:p>
+        </p:txBody>
+      </p:sp>
+    </p:spTree>
+    <p:extLst>
+      <p:ext uri="{BB962C8B-B14F-4D97-AF65-F5344CB8AC3E}">
+        <p14:creationId xmlns:p14="http://schemas.microsoft.com/office/powerpoint/2010/main" val="1781862995"/>
       </p:ext>
     </p:extLst>
   </p:cSld>
@@ -22594,7 +22679,7 @@
         </p:nvSpPr>
         <p:spPr>
           <a:xfrm>
-            <a:off x="1244338" y="1321782"/>
+            <a:off x="1244336" y="1780569"/>
             <a:ext cx="9703324" cy="750856"/>
           </a:xfrm>
         </p:spPr>
@@ -22799,27 +22884,30 @@
             <a:endParaRPr lang="en-US" dirty="0" smtClean="0"/>
           </a:p>
           <a:p>
+            <a:endParaRPr lang="en-US" dirty="0" smtClean="0"/>
+          </a:p>
+          <a:p>
+            <a:r>
+              <a:rPr lang="en-US" dirty="0" smtClean="0"/>
+              <a:t>Why </a:t>
+            </a:r>
             <a:r>
               <a:rPr lang="en-US" dirty="0"/>
-              <a:t>Why do we even need quantum computers? If it's just linear algebra, why don't we </a:t>
+              <a:t>do we even need quantum computers</a:t>
             </a:r>
             <a:r>
               <a:rPr lang="en-US" dirty="0" smtClean="0"/>
-              <a:t>just emulate them </a:t>
+              <a:t>?</a:t>
+            </a:r>
+          </a:p>
+          <a:p>
+            <a:r>
+              <a:rPr lang="en-US" dirty="0" smtClean="0"/>
+              <a:t>Why </a:t>
             </a:r>
             <a:r>
               <a:rPr lang="en-US" dirty="0"/>
-              <a:t>with classic hardware (</a:t>
-            </a:r>
-            <a:r>
-              <a:rPr lang="en-US" dirty="0" smtClean="0"/>
-              <a:t>CPU/GPU/FPGA)?</a:t>
-            </a:r>
-          </a:p>
-          <a:p>
-            <a:r>
-              <a:rPr lang="en-US" dirty="0"/>
-              <a:t>Why are quantum computers so hard to build</a:t>
+              <a:t>are quantum computers so hard to build</a:t>
             </a:r>
             <a:r>
               <a:rPr lang="en-US" dirty="0" smtClean="0"/>
@@ -22839,6 +22927,234 @@
     <p:extLst>
       <p:ext uri="{BB962C8B-B14F-4D97-AF65-F5344CB8AC3E}">
         <p14:creationId xmlns:p14="http://schemas.microsoft.com/office/powerpoint/2010/main" val="3452309584"/>
+      </p:ext>
+    </p:extLst>
+  </p:cSld>
+  <p:clrMapOvr>
+    <a:masterClrMapping/>
+  </p:clrMapOvr>
+  <p:timing>
+    <p:tnLst>
+      <p:par>
+        <p:cTn id="1" dur="indefinite" restart="never" nodeType="tmRoot"/>
+      </p:par>
+    </p:tnLst>
+  </p:timing>
+</p:sld>
+</file>
+
+<file path=ppt/slides/slide45.xml><?xml version="1.0" encoding="utf-8"?>
+<p:sld xmlns:a="http://schemas.openxmlformats.org/drawingml/2006/main" xmlns:r="http://schemas.openxmlformats.org/officeDocument/2006/relationships" xmlns:p="http://schemas.openxmlformats.org/presentationml/2006/main">
+  <p:cSld>
+    <p:spTree>
+      <p:nvGrpSpPr>
+        <p:cNvPr id="1" name=""/>
+        <p:cNvGrpSpPr/>
+        <p:nvPr/>
+      </p:nvGrpSpPr>
+      <p:grpSpPr>
+        <a:xfrm>
+          <a:off x="0" y="0"/>
+          <a:ext cx="0" cy="0"/>
+          <a:chOff x="0" y="0"/>
+          <a:chExt cx="0" cy="0"/>
+        </a:xfrm>
+      </p:grpSpPr>
+      <p:pic>
+        <p:nvPicPr>
+          <p:cNvPr id="5" name="Picture 4"/>
+          <p:cNvPicPr>
+            <a:picLocks noChangeAspect="1"/>
+          </p:cNvPicPr>
+          <p:nvPr/>
+        </p:nvPicPr>
+        <p:blipFill>
+          <a:blip r:embed="rId3" cstate="print"/>
+          <a:stretch>
+            <a:fillRect/>
+          </a:stretch>
+        </p:blipFill>
+        <p:spPr>
+          <a:xfrm>
+            <a:off x="-1" y="6536890"/>
+            <a:ext cx="12191999" cy="323165"/>
+          </a:xfrm>
+          <a:prstGeom prst="rect">
+            <a:avLst/>
+          </a:prstGeom>
+        </p:spPr>
+      </p:pic>
+      <p:pic>
+        <p:nvPicPr>
+          <p:cNvPr id="6" name="Picture 5"/>
+          <p:cNvPicPr>
+            <a:picLocks noChangeAspect="1"/>
+          </p:cNvPicPr>
+          <p:nvPr/>
+        </p:nvPicPr>
+        <p:blipFill>
+          <a:blip r:embed="rId4" cstate="print"/>
+          <a:stretch>
+            <a:fillRect/>
+          </a:stretch>
+        </p:blipFill>
+        <p:spPr>
+          <a:xfrm>
+            <a:off x="1" y="-25452"/>
+            <a:ext cx="12191999" cy="926544"/>
+          </a:xfrm>
+          <a:prstGeom prst="rect">
+            <a:avLst/>
+          </a:prstGeom>
+        </p:spPr>
+      </p:pic>
+      <p:pic>
+        <p:nvPicPr>
+          <p:cNvPr id="10" name="Picture 9"/>
+          <p:cNvPicPr>
+            <a:picLocks noChangeAspect="1"/>
+          </p:cNvPicPr>
+          <p:nvPr/>
+        </p:nvPicPr>
+        <p:blipFill>
+          <a:blip r:embed="rId5" cstate="print"/>
+          <a:stretch>
+            <a:fillRect/>
+          </a:stretch>
+        </p:blipFill>
+        <p:spPr>
+          <a:xfrm>
+            <a:off x="466725" y="-30771"/>
+            <a:ext cx="2857500" cy="912813"/>
+          </a:xfrm>
+          <a:prstGeom prst="rect">
+            <a:avLst/>
+          </a:prstGeom>
+        </p:spPr>
+      </p:pic>
+      <p:sp>
+        <p:nvSpPr>
+          <p:cNvPr id="13" name="TextBox 12"/>
+          <p:cNvSpPr txBox="1"/>
+          <p:nvPr/>
+        </p:nvSpPr>
+        <p:spPr>
+          <a:xfrm>
+            <a:off x="0" y="6536891"/>
+            <a:ext cx="12258675" cy="323165"/>
+          </a:xfrm>
+          <a:prstGeom prst="rect">
+            <a:avLst/>
+          </a:prstGeom>
+          <a:noFill/>
+        </p:spPr>
+        <p:txBody>
+          <a:bodyPr wrap="square" rtlCol="0">
+            <a:spAutoFit/>
+          </a:bodyPr>
+          <a:lstStyle/>
+          <a:p>
+            <a:pPr algn="ctr"/>
+            <a:r>
+              <a:rPr lang="en-US" sz="1500" b="1" dirty="0">
+                <a:solidFill>
+                  <a:schemeClr val="bg1"/>
+                </a:solidFill>
+              </a:rPr>
+              <a:t>Trieste - Italy</a:t>
+            </a:r>
+          </a:p>
+        </p:txBody>
+      </p:sp>
+      <p:pic>
+        <p:nvPicPr>
+          <p:cNvPr id="14" name="Picture 2" descr="Instituto de Investigaciones Científicas y Tecnológicas en Electrónica ( ICYTE) - CIC"/>
+          <p:cNvPicPr>
+            <a:picLocks noChangeAspect="1" noChangeArrowheads="1"/>
+          </p:cNvPicPr>
+          <p:nvPr/>
+        </p:nvPicPr>
+        <p:blipFill>
+          <a:blip r:embed="rId6">
+            <a:extLst>
+              <a:ext uri="{28A0092B-C50C-407E-A947-70E740481C1C}">
+                <a14:useLocalDpi xmlns:a14="http://schemas.microsoft.com/office/drawing/2010/main" val="0"/>
+              </a:ext>
+            </a:extLst>
+          </a:blip>
+          <a:srcRect/>
+          <a:stretch>
+            <a:fillRect/>
+          </a:stretch>
+        </p:blipFill>
+        <p:spPr bwMode="auto">
+          <a:xfrm>
+            <a:off x="8303490" y="-465191"/>
+            <a:ext cx="4146473" cy="1806021"/>
+          </a:xfrm>
+          <a:prstGeom prst="rect">
+            <a:avLst/>
+          </a:prstGeom>
+          <a:noFill/>
+          <a:extLst>
+            <a:ext uri="{909E8E84-426E-40DD-AFC4-6F175D3DCCD1}">
+              <a14:hiddenFill xmlns:a14="http://schemas.microsoft.com/office/drawing/2010/main">
+                <a:solidFill>
+                  <a:srgbClr val="FFFFFF"/>
+                </a:solidFill>
+              </a14:hiddenFill>
+            </a:ext>
+          </a:extLst>
+        </p:spPr>
+      </p:pic>
+      <p:sp>
+        <p:nvSpPr>
+          <p:cNvPr id="3" name="Title 2"/>
+          <p:cNvSpPr>
+            <a:spLocks noGrp="1"/>
+          </p:cNvSpPr>
+          <p:nvPr>
+            <p:ph type="title"/>
+          </p:nvPr>
+        </p:nvSpPr>
+        <p:spPr>
+          <a:xfrm>
+            <a:off x="838198" y="2613296"/>
+            <a:ext cx="10515600" cy="1325563"/>
+          </a:xfrm>
+        </p:spPr>
+        <p:txBody>
+          <a:bodyPr>
+            <a:normAutofit fontScale="90000"/>
+          </a:bodyPr>
+          <a:lstStyle/>
+          <a:p>
+            <a:r>
+              <a:rPr lang="en-US" dirty="0" smtClean="0"/>
+              <a:t>Questions?</a:t>
+            </a:r>
+            <a:br>
+              <a:rPr lang="en-US" dirty="0" smtClean="0"/>
+            </a:br>
+            <a:r>
+              <a:rPr lang="en-US" dirty="0" smtClean="0"/>
+              <a:t/>
+            </a:r>
+            <a:br>
+              <a:rPr lang="en-US" dirty="0" smtClean="0"/>
+            </a:br>
+            <a:r>
+              <a:rPr lang="en-US" dirty="0" smtClean="0"/>
+              <a:t>Thank you very much!</a:t>
+            </a:r>
+            <a:endParaRPr lang="en-US" dirty="0"/>
+          </a:p>
+        </p:txBody>
+      </p:sp>
+    </p:spTree>
+    <p:extLst>
+      <p:ext uri="{BB962C8B-B14F-4D97-AF65-F5344CB8AC3E}">
+        <p14:creationId xmlns:p14="http://schemas.microsoft.com/office/powerpoint/2010/main" val="1030791405"/>
       </p:ext>
     </p:extLst>
   </p:cSld>

--- a/presentacion/presentacion_final/quantum ictp.pptx
+++ b/presentacion/presentacion_final/quantum ictp.pptx
@@ -5,7 +5,7 @@
     <p:sldMasterId id="2147483648" r:id="rId1"/>
   </p:sldMasterIdLst>
   <p:notesMasterIdLst>
-    <p:notesMasterId r:id="rId47"/>
+    <p:notesMasterId r:id="rId48"/>
   </p:notesMasterIdLst>
   <p:sldIdLst>
     <p:sldId id="270" r:id="rId2"/>
@@ -52,7 +52,8 @@
     <p:sldId id="295" r:id="rId43"/>
     <p:sldId id="330" r:id="rId44"/>
     <p:sldId id="327" r:id="rId45"/>
-    <p:sldId id="335" r:id="rId46"/>
+    <p:sldId id="336" r:id="rId46"/>
+    <p:sldId id="335" r:id="rId47"/>
   </p:sldIdLst>
   <p:sldSz cx="12192000" cy="6858000"/>
   <p:notesSz cx="6858000" cy="9144000"/>
@@ -252,7 +253,7 @@
           <a:p>
             <a:fld id="{57FADB38-FBF7-4553-9E48-A4D3F52113B9}" type="datetimeFigureOut">
               <a:rPr lang="en-US" smtClean="0"/>
-              <a:t>10/26/2021</a:t>
+              <a:t>10/28/2021</a:t>
             </a:fld>
             <a:endParaRPr lang="en-US" dirty="0"/>
           </a:p>
@@ -564,54 +565,6 @@
           <a:bodyPr/>
           <a:lstStyle/>
           <a:p>
-            <a:r>
-              <a:rPr lang="en-US" dirty="0" smtClean="0"/>
-              <a:t>1990 – Planck</a:t>
-            </a:r>
-          </a:p>
-          <a:p>
-            <a:r>
-              <a:rPr lang="en-US" dirty="0" smtClean="0"/>
-              <a:t>1905 – Einstein</a:t>
-            </a:r>
-          </a:p>
-          <a:p>
-            <a:r>
-              <a:rPr lang="en-US" dirty="0" smtClean="0"/>
-              <a:t>1911 - Rutherford</a:t>
-            </a:r>
-          </a:p>
-          <a:p>
-            <a:r>
-              <a:rPr lang="en-US" dirty="0" smtClean="0"/>
-              <a:t>1913 – Bohr</a:t>
-            </a:r>
-          </a:p>
-          <a:p>
-            <a:r>
-              <a:rPr lang="en-US" dirty="0" smtClean="0"/>
-              <a:t>1924 - de Broglie</a:t>
-            </a:r>
-          </a:p>
-          <a:p>
-            <a:r>
-              <a:rPr lang="en-US" dirty="0" smtClean="0"/>
-              <a:t>1924 – Pauli</a:t>
-            </a:r>
-          </a:p>
-          <a:p>
-            <a:r>
-              <a:rPr lang="en-US" dirty="0" smtClean="0"/>
-              <a:t>1926 – Schrödinger</a:t>
-            </a:r>
-          </a:p>
-          <a:p>
-            <a:r>
-              <a:rPr lang="en-US" dirty="0" smtClean="0"/>
-              <a:t>1927 - Heisenberg</a:t>
-            </a:r>
-          </a:p>
-          <a:p>
             <a:endParaRPr lang="en-US" dirty="0"/>
           </a:p>
         </p:txBody>
@@ -633,7 +586,7 @@
           <a:p>
             <a:fld id="{39DF5BD0-F27D-4163-9908-9B6C4290E24D}" type="slidenum">
               <a:rPr lang="en-US" smtClean="0"/>
-              <a:t>8</a:t>
+              <a:t>1</a:t>
             </a:fld>
             <a:endParaRPr lang="en-US" dirty="0"/>
           </a:p>
@@ -642,7 +595,7 @@
     </p:spTree>
     <p:extLst>
       <p:ext uri="{BB962C8B-B14F-4D97-AF65-F5344CB8AC3E}">
-        <p14:creationId xmlns:p14="http://schemas.microsoft.com/office/powerpoint/2010/main" val="3140573223"/>
+        <p14:creationId xmlns:p14="http://schemas.microsoft.com/office/powerpoint/2010/main" val="2669260130"/>
       </p:ext>
     </p:extLst>
   </p:cSld>
@@ -717,7 +670,7 @@
           <a:p>
             <a:fld id="{39DF5BD0-F27D-4163-9908-9B6C4290E24D}" type="slidenum">
               <a:rPr lang="en-US" smtClean="0"/>
-              <a:t>17</a:t>
+              <a:t>11</a:t>
             </a:fld>
             <a:endParaRPr lang="en-US" dirty="0"/>
           </a:p>
@@ -726,7 +679,7 @@
     </p:spTree>
     <p:extLst>
       <p:ext uri="{BB962C8B-B14F-4D97-AF65-F5344CB8AC3E}">
-        <p14:creationId xmlns:p14="http://schemas.microsoft.com/office/powerpoint/2010/main" val="3752447078"/>
+        <p14:creationId xmlns:p14="http://schemas.microsoft.com/office/powerpoint/2010/main" val="1340460292"/>
       </p:ext>
     </p:extLst>
   </p:cSld>
@@ -801,7 +754,7 @@
           <a:p>
             <a:fld id="{39DF5BD0-F27D-4163-9908-9B6C4290E24D}" type="slidenum">
               <a:rPr lang="en-US" smtClean="0"/>
-              <a:t>18</a:t>
+              <a:t>12</a:t>
             </a:fld>
             <a:endParaRPr lang="en-US" dirty="0"/>
           </a:p>
@@ -810,7 +763,7 @@
     </p:spTree>
     <p:extLst>
       <p:ext uri="{BB962C8B-B14F-4D97-AF65-F5344CB8AC3E}">
-        <p14:creationId xmlns:p14="http://schemas.microsoft.com/office/powerpoint/2010/main" val="2832313409"/>
+        <p14:creationId xmlns:p14="http://schemas.microsoft.com/office/powerpoint/2010/main" val="1743616531"/>
       </p:ext>
     </p:extLst>
   </p:cSld>
@@ -885,7 +838,7 @@
           <a:p>
             <a:fld id="{39DF5BD0-F27D-4163-9908-9B6C4290E24D}" type="slidenum">
               <a:rPr lang="en-US" smtClean="0"/>
-              <a:t>19</a:t>
+              <a:t>13</a:t>
             </a:fld>
             <a:endParaRPr lang="en-US" dirty="0"/>
           </a:p>
@@ -894,7 +847,7 @@
     </p:spTree>
     <p:extLst>
       <p:ext uri="{BB962C8B-B14F-4D97-AF65-F5344CB8AC3E}">
-        <p14:creationId xmlns:p14="http://schemas.microsoft.com/office/powerpoint/2010/main" val="1996800250"/>
+        <p14:creationId xmlns:p14="http://schemas.microsoft.com/office/powerpoint/2010/main" val="325375809"/>
       </p:ext>
     </p:extLst>
   </p:cSld>
@@ -969,7 +922,7 @@
           <a:p>
             <a:fld id="{39DF5BD0-F27D-4163-9908-9B6C4290E24D}" type="slidenum">
               <a:rPr lang="en-US" smtClean="0"/>
-              <a:t>20</a:t>
+              <a:t>14</a:t>
             </a:fld>
             <a:endParaRPr lang="en-US" dirty="0"/>
           </a:p>
@@ -978,7 +931,7 @@
     </p:spTree>
     <p:extLst>
       <p:ext uri="{BB962C8B-B14F-4D97-AF65-F5344CB8AC3E}">
-        <p14:creationId xmlns:p14="http://schemas.microsoft.com/office/powerpoint/2010/main" val="2924520637"/>
+        <p14:creationId xmlns:p14="http://schemas.microsoft.com/office/powerpoint/2010/main" val="476302310"/>
       </p:ext>
     </p:extLst>
   </p:cSld>
@@ -1053,7 +1006,7 @@
           <a:p>
             <a:fld id="{39DF5BD0-F27D-4163-9908-9B6C4290E24D}" type="slidenum">
               <a:rPr lang="en-US" smtClean="0"/>
-              <a:t>21</a:t>
+              <a:t>15</a:t>
             </a:fld>
             <a:endParaRPr lang="en-US" dirty="0"/>
           </a:p>
@@ -1062,7 +1015,7 @@
     </p:spTree>
     <p:extLst>
       <p:ext uri="{BB962C8B-B14F-4D97-AF65-F5344CB8AC3E}">
-        <p14:creationId xmlns:p14="http://schemas.microsoft.com/office/powerpoint/2010/main" val="830621174"/>
+        <p14:creationId xmlns:p14="http://schemas.microsoft.com/office/powerpoint/2010/main" val="3864906831"/>
       </p:ext>
     </p:extLst>
   </p:cSld>
@@ -1137,7 +1090,7 @@
           <a:p>
             <a:fld id="{39DF5BD0-F27D-4163-9908-9B6C4290E24D}" type="slidenum">
               <a:rPr lang="en-US" smtClean="0"/>
-              <a:t>22</a:t>
+              <a:t>16</a:t>
             </a:fld>
             <a:endParaRPr lang="en-US" dirty="0"/>
           </a:p>
@@ -1146,7 +1099,7 @@
     </p:spTree>
     <p:extLst>
       <p:ext uri="{BB962C8B-B14F-4D97-AF65-F5344CB8AC3E}">
-        <p14:creationId xmlns:p14="http://schemas.microsoft.com/office/powerpoint/2010/main" val="983991949"/>
+        <p14:creationId xmlns:p14="http://schemas.microsoft.com/office/powerpoint/2010/main" val="3268522991"/>
       </p:ext>
     </p:extLst>
   </p:cSld>
@@ -1221,7 +1174,7 @@
           <a:p>
             <a:fld id="{39DF5BD0-F27D-4163-9908-9B6C4290E24D}" type="slidenum">
               <a:rPr lang="en-US" smtClean="0"/>
-              <a:t>23</a:t>
+              <a:t>17</a:t>
             </a:fld>
             <a:endParaRPr lang="en-US" dirty="0"/>
           </a:p>
@@ -1230,7 +1183,7 @@
     </p:spTree>
     <p:extLst>
       <p:ext uri="{BB962C8B-B14F-4D97-AF65-F5344CB8AC3E}">
-        <p14:creationId xmlns:p14="http://schemas.microsoft.com/office/powerpoint/2010/main" val="580608378"/>
+        <p14:creationId xmlns:p14="http://schemas.microsoft.com/office/powerpoint/2010/main" val="3752447078"/>
       </p:ext>
     </p:extLst>
   </p:cSld>
@@ -1305,7 +1258,7 @@
           <a:p>
             <a:fld id="{39DF5BD0-F27D-4163-9908-9B6C4290E24D}" type="slidenum">
               <a:rPr lang="en-US" smtClean="0"/>
-              <a:t>24</a:t>
+              <a:t>18</a:t>
             </a:fld>
             <a:endParaRPr lang="en-US" dirty="0"/>
           </a:p>
@@ -1314,7 +1267,7 @@
     </p:spTree>
     <p:extLst>
       <p:ext uri="{BB962C8B-B14F-4D97-AF65-F5344CB8AC3E}">
-        <p14:creationId xmlns:p14="http://schemas.microsoft.com/office/powerpoint/2010/main" val="1362855788"/>
+        <p14:creationId xmlns:p14="http://schemas.microsoft.com/office/powerpoint/2010/main" val="2832313409"/>
       </p:ext>
     </p:extLst>
   </p:cSld>
@@ -1368,27 +1321,7 @@
           <a:bodyPr/>
           <a:lstStyle/>
           <a:p>
-            <a:pPr marL="0" marR="0" lvl="0" indent="0" algn="l" defTabSz="914400" rtl="0" eaLnBrk="1" fontAlgn="auto" latinLnBrk="0" hangingPunct="1">
-              <a:lnSpc>
-                <a:spcPct val="100000"/>
-              </a:lnSpc>
-              <a:spcBef>
-                <a:spcPts val="0"/>
-              </a:spcBef>
-              <a:spcAft>
-                <a:spcPts val="0"/>
-              </a:spcAft>
-              <a:buClrTx/>
-              <a:buSzTx/>
-              <a:buFontTx/>
-              <a:buNone/>
-              <a:tabLst/>
-              <a:defRPr/>
-            </a:pPr>
-            <a:r>
-              <a:rPr lang="en-US" dirty="0" smtClean="0"/>
-              <a:t>(one and more qubits)</a:t>
-            </a:r>
+            <a:endParaRPr lang="en-US" dirty="0"/>
           </a:p>
         </p:txBody>
       </p:sp>
@@ -1409,7 +1342,7 @@
           <a:p>
             <a:fld id="{39DF5BD0-F27D-4163-9908-9B6C4290E24D}" type="slidenum">
               <a:rPr lang="en-US" smtClean="0"/>
-              <a:t>25</a:t>
+              <a:t>19</a:t>
             </a:fld>
             <a:endParaRPr lang="en-US" dirty="0"/>
           </a:p>
@@ -1418,7 +1351,7 @@
     </p:spTree>
     <p:extLst>
       <p:ext uri="{BB962C8B-B14F-4D97-AF65-F5344CB8AC3E}">
-        <p14:creationId xmlns:p14="http://schemas.microsoft.com/office/powerpoint/2010/main" val="1071996350"/>
+        <p14:creationId xmlns:p14="http://schemas.microsoft.com/office/powerpoint/2010/main" val="1996800250"/>
       </p:ext>
     </p:extLst>
   </p:cSld>
@@ -1493,7 +1426,7 @@
           <a:p>
             <a:fld id="{39DF5BD0-F27D-4163-9908-9B6C4290E24D}" type="slidenum">
               <a:rPr lang="en-US" smtClean="0"/>
-              <a:t>26</a:t>
+              <a:t>20</a:t>
             </a:fld>
             <a:endParaRPr lang="en-US" dirty="0"/>
           </a:p>
@@ -1502,7 +1435,7 @@
     </p:spTree>
     <p:extLst>
       <p:ext uri="{BB962C8B-B14F-4D97-AF65-F5344CB8AC3E}">
-        <p14:creationId xmlns:p14="http://schemas.microsoft.com/office/powerpoint/2010/main" val="2326507885"/>
+        <p14:creationId xmlns:p14="http://schemas.microsoft.com/office/powerpoint/2010/main" val="2924520637"/>
       </p:ext>
     </p:extLst>
   </p:cSld>
@@ -1577,7 +1510,7 @@
           <a:p>
             <a:fld id="{39DF5BD0-F27D-4163-9908-9B6C4290E24D}" type="slidenum">
               <a:rPr lang="en-US" smtClean="0"/>
-              <a:t>9</a:t>
+              <a:t>2</a:t>
             </a:fld>
             <a:endParaRPr lang="en-US" dirty="0"/>
           </a:p>
@@ -1586,7 +1519,7 @@
     </p:spTree>
     <p:extLst>
       <p:ext uri="{BB962C8B-B14F-4D97-AF65-F5344CB8AC3E}">
-        <p14:creationId xmlns:p14="http://schemas.microsoft.com/office/powerpoint/2010/main" val="3025686186"/>
+        <p14:creationId xmlns:p14="http://schemas.microsoft.com/office/powerpoint/2010/main" val="3857232888"/>
       </p:ext>
     </p:extLst>
   </p:cSld>
@@ -1661,7 +1594,7 @@
           <a:p>
             <a:fld id="{39DF5BD0-F27D-4163-9908-9B6C4290E24D}" type="slidenum">
               <a:rPr lang="en-US" smtClean="0"/>
-              <a:t>27</a:t>
+              <a:t>21</a:t>
             </a:fld>
             <a:endParaRPr lang="en-US" dirty="0"/>
           </a:p>
@@ -1670,7 +1603,7 @@
     </p:spTree>
     <p:extLst>
       <p:ext uri="{BB962C8B-B14F-4D97-AF65-F5344CB8AC3E}">
-        <p14:creationId xmlns:p14="http://schemas.microsoft.com/office/powerpoint/2010/main" val="458300811"/>
+        <p14:creationId xmlns:p14="http://schemas.microsoft.com/office/powerpoint/2010/main" val="830621174"/>
       </p:ext>
     </p:extLst>
   </p:cSld>
@@ -1745,7 +1678,7 @@
           <a:p>
             <a:fld id="{39DF5BD0-F27D-4163-9908-9B6C4290E24D}" type="slidenum">
               <a:rPr lang="en-US" smtClean="0"/>
-              <a:t>28</a:t>
+              <a:t>22</a:t>
             </a:fld>
             <a:endParaRPr lang="en-US" dirty="0"/>
           </a:p>
@@ -1754,7 +1687,7 @@
     </p:spTree>
     <p:extLst>
       <p:ext uri="{BB962C8B-B14F-4D97-AF65-F5344CB8AC3E}">
-        <p14:creationId xmlns:p14="http://schemas.microsoft.com/office/powerpoint/2010/main" val="2610270979"/>
+        <p14:creationId xmlns:p14="http://schemas.microsoft.com/office/powerpoint/2010/main" val="983991949"/>
       </p:ext>
     </p:extLst>
   </p:cSld>
@@ -1808,7 +1741,7 @@
           <a:bodyPr/>
           <a:lstStyle/>
           <a:p>
-            <a:endParaRPr lang="en-US" dirty="0"/>
+            <a:endParaRPr lang="en-US" dirty="0" smtClean="0"/>
           </a:p>
         </p:txBody>
       </p:sp>
@@ -1829,7 +1762,7 @@
           <a:p>
             <a:fld id="{39DF5BD0-F27D-4163-9908-9B6C4290E24D}" type="slidenum">
               <a:rPr lang="en-US" smtClean="0"/>
-              <a:t>29</a:t>
+              <a:t>23</a:t>
             </a:fld>
             <a:endParaRPr lang="en-US" dirty="0"/>
           </a:p>
@@ -1838,7 +1771,7 @@
     </p:spTree>
     <p:extLst>
       <p:ext uri="{BB962C8B-B14F-4D97-AF65-F5344CB8AC3E}">
-        <p14:creationId xmlns:p14="http://schemas.microsoft.com/office/powerpoint/2010/main" val="1559802554"/>
+        <p14:creationId xmlns:p14="http://schemas.microsoft.com/office/powerpoint/2010/main" val="580608378"/>
       </p:ext>
     </p:extLst>
   </p:cSld>
@@ -1913,7 +1846,7 @@
           <a:p>
             <a:fld id="{39DF5BD0-F27D-4163-9908-9B6C4290E24D}" type="slidenum">
               <a:rPr lang="en-US" smtClean="0"/>
-              <a:t>30</a:t>
+              <a:t>24</a:t>
             </a:fld>
             <a:endParaRPr lang="en-US" dirty="0"/>
           </a:p>
@@ -1922,7 +1855,7 @@
     </p:spTree>
     <p:extLst>
       <p:ext uri="{BB962C8B-B14F-4D97-AF65-F5344CB8AC3E}">
-        <p14:creationId xmlns:p14="http://schemas.microsoft.com/office/powerpoint/2010/main" val="3699948590"/>
+        <p14:creationId xmlns:p14="http://schemas.microsoft.com/office/powerpoint/2010/main" val="1362855788"/>
       </p:ext>
     </p:extLst>
   </p:cSld>
@@ -1976,7 +1909,24 @@
           <a:bodyPr/>
           <a:lstStyle/>
           <a:p>
-            <a:endParaRPr lang="en-US" dirty="0"/>
+            <a:pPr marL="0" marR="0" lvl="0" indent="0" algn="l" defTabSz="914400" rtl="0" eaLnBrk="1" fontAlgn="auto" latinLnBrk="0" hangingPunct="1">
+              <a:lnSpc>
+                <a:spcPct val="100000"/>
+              </a:lnSpc>
+              <a:spcBef>
+                <a:spcPts val="0"/>
+              </a:spcBef>
+              <a:spcAft>
+                <a:spcPts val="0"/>
+              </a:spcAft>
+              <a:buClrTx/>
+              <a:buSzTx/>
+              <a:buFontTx/>
+              <a:buNone/>
+              <a:tabLst/>
+              <a:defRPr/>
+            </a:pPr>
+            <a:endParaRPr lang="en-US" dirty="0" smtClean="0"/>
           </a:p>
         </p:txBody>
       </p:sp>
@@ -1997,7 +1947,7 @@
           <a:p>
             <a:fld id="{39DF5BD0-F27D-4163-9908-9B6C4290E24D}" type="slidenum">
               <a:rPr lang="en-US" smtClean="0"/>
-              <a:t>31</a:t>
+              <a:t>25</a:t>
             </a:fld>
             <a:endParaRPr lang="en-US" dirty="0"/>
           </a:p>
@@ -2006,7 +1956,7 @@
     </p:spTree>
     <p:extLst>
       <p:ext uri="{BB962C8B-B14F-4D97-AF65-F5344CB8AC3E}">
-        <p14:creationId xmlns:p14="http://schemas.microsoft.com/office/powerpoint/2010/main" val="1252065068"/>
+        <p14:creationId xmlns:p14="http://schemas.microsoft.com/office/powerpoint/2010/main" val="1071996350"/>
       </p:ext>
     </p:extLst>
   </p:cSld>
@@ -2081,7 +2031,7 @@
           <a:p>
             <a:fld id="{39DF5BD0-F27D-4163-9908-9B6C4290E24D}" type="slidenum">
               <a:rPr lang="en-US" smtClean="0"/>
-              <a:t>32</a:t>
+              <a:t>26</a:t>
             </a:fld>
             <a:endParaRPr lang="en-US" dirty="0"/>
           </a:p>
@@ -2090,7 +2040,7 @@
     </p:spTree>
     <p:extLst>
       <p:ext uri="{BB962C8B-B14F-4D97-AF65-F5344CB8AC3E}">
-        <p14:creationId xmlns:p14="http://schemas.microsoft.com/office/powerpoint/2010/main" val="2478850227"/>
+        <p14:creationId xmlns:p14="http://schemas.microsoft.com/office/powerpoint/2010/main" val="2326507885"/>
       </p:ext>
     </p:extLst>
   </p:cSld>
@@ -2165,7 +2115,7 @@
           <a:p>
             <a:fld id="{39DF5BD0-F27D-4163-9908-9B6C4290E24D}" type="slidenum">
               <a:rPr lang="en-US" smtClean="0"/>
-              <a:t>33</a:t>
+              <a:t>27</a:t>
             </a:fld>
             <a:endParaRPr lang="en-US" dirty="0"/>
           </a:p>
@@ -2174,7 +2124,7 @@
     </p:spTree>
     <p:extLst>
       <p:ext uri="{BB962C8B-B14F-4D97-AF65-F5344CB8AC3E}">
-        <p14:creationId xmlns:p14="http://schemas.microsoft.com/office/powerpoint/2010/main" val="4004425796"/>
+        <p14:creationId xmlns:p14="http://schemas.microsoft.com/office/powerpoint/2010/main" val="458300811"/>
       </p:ext>
     </p:extLst>
   </p:cSld>
@@ -2249,7 +2199,7 @@
           <a:p>
             <a:fld id="{39DF5BD0-F27D-4163-9908-9B6C4290E24D}" type="slidenum">
               <a:rPr lang="en-US" smtClean="0"/>
-              <a:t>34</a:t>
+              <a:t>28</a:t>
             </a:fld>
             <a:endParaRPr lang="en-US" dirty="0"/>
           </a:p>
@@ -2258,7 +2208,7 @@
     </p:spTree>
     <p:extLst>
       <p:ext uri="{BB962C8B-B14F-4D97-AF65-F5344CB8AC3E}">
-        <p14:creationId xmlns:p14="http://schemas.microsoft.com/office/powerpoint/2010/main" val="2215368547"/>
+        <p14:creationId xmlns:p14="http://schemas.microsoft.com/office/powerpoint/2010/main" val="2610270979"/>
       </p:ext>
     </p:extLst>
   </p:cSld>
@@ -2333,7 +2283,7 @@
           <a:p>
             <a:fld id="{39DF5BD0-F27D-4163-9908-9B6C4290E24D}" type="slidenum">
               <a:rPr lang="en-US" smtClean="0"/>
-              <a:t>35</a:t>
+              <a:t>29</a:t>
             </a:fld>
             <a:endParaRPr lang="en-US" dirty="0"/>
           </a:p>
@@ -2342,7 +2292,7 @@
     </p:spTree>
     <p:extLst>
       <p:ext uri="{BB962C8B-B14F-4D97-AF65-F5344CB8AC3E}">
-        <p14:creationId xmlns:p14="http://schemas.microsoft.com/office/powerpoint/2010/main" val="1240996591"/>
+        <p14:creationId xmlns:p14="http://schemas.microsoft.com/office/powerpoint/2010/main" val="1559802554"/>
       </p:ext>
     </p:extLst>
   </p:cSld>
@@ -2417,7 +2367,7 @@
           <a:p>
             <a:fld id="{39DF5BD0-F27D-4163-9908-9B6C4290E24D}" type="slidenum">
               <a:rPr lang="en-US" smtClean="0"/>
-              <a:t>36</a:t>
+              <a:t>30</a:t>
             </a:fld>
             <a:endParaRPr lang="en-US" dirty="0"/>
           </a:p>
@@ -2426,7 +2376,7 @@
     </p:spTree>
     <p:extLst>
       <p:ext uri="{BB962C8B-B14F-4D97-AF65-F5344CB8AC3E}">
-        <p14:creationId xmlns:p14="http://schemas.microsoft.com/office/powerpoint/2010/main" val="337751808"/>
+        <p14:creationId xmlns:p14="http://schemas.microsoft.com/office/powerpoint/2010/main" val="3699948590"/>
       </p:ext>
     </p:extLst>
   </p:cSld>
@@ -2501,7 +2451,7 @@
           <a:p>
             <a:fld id="{39DF5BD0-F27D-4163-9908-9B6C4290E24D}" type="slidenum">
               <a:rPr lang="en-US" smtClean="0"/>
-              <a:t>10</a:t>
+              <a:t>3</a:t>
             </a:fld>
             <a:endParaRPr lang="en-US" dirty="0"/>
           </a:p>
@@ -2510,7 +2460,7 @@
     </p:spTree>
     <p:extLst>
       <p:ext uri="{BB962C8B-B14F-4D97-AF65-F5344CB8AC3E}">
-        <p14:creationId xmlns:p14="http://schemas.microsoft.com/office/powerpoint/2010/main" val="907851703"/>
+        <p14:creationId xmlns:p14="http://schemas.microsoft.com/office/powerpoint/2010/main" val="3503915982"/>
       </p:ext>
     </p:extLst>
   </p:cSld>
@@ -2585,7 +2535,7 @@
           <a:p>
             <a:fld id="{39DF5BD0-F27D-4163-9908-9B6C4290E24D}" type="slidenum">
               <a:rPr lang="en-US" smtClean="0"/>
-              <a:t>37</a:t>
+              <a:t>31</a:t>
             </a:fld>
             <a:endParaRPr lang="en-US" dirty="0"/>
           </a:p>
@@ -2594,7 +2544,7 @@
     </p:spTree>
     <p:extLst>
       <p:ext uri="{BB962C8B-B14F-4D97-AF65-F5344CB8AC3E}">
-        <p14:creationId xmlns:p14="http://schemas.microsoft.com/office/powerpoint/2010/main" val="26362761"/>
+        <p14:creationId xmlns:p14="http://schemas.microsoft.com/office/powerpoint/2010/main" val="1252065068"/>
       </p:ext>
     </p:extLst>
   </p:cSld>
@@ -2669,7 +2619,7 @@
           <a:p>
             <a:fld id="{39DF5BD0-F27D-4163-9908-9B6C4290E24D}" type="slidenum">
               <a:rPr lang="en-US" smtClean="0"/>
-              <a:t>38</a:t>
+              <a:t>32</a:t>
             </a:fld>
             <a:endParaRPr lang="en-US" dirty="0"/>
           </a:p>
@@ -2678,7 +2628,7 @@
     </p:spTree>
     <p:extLst>
       <p:ext uri="{BB962C8B-B14F-4D97-AF65-F5344CB8AC3E}">
-        <p14:creationId xmlns:p14="http://schemas.microsoft.com/office/powerpoint/2010/main" val="3081131480"/>
+        <p14:creationId xmlns:p14="http://schemas.microsoft.com/office/powerpoint/2010/main" val="2478850227"/>
       </p:ext>
     </p:extLst>
   </p:cSld>
@@ -2753,7 +2703,7 @@
           <a:p>
             <a:fld id="{39DF5BD0-F27D-4163-9908-9B6C4290E24D}" type="slidenum">
               <a:rPr lang="en-US" smtClean="0"/>
-              <a:t>39</a:t>
+              <a:t>33</a:t>
             </a:fld>
             <a:endParaRPr lang="en-US" dirty="0"/>
           </a:p>
@@ -2762,7 +2712,7 @@
     </p:spTree>
     <p:extLst>
       <p:ext uri="{BB962C8B-B14F-4D97-AF65-F5344CB8AC3E}">
-        <p14:creationId xmlns:p14="http://schemas.microsoft.com/office/powerpoint/2010/main" val="3317257933"/>
+        <p14:creationId xmlns:p14="http://schemas.microsoft.com/office/powerpoint/2010/main" val="4004425796"/>
       </p:ext>
     </p:extLst>
   </p:cSld>
@@ -2837,7 +2787,7 @@
           <a:p>
             <a:fld id="{39DF5BD0-F27D-4163-9908-9B6C4290E24D}" type="slidenum">
               <a:rPr lang="en-US" smtClean="0"/>
-              <a:t>40</a:t>
+              <a:t>34</a:t>
             </a:fld>
             <a:endParaRPr lang="en-US" dirty="0"/>
           </a:p>
@@ -2846,7 +2796,7 @@
     </p:spTree>
     <p:extLst>
       <p:ext uri="{BB962C8B-B14F-4D97-AF65-F5344CB8AC3E}">
-        <p14:creationId xmlns:p14="http://schemas.microsoft.com/office/powerpoint/2010/main" val="2287040944"/>
+        <p14:creationId xmlns:p14="http://schemas.microsoft.com/office/powerpoint/2010/main" val="2215368547"/>
       </p:ext>
     </p:extLst>
   </p:cSld>
@@ -2921,7 +2871,7 @@
           <a:p>
             <a:fld id="{39DF5BD0-F27D-4163-9908-9B6C4290E24D}" type="slidenum">
               <a:rPr lang="en-US" smtClean="0"/>
-              <a:t>41</a:t>
+              <a:t>35</a:t>
             </a:fld>
             <a:endParaRPr lang="en-US" dirty="0"/>
           </a:p>
@@ -2930,7 +2880,7 @@
     </p:spTree>
     <p:extLst>
       <p:ext uri="{BB962C8B-B14F-4D97-AF65-F5344CB8AC3E}">
-        <p14:creationId xmlns:p14="http://schemas.microsoft.com/office/powerpoint/2010/main" val="2596498964"/>
+        <p14:creationId xmlns:p14="http://schemas.microsoft.com/office/powerpoint/2010/main" val="1240996591"/>
       </p:ext>
     </p:extLst>
   </p:cSld>
@@ -3005,7 +2955,7 @@
           <a:p>
             <a:fld id="{39DF5BD0-F27D-4163-9908-9B6C4290E24D}" type="slidenum">
               <a:rPr lang="en-US" smtClean="0"/>
-              <a:t>42</a:t>
+              <a:t>36</a:t>
             </a:fld>
             <a:endParaRPr lang="en-US" dirty="0"/>
           </a:p>
@@ -3014,7 +2964,7 @@
     </p:spTree>
     <p:extLst>
       <p:ext uri="{BB962C8B-B14F-4D97-AF65-F5344CB8AC3E}">
-        <p14:creationId xmlns:p14="http://schemas.microsoft.com/office/powerpoint/2010/main" val="189727432"/>
+        <p14:creationId xmlns:p14="http://schemas.microsoft.com/office/powerpoint/2010/main" val="337751808"/>
       </p:ext>
     </p:extLst>
   </p:cSld>
@@ -3089,7 +3039,7 @@
           <a:p>
             <a:fld id="{39DF5BD0-F27D-4163-9908-9B6C4290E24D}" type="slidenum">
               <a:rPr lang="en-US" smtClean="0"/>
-              <a:t>43</a:t>
+              <a:t>37</a:t>
             </a:fld>
             <a:endParaRPr lang="en-US" dirty="0"/>
           </a:p>
@@ -3098,7 +3048,7 @@
     </p:spTree>
     <p:extLst>
       <p:ext uri="{BB962C8B-B14F-4D97-AF65-F5344CB8AC3E}">
-        <p14:creationId xmlns:p14="http://schemas.microsoft.com/office/powerpoint/2010/main" val="1955675042"/>
+        <p14:creationId xmlns:p14="http://schemas.microsoft.com/office/powerpoint/2010/main" val="26362761"/>
       </p:ext>
     </p:extLst>
   </p:cSld>
@@ -3152,6 +3102,27 @@
           <a:bodyPr/>
           <a:lstStyle/>
           <a:p>
+            <a:r>
+              <a:rPr lang="en-US" dirty="0" smtClean="0"/>
+              <a:t>DFT -&gt; N^2</a:t>
+            </a:r>
+            <a:r>
+              <a:rPr lang="en-US" baseline="0" dirty="0" smtClean="0"/>
+              <a:t>                / 2^(2n)</a:t>
+            </a:r>
+            <a:endParaRPr lang="en-US" dirty="0" smtClean="0"/>
+          </a:p>
+          <a:p>
+            <a:r>
+              <a:rPr lang="en-US" dirty="0" smtClean="0"/>
+              <a:t>FFT  -&gt; N * log(N)       / n * 2^n</a:t>
+            </a:r>
+          </a:p>
+          <a:p>
+            <a:r>
+              <a:rPr lang="en-US" dirty="0" smtClean="0"/>
+              <a:t>QFT -&gt; (log(N))^2       / n^2</a:t>
+            </a:r>
             <a:endParaRPr lang="en-US" dirty="0"/>
           </a:p>
         </p:txBody>
@@ -3173,7 +3144,7 @@
           <a:p>
             <a:fld id="{39DF5BD0-F27D-4163-9908-9B6C4290E24D}" type="slidenum">
               <a:rPr lang="en-US" smtClean="0"/>
-              <a:t>44</a:t>
+              <a:t>38</a:t>
             </a:fld>
             <a:endParaRPr lang="en-US" dirty="0"/>
           </a:p>
@@ -3182,7 +3153,7 @@
     </p:spTree>
     <p:extLst>
       <p:ext uri="{BB962C8B-B14F-4D97-AF65-F5344CB8AC3E}">
-        <p14:creationId xmlns:p14="http://schemas.microsoft.com/office/powerpoint/2010/main" val="2052220091"/>
+        <p14:creationId xmlns:p14="http://schemas.microsoft.com/office/powerpoint/2010/main" val="3081131480"/>
       </p:ext>
     </p:extLst>
   </p:cSld>
@@ -3257,7 +3228,7 @@
           <a:p>
             <a:fld id="{39DF5BD0-F27D-4163-9908-9B6C4290E24D}" type="slidenum">
               <a:rPr lang="en-US" smtClean="0"/>
-              <a:t>45</a:t>
+              <a:t>39</a:t>
             </a:fld>
             <a:endParaRPr lang="en-US" dirty="0"/>
           </a:p>
@@ -3266,7 +3237,91 @@
     </p:spTree>
     <p:extLst>
       <p:ext uri="{BB962C8B-B14F-4D97-AF65-F5344CB8AC3E}">
-        <p14:creationId xmlns:p14="http://schemas.microsoft.com/office/powerpoint/2010/main" val="1781862995"/>
+        <p14:creationId xmlns:p14="http://schemas.microsoft.com/office/powerpoint/2010/main" val="3317257933"/>
+      </p:ext>
+    </p:extLst>
+  </p:cSld>
+  <p:clrMapOvr>
+    <a:masterClrMapping/>
+  </p:clrMapOvr>
+</p:notes>
+</file>
+
+<file path=ppt/notesSlides/notesSlide39.xml><?xml version="1.0" encoding="utf-8"?>
+<p:notes xmlns:a="http://schemas.openxmlformats.org/drawingml/2006/main" xmlns:r="http://schemas.openxmlformats.org/officeDocument/2006/relationships" xmlns:p="http://schemas.openxmlformats.org/presentationml/2006/main">
+  <p:cSld>
+    <p:spTree>
+      <p:nvGrpSpPr>
+        <p:cNvPr id="1" name=""/>
+        <p:cNvGrpSpPr/>
+        <p:nvPr/>
+      </p:nvGrpSpPr>
+      <p:grpSpPr>
+        <a:xfrm>
+          <a:off x="0" y="0"/>
+          <a:ext cx="0" cy="0"/>
+          <a:chOff x="0" y="0"/>
+          <a:chExt cx="0" cy="0"/>
+        </a:xfrm>
+      </p:grpSpPr>
+      <p:sp>
+        <p:nvSpPr>
+          <p:cNvPr id="2" name="Slide Image Placeholder 1"/>
+          <p:cNvSpPr>
+            <a:spLocks noGrp="1" noRot="1" noChangeAspect="1"/>
+          </p:cNvSpPr>
+          <p:nvPr>
+            <p:ph type="sldImg"/>
+          </p:nvPr>
+        </p:nvSpPr>
+        <p:spPr/>
+      </p:sp>
+      <p:sp>
+        <p:nvSpPr>
+          <p:cNvPr id="3" name="Notes Placeholder 2"/>
+          <p:cNvSpPr>
+            <a:spLocks noGrp="1"/>
+          </p:cNvSpPr>
+          <p:nvPr>
+            <p:ph type="body" idx="1"/>
+          </p:nvPr>
+        </p:nvSpPr>
+        <p:spPr/>
+        <p:txBody>
+          <a:bodyPr/>
+          <a:lstStyle/>
+          <a:p>
+            <a:endParaRPr lang="en-US" dirty="0"/>
+          </a:p>
+        </p:txBody>
+      </p:sp>
+      <p:sp>
+        <p:nvSpPr>
+          <p:cNvPr id="4" name="Slide Number Placeholder 3"/>
+          <p:cNvSpPr>
+            <a:spLocks noGrp="1"/>
+          </p:cNvSpPr>
+          <p:nvPr>
+            <p:ph type="sldNum" sz="quarter" idx="10"/>
+          </p:nvPr>
+        </p:nvSpPr>
+        <p:spPr/>
+        <p:txBody>
+          <a:bodyPr/>
+          <a:lstStyle/>
+          <a:p>
+            <a:fld id="{39DF5BD0-F27D-4163-9908-9B6C4290E24D}" type="slidenum">
+              <a:rPr lang="en-US" smtClean="0"/>
+              <a:t>40</a:t>
+            </a:fld>
+            <a:endParaRPr lang="en-US" dirty="0"/>
+          </a:p>
+        </p:txBody>
+      </p:sp>
+    </p:spTree>
+    <p:extLst>
+      <p:ext uri="{BB962C8B-B14F-4D97-AF65-F5344CB8AC3E}">
+        <p14:creationId xmlns:p14="http://schemas.microsoft.com/office/powerpoint/2010/main" val="2287040944"/>
       </p:ext>
     </p:extLst>
   </p:cSld>
@@ -3341,7 +3396,7 @@
           <a:p>
             <a:fld id="{39DF5BD0-F27D-4163-9908-9B6C4290E24D}" type="slidenum">
               <a:rPr lang="en-US" smtClean="0"/>
-              <a:t>11</a:t>
+              <a:t>4</a:t>
             </a:fld>
             <a:endParaRPr lang="en-US" dirty="0"/>
           </a:p>
@@ -3350,7 +3405,515 @@
     </p:spTree>
     <p:extLst>
       <p:ext uri="{BB962C8B-B14F-4D97-AF65-F5344CB8AC3E}">
-        <p14:creationId xmlns:p14="http://schemas.microsoft.com/office/powerpoint/2010/main" val="1340460292"/>
+        <p14:creationId xmlns:p14="http://schemas.microsoft.com/office/powerpoint/2010/main" val="38969205"/>
+      </p:ext>
+    </p:extLst>
+  </p:cSld>
+  <p:clrMapOvr>
+    <a:masterClrMapping/>
+  </p:clrMapOvr>
+</p:notes>
+</file>
+
+<file path=ppt/notesSlides/notesSlide40.xml><?xml version="1.0" encoding="utf-8"?>
+<p:notes xmlns:a="http://schemas.openxmlformats.org/drawingml/2006/main" xmlns:r="http://schemas.openxmlformats.org/officeDocument/2006/relationships" xmlns:p="http://schemas.openxmlformats.org/presentationml/2006/main">
+  <p:cSld>
+    <p:spTree>
+      <p:nvGrpSpPr>
+        <p:cNvPr id="1" name=""/>
+        <p:cNvGrpSpPr/>
+        <p:nvPr/>
+      </p:nvGrpSpPr>
+      <p:grpSpPr>
+        <a:xfrm>
+          <a:off x="0" y="0"/>
+          <a:ext cx="0" cy="0"/>
+          <a:chOff x="0" y="0"/>
+          <a:chExt cx="0" cy="0"/>
+        </a:xfrm>
+      </p:grpSpPr>
+      <p:sp>
+        <p:nvSpPr>
+          <p:cNvPr id="2" name="Slide Image Placeholder 1"/>
+          <p:cNvSpPr>
+            <a:spLocks noGrp="1" noRot="1" noChangeAspect="1"/>
+          </p:cNvSpPr>
+          <p:nvPr>
+            <p:ph type="sldImg"/>
+          </p:nvPr>
+        </p:nvSpPr>
+        <p:spPr/>
+      </p:sp>
+      <p:sp>
+        <p:nvSpPr>
+          <p:cNvPr id="3" name="Notes Placeholder 2"/>
+          <p:cNvSpPr>
+            <a:spLocks noGrp="1"/>
+          </p:cNvSpPr>
+          <p:nvPr>
+            <p:ph type="body" idx="1"/>
+          </p:nvPr>
+        </p:nvSpPr>
+        <p:spPr/>
+        <p:txBody>
+          <a:bodyPr/>
+          <a:lstStyle/>
+          <a:p>
+            <a:endParaRPr lang="en-US" dirty="0"/>
+          </a:p>
+        </p:txBody>
+      </p:sp>
+      <p:sp>
+        <p:nvSpPr>
+          <p:cNvPr id="4" name="Slide Number Placeholder 3"/>
+          <p:cNvSpPr>
+            <a:spLocks noGrp="1"/>
+          </p:cNvSpPr>
+          <p:nvPr>
+            <p:ph type="sldNum" sz="quarter" idx="10"/>
+          </p:nvPr>
+        </p:nvSpPr>
+        <p:spPr/>
+        <p:txBody>
+          <a:bodyPr/>
+          <a:lstStyle/>
+          <a:p>
+            <a:fld id="{39DF5BD0-F27D-4163-9908-9B6C4290E24D}" type="slidenum">
+              <a:rPr lang="en-US" smtClean="0"/>
+              <a:t>41</a:t>
+            </a:fld>
+            <a:endParaRPr lang="en-US" dirty="0"/>
+          </a:p>
+        </p:txBody>
+      </p:sp>
+    </p:spTree>
+    <p:extLst>
+      <p:ext uri="{BB962C8B-B14F-4D97-AF65-F5344CB8AC3E}">
+        <p14:creationId xmlns:p14="http://schemas.microsoft.com/office/powerpoint/2010/main" val="2596498964"/>
+      </p:ext>
+    </p:extLst>
+  </p:cSld>
+  <p:clrMapOvr>
+    <a:masterClrMapping/>
+  </p:clrMapOvr>
+</p:notes>
+</file>
+
+<file path=ppt/notesSlides/notesSlide41.xml><?xml version="1.0" encoding="utf-8"?>
+<p:notes xmlns:a="http://schemas.openxmlformats.org/drawingml/2006/main" xmlns:r="http://schemas.openxmlformats.org/officeDocument/2006/relationships" xmlns:p="http://schemas.openxmlformats.org/presentationml/2006/main">
+  <p:cSld>
+    <p:spTree>
+      <p:nvGrpSpPr>
+        <p:cNvPr id="1" name=""/>
+        <p:cNvGrpSpPr/>
+        <p:nvPr/>
+      </p:nvGrpSpPr>
+      <p:grpSpPr>
+        <a:xfrm>
+          <a:off x="0" y="0"/>
+          <a:ext cx="0" cy="0"/>
+          <a:chOff x="0" y="0"/>
+          <a:chExt cx="0" cy="0"/>
+        </a:xfrm>
+      </p:grpSpPr>
+      <p:sp>
+        <p:nvSpPr>
+          <p:cNvPr id="2" name="Slide Image Placeholder 1"/>
+          <p:cNvSpPr>
+            <a:spLocks noGrp="1" noRot="1" noChangeAspect="1"/>
+          </p:cNvSpPr>
+          <p:nvPr>
+            <p:ph type="sldImg"/>
+          </p:nvPr>
+        </p:nvSpPr>
+        <p:spPr/>
+      </p:sp>
+      <p:sp>
+        <p:nvSpPr>
+          <p:cNvPr id="3" name="Notes Placeholder 2"/>
+          <p:cNvSpPr>
+            <a:spLocks noGrp="1"/>
+          </p:cNvSpPr>
+          <p:nvPr>
+            <p:ph type="body" idx="1"/>
+          </p:nvPr>
+        </p:nvSpPr>
+        <p:spPr/>
+        <p:txBody>
+          <a:bodyPr/>
+          <a:lstStyle/>
+          <a:p>
+            <a:endParaRPr lang="en-US" dirty="0"/>
+          </a:p>
+        </p:txBody>
+      </p:sp>
+      <p:sp>
+        <p:nvSpPr>
+          <p:cNvPr id="4" name="Slide Number Placeholder 3"/>
+          <p:cNvSpPr>
+            <a:spLocks noGrp="1"/>
+          </p:cNvSpPr>
+          <p:nvPr>
+            <p:ph type="sldNum" sz="quarter" idx="10"/>
+          </p:nvPr>
+        </p:nvSpPr>
+        <p:spPr/>
+        <p:txBody>
+          <a:bodyPr/>
+          <a:lstStyle/>
+          <a:p>
+            <a:fld id="{39DF5BD0-F27D-4163-9908-9B6C4290E24D}" type="slidenum">
+              <a:rPr lang="en-US" smtClean="0"/>
+              <a:t>42</a:t>
+            </a:fld>
+            <a:endParaRPr lang="en-US" dirty="0"/>
+          </a:p>
+        </p:txBody>
+      </p:sp>
+    </p:spTree>
+    <p:extLst>
+      <p:ext uri="{BB962C8B-B14F-4D97-AF65-F5344CB8AC3E}">
+        <p14:creationId xmlns:p14="http://schemas.microsoft.com/office/powerpoint/2010/main" val="189727432"/>
+      </p:ext>
+    </p:extLst>
+  </p:cSld>
+  <p:clrMapOvr>
+    <a:masterClrMapping/>
+  </p:clrMapOvr>
+</p:notes>
+</file>
+
+<file path=ppt/notesSlides/notesSlide42.xml><?xml version="1.0" encoding="utf-8"?>
+<p:notes xmlns:a="http://schemas.openxmlformats.org/drawingml/2006/main" xmlns:r="http://schemas.openxmlformats.org/officeDocument/2006/relationships" xmlns:p="http://schemas.openxmlformats.org/presentationml/2006/main">
+  <p:cSld>
+    <p:spTree>
+      <p:nvGrpSpPr>
+        <p:cNvPr id="1" name=""/>
+        <p:cNvGrpSpPr/>
+        <p:nvPr/>
+      </p:nvGrpSpPr>
+      <p:grpSpPr>
+        <a:xfrm>
+          <a:off x="0" y="0"/>
+          <a:ext cx="0" cy="0"/>
+          <a:chOff x="0" y="0"/>
+          <a:chExt cx="0" cy="0"/>
+        </a:xfrm>
+      </p:grpSpPr>
+      <p:sp>
+        <p:nvSpPr>
+          <p:cNvPr id="2" name="Slide Image Placeholder 1"/>
+          <p:cNvSpPr>
+            <a:spLocks noGrp="1" noRot="1" noChangeAspect="1"/>
+          </p:cNvSpPr>
+          <p:nvPr>
+            <p:ph type="sldImg"/>
+          </p:nvPr>
+        </p:nvSpPr>
+        <p:spPr/>
+      </p:sp>
+      <p:sp>
+        <p:nvSpPr>
+          <p:cNvPr id="3" name="Notes Placeholder 2"/>
+          <p:cNvSpPr>
+            <a:spLocks noGrp="1"/>
+          </p:cNvSpPr>
+          <p:nvPr>
+            <p:ph type="body" idx="1"/>
+          </p:nvPr>
+        </p:nvSpPr>
+        <p:spPr/>
+        <p:txBody>
+          <a:bodyPr/>
+          <a:lstStyle/>
+          <a:p>
+            <a:endParaRPr lang="en-US" dirty="0"/>
+          </a:p>
+        </p:txBody>
+      </p:sp>
+      <p:sp>
+        <p:nvSpPr>
+          <p:cNvPr id="4" name="Slide Number Placeholder 3"/>
+          <p:cNvSpPr>
+            <a:spLocks noGrp="1"/>
+          </p:cNvSpPr>
+          <p:nvPr>
+            <p:ph type="sldNum" sz="quarter" idx="10"/>
+          </p:nvPr>
+        </p:nvSpPr>
+        <p:spPr/>
+        <p:txBody>
+          <a:bodyPr/>
+          <a:lstStyle/>
+          <a:p>
+            <a:fld id="{39DF5BD0-F27D-4163-9908-9B6C4290E24D}" type="slidenum">
+              <a:rPr lang="en-US" smtClean="0"/>
+              <a:t>43</a:t>
+            </a:fld>
+            <a:endParaRPr lang="en-US" dirty="0"/>
+          </a:p>
+        </p:txBody>
+      </p:sp>
+    </p:spTree>
+    <p:extLst>
+      <p:ext uri="{BB962C8B-B14F-4D97-AF65-F5344CB8AC3E}">
+        <p14:creationId xmlns:p14="http://schemas.microsoft.com/office/powerpoint/2010/main" val="1955675042"/>
+      </p:ext>
+    </p:extLst>
+  </p:cSld>
+  <p:clrMapOvr>
+    <a:masterClrMapping/>
+  </p:clrMapOvr>
+</p:notes>
+</file>
+
+<file path=ppt/notesSlides/notesSlide43.xml><?xml version="1.0" encoding="utf-8"?>
+<p:notes xmlns:a="http://schemas.openxmlformats.org/drawingml/2006/main" xmlns:r="http://schemas.openxmlformats.org/officeDocument/2006/relationships" xmlns:p="http://schemas.openxmlformats.org/presentationml/2006/main">
+  <p:cSld>
+    <p:spTree>
+      <p:nvGrpSpPr>
+        <p:cNvPr id="1" name=""/>
+        <p:cNvGrpSpPr/>
+        <p:nvPr/>
+      </p:nvGrpSpPr>
+      <p:grpSpPr>
+        <a:xfrm>
+          <a:off x="0" y="0"/>
+          <a:ext cx="0" cy="0"/>
+          <a:chOff x="0" y="0"/>
+          <a:chExt cx="0" cy="0"/>
+        </a:xfrm>
+      </p:grpSpPr>
+      <p:sp>
+        <p:nvSpPr>
+          <p:cNvPr id="2" name="Slide Image Placeholder 1"/>
+          <p:cNvSpPr>
+            <a:spLocks noGrp="1" noRot="1" noChangeAspect="1"/>
+          </p:cNvSpPr>
+          <p:nvPr>
+            <p:ph type="sldImg"/>
+          </p:nvPr>
+        </p:nvSpPr>
+        <p:spPr/>
+      </p:sp>
+      <p:sp>
+        <p:nvSpPr>
+          <p:cNvPr id="3" name="Notes Placeholder 2"/>
+          <p:cNvSpPr>
+            <a:spLocks noGrp="1"/>
+          </p:cNvSpPr>
+          <p:nvPr>
+            <p:ph type="body" idx="1"/>
+          </p:nvPr>
+        </p:nvSpPr>
+        <p:spPr/>
+        <p:txBody>
+          <a:bodyPr/>
+          <a:lstStyle/>
+          <a:p>
+            <a:endParaRPr lang="en-US" dirty="0"/>
+          </a:p>
+        </p:txBody>
+      </p:sp>
+      <p:sp>
+        <p:nvSpPr>
+          <p:cNvPr id="4" name="Slide Number Placeholder 3"/>
+          <p:cNvSpPr>
+            <a:spLocks noGrp="1"/>
+          </p:cNvSpPr>
+          <p:nvPr>
+            <p:ph type="sldNum" sz="quarter" idx="10"/>
+          </p:nvPr>
+        </p:nvSpPr>
+        <p:spPr/>
+        <p:txBody>
+          <a:bodyPr/>
+          <a:lstStyle/>
+          <a:p>
+            <a:fld id="{39DF5BD0-F27D-4163-9908-9B6C4290E24D}" type="slidenum">
+              <a:rPr lang="en-US" smtClean="0"/>
+              <a:t>44</a:t>
+            </a:fld>
+            <a:endParaRPr lang="en-US" dirty="0"/>
+          </a:p>
+        </p:txBody>
+      </p:sp>
+    </p:spTree>
+    <p:extLst>
+      <p:ext uri="{BB962C8B-B14F-4D97-AF65-F5344CB8AC3E}">
+        <p14:creationId xmlns:p14="http://schemas.microsoft.com/office/powerpoint/2010/main" val="2052220091"/>
+      </p:ext>
+    </p:extLst>
+  </p:cSld>
+  <p:clrMapOvr>
+    <a:masterClrMapping/>
+  </p:clrMapOvr>
+</p:notes>
+</file>
+
+<file path=ppt/notesSlides/notesSlide44.xml><?xml version="1.0" encoding="utf-8"?>
+<p:notes xmlns:a="http://schemas.openxmlformats.org/drawingml/2006/main" xmlns:r="http://schemas.openxmlformats.org/officeDocument/2006/relationships" xmlns:p="http://schemas.openxmlformats.org/presentationml/2006/main">
+  <p:cSld>
+    <p:spTree>
+      <p:nvGrpSpPr>
+        <p:cNvPr id="1" name=""/>
+        <p:cNvGrpSpPr/>
+        <p:nvPr/>
+      </p:nvGrpSpPr>
+      <p:grpSpPr>
+        <a:xfrm>
+          <a:off x="0" y="0"/>
+          <a:ext cx="0" cy="0"/>
+          <a:chOff x="0" y="0"/>
+          <a:chExt cx="0" cy="0"/>
+        </a:xfrm>
+      </p:grpSpPr>
+      <p:sp>
+        <p:nvSpPr>
+          <p:cNvPr id="2" name="Slide Image Placeholder 1"/>
+          <p:cNvSpPr>
+            <a:spLocks noGrp="1" noRot="1" noChangeAspect="1"/>
+          </p:cNvSpPr>
+          <p:nvPr>
+            <p:ph type="sldImg"/>
+          </p:nvPr>
+        </p:nvSpPr>
+        <p:spPr/>
+      </p:sp>
+      <p:sp>
+        <p:nvSpPr>
+          <p:cNvPr id="3" name="Notes Placeholder 2"/>
+          <p:cNvSpPr>
+            <a:spLocks noGrp="1"/>
+          </p:cNvSpPr>
+          <p:nvPr>
+            <p:ph type="body" idx="1"/>
+          </p:nvPr>
+        </p:nvSpPr>
+        <p:spPr/>
+        <p:txBody>
+          <a:bodyPr/>
+          <a:lstStyle/>
+          <a:p>
+            <a:pPr marL="171450" indent="-171450">
+              <a:buFontTx/>
+              <a:buChar char="-"/>
+            </a:pPr>
+            <a:endParaRPr lang="en-US" dirty="0"/>
+          </a:p>
+        </p:txBody>
+      </p:sp>
+      <p:sp>
+        <p:nvSpPr>
+          <p:cNvPr id="4" name="Slide Number Placeholder 3"/>
+          <p:cNvSpPr>
+            <a:spLocks noGrp="1"/>
+          </p:cNvSpPr>
+          <p:nvPr>
+            <p:ph type="sldNum" sz="quarter" idx="10"/>
+          </p:nvPr>
+        </p:nvSpPr>
+        <p:spPr/>
+        <p:txBody>
+          <a:bodyPr/>
+          <a:lstStyle/>
+          <a:p>
+            <a:fld id="{39DF5BD0-F27D-4163-9908-9B6C4290E24D}" type="slidenum">
+              <a:rPr lang="en-US" smtClean="0"/>
+              <a:t>45</a:t>
+            </a:fld>
+            <a:endParaRPr lang="en-US" dirty="0"/>
+          </a:p>
+        </p:txBody>
+      </p:sp>
+    </p:spTree>
+    <p:extLst>
+      <p:ext uri="{BB962C8B-B14F-4D97-AF65-F5344CB8AC3E}">
+        <p14:creationId xmlns:p14="http://schemas.microsoft.com/office/powerpoint/2010/main" val="2973767548"/>
+      </p:ext>
+    </p:extLst>
+  </p:cSld>
+  <p:clrMapOvr>
+    <a:masterClrMapping/>
+  </p:clrMapOvr>
+</p:notes>
+</file>
+
+<file path=ppt/notesSlides/notesSlide45.xml><?xml version="1.0" encoding="utf-8"?>
+<p:notes xmlns:a="http://schemas.openxmlformats.org/drawingml/2006/main" xmlns:r="http://schemas.openxmlformats.org/officeDocument/2006/relationships" xmlns:p="http://schemas.openxmlformats.org/presentationml/2006/main">
+  <p:cSld>
+    <p:spTree>
+      <p:nvGrpSpPr>
+        <p:cNvPr id="1" name=""/>
+        <p:cNvGrpSpPr/>
+        <p:nvPr/>
+      </p:nvGrpSpPr>
+      <p:grpSpPr>
+        <a:xfrm>
+          <a:off x="0" y="0"/>
+          <a:ext cx="0" cy="0"/>
+          <a:chOff x="0" y="0"/>
+          <a:chExt cx="0" cy="0"/>
+        </a:xfrm>
+      </p:grpSpPr>
+      <p:sp>
+        <p:nvSpPr>
+          <p:cNvPr id="2" name="Slide Image Placeholder 1"/>
+          <p:cNvSpPr>
+            <a:spLocks noGrp="1" noRot="1" noChangeAspect="1"/>
+          </p:cNvSpPr>
+          <p:nvPr>
+            <p:ph type="sldImg"/>
+          </p:nvPr>
+        </p:nvSpPr>
+        <p:spPr/>
+      </p:sp>
+      <p:sp>
+        <p:nvSpPr>
+          <p:cNvPr id="3" name="Notes Placeholder 2"/>
+          <p:cNvSpPr>
+            <a:spLocks noGrp="1"/>
+          </p:cNvSpPr>
+          <p:nvPr>
+            <p:ph type="body" idx="1"/>
+          </p:nvPr>
+        </p:nvSpPr>
+        <p:spPr/>
+        <p:txBody>
+          <a:bodyPr/>
+          <a:lstStyle/>
+          <a:p>
+            <a:endParaRPr lang="en-US" dirty="0"/>
+          </a:p>
+        </p:txBody>
+      </p:sp>
+      <p:sp>
+        <p:nvSpPr>
+          <p:cNvPr id="4" name="Slide Number Placeholder 3"/>
+          <p:cNvSpPr>
+            <a:spLocks noGrp="1"/>
+          </p:cNvSpPr>
+          <p:nvPr>
+            <p:ph type="sldNum" sz="quarter" idx="10"/>
+          </p:nvPr>
+        </p:nvSpPr>
+        <p:spPr/>
+        <p:txBody>
+          <a:bodyPr/>
+          <a:lstStyle/>
+          <a:p>
+            <a:fld id="{39DF5BD0-F27D-4163-9908-9B6C4290E24D}" type="slidenum">
+              <a:rPr lang="en-US" smtClean="0"/>
+              <a:t>46</a:t>
+            </a:fld>
+            <a:endParaRPr lang="en-US" dirty="0"/>
+          </a:p>
+        </p:txBody>
+      </p:sp>
+    </p:spTree>
+    <p:extLst>
+      <p:ext uri="{BB962C8B-B14F-4D97-AF65-F5344CB8AC3E}">
+        <p14:creationId xmlns:p14="http://schemas.microsoft.com/office/powerpoint/2010/main" val="1781862995"/>
       </p:ext>
     </p:extLst>
   </p:cSld>
@@ -3425,7 +3988,7 @@
           <a:p>
             <a:fld id="{39DF5BD0-F27D-4163-9908-9B6C4290E24D}" type="slidenum">
               <a:rPr lang="en-US" smtClean="0"/>
-              <a:t>12</a:t>
+              <a:t>5</a:t>
             </a:fld>
             <a:endParaRPr lang="en-US" dirty="0"/>
           </a:p>
@@ -3434,7 +3997,7 @@
     </p:spTree>
     <p:extLst>
       <p:ext uri="{BB962C8B-B14F-4D97-AF65-F5344CB8AC3E}">
-        <p14:creationId xmlns:p14="http://schemas.microsoft.com/office/powerpoint/2010/main" val="1743616531"/>
+        <p14:creationId xmlns:p14="http://schemas.microsoft.com/office/powerpoint/2010/main" val="313356089"/>
       </p:ext>
     </p:extLst>
   </p:cSld>
@@ -3509,7 +4072,7 @@
           <a:p>
             <a:fld id="{39DF5BD0-F27D-4163-9908-9B6C4290E24D}" type="slidenum">
               <a:rPr lang="en-US" smtClean="0"/>
-              <a:t>13</a:t>
+              <a:t>6</a:t>
             </a:fld>
             <a:endParaRPr lang="en-US" dirty="0"/>
           </a:p>
@@ -3518,7 +4081,7 @@
     </p:spTree>
     <p:extLst>
       <p:ext uri="{BB962C8B-B14F-4D97-AF65-F5344CB8AC3E}">
-        <p14:creationId xmlns:p14="http://schemas.microsoft.com/office/powerpoint/2010/main" val="325375809"/>
+        <p14:creationId xmlns:p14="http://schemas.microsoft.com/office/powerpoint/2010/main" val="987994483"/>
       </p:ext>
     </p:extLst>
   </p:cSld>
@@ -3572,6 +4135,56 @@
           <a:bodyPr/>
           <a:lstStyle/>
           <a:p>
+            <a:r>
+              <a:rPr lang="en-US" dirty="0" smtClean="0"/>
+              <a:t>1990 – Planck</a:t>
+            </a:r>
+          </a:p>
+          <a:p>
+            <a:r>
+              <a:rPr lang="en-US" dirty="0" smtClean="0"/>
+              <a:t>1905 – Einstein</a:t>
+            </a:r>
+          </a:p>
+          <a:p>
+            <a:r>
+              <a:rPr lang="en-US" dirty="0" smtClean="0"/>
+              <a:t>1911 - Rutherford</a:t>
+            </a:r>
+          </a:p>
+          <a:p>
+            <a:r>
+              <a:rPr lang="en-US" dirty="0" smtClean="0"/>
+              <a:t>1913 – Bohr</a:t>
+            </a:r>
+          </a:p>
+          <a:p>
+            <a:r>
+              <a:rPr lang="en-US" dirty="0" smtClean="0"/>
+              <a:t>1924 - de Broglie</a:t>
+            </a:r>
+          </a:p>
+          <a:p>
+            <a:r>
+              <a:rPr lang="en-US" dirty="0" smtClean="0"/>
+              <a:t>1924 – Pauli</a:t>
+            </a:r>
+          </a:p>
+          <a:p>
+            <a:r>
+              <a:rPr lang="en-US" dirty="0" smtClean="0"/>
+              <a:t>1926 – Schrödinger</a:t>
+            </a:r>
+          </a:p>
+          <a:p>
+            <a:r>
+              <a:rPr lang="en-US" dirty="0" smtClean="0"/>
+              <a:t>1927 – </a:t>
+            </a:r>
+            <a:r>
+              <a:rPr lang="en-US" dirty="0" smtClean="0"/>
+              <a:t>Heisenberg</a:t>
+            </a:r>
             <a:endParaRPr lang="en-US" dirty="0"/>
           </a:p>
         </p:txBody>
@@ -3593,7 +4206,7 @@
           <a:p>
             <a:fld id="{39DF5BD0-F27D-4163-9908-9B6C4290E24D}" type="slidenum">
               <a:rPr lang="en-US" smtClean="0"/>
-              <a:t>14</a:t>
+              <a:t>8</a:t>
             </a:fld>
             <a:endParaRPr lang="en-US" dirty="0"/>
           </a:p>
@@ -3602,7 +4215,7 @@
     </p:spTree>
     <p:extLst>
       <p:ext uri="{BB962C8B-B14F-4D97-AF65-F5344CB8AC3E}">
-        <p14:creationId xmlns:p14="http://schemas.microsoft.com/office/powerpoint/2010/main" val="476302310"/>
+        <p14:creationId xmlns:p14="http://schemas.microsoft.com/office/powerpoint/2010/main" val="3140573223"/>
       </p:ext>
     </p:extLst>
   </p:cSld>
@@ -3677,7 +4290,7 @@
           <a:p>
             <a:fld id="{39DF5BD0-F27D-4163-9908-9B6C4290E24D}" type="slidenum">
               <a:rPr lang="en-US" smtClean="0"/>
-              <a:t>15</a:t>
+              <a:t>9</a:t>
             </a:fld>
             <a:endParaRPr lang="en-US" dirty="0"/>
           </a:p>
@@ -3686,7 +4299,7 @@
     </p:spTree>
     <p:extLst>
       <p:ext uri="{BB962C8B-B14F-4D97-AF65-F5344CB8AC3E}">
-        <p14:creationId xmlns:p14="http://schemas.microsoft.com/office/powerpoint/2010/main" val="3864906831"/>
+        <p14:creationId xmlns:p14="http://schemas.microsoft.com/office/powerpoint/2010/main" val="3025686186"/>
       </p:ext>
     </p:extLst>
   </p:cSld>
@@ -3761,7 +4374,7 @@
           <a:p>
             <a:fld id="{39DF5BD0-F27D-4163-9908-9B6C4290E24D}" type="slidenum">
               <a:rPr lang="en-US" smtClean="0"/>
-              <a:t>16</a:t>
+              <a:t>10</a:t>
             </a:fld>
             <a:endParaRPr lang="en-US" dirty="0"/>
           </a:p>
@@ -3770,7 +4383,7 @@
     </p:spTree>
     <p:extLst>
       <p:ext uri="{BB962C8B-B14F-4D97-AF65-F5344CB8AC3E}">
-        <p14:creationId xmlns:p14="http://schemas.microsoft.com/office/powerpoint/2010/main" val="3268522991"/>
+        <p14:creationId xmlns:p14="http://schemas.microsoft.com/office/powerpoint/2010/main" val="907851703"/>
       </p:ext>
     </p:extLst>
   </p:cSld>
@@ -3910,7 +4523,7 @@
             <a:fld id="{94411A62-4676-4A50-A9F1-2D4DA559011B}" type="datetimeFigureOut">
               <a:rPr lang="en-US" smtClean="0"/>
               <a:pPr/>
-              <a:t>10/26/2021</a:t>
+              <a:t>10/28/2021</a:t>
             </a:fld>
             <a:endParaRPr lang="en-US" dirty="0"/>
           </a:p>
@@ -4080,7 +4693,7 @@
             <a:fld id="{94411A62-4676-4A50-A9F1-2D4DA559011B}" type="datetimeFigureOut">
               <a:rPr lang="en-US" smtClean="0"/>
               <a:pPr/>
-              <a:t>10/26/2021</a:t>
+              <a:t>10/28/2021</a:t>
             </a:fld>
             <a:endParaRPr lang="en-US" dirty="0"/>
           </a:p>
@@ -4260,7 +4873,7 @@
             <a:fld id="{94411A62-4676-4A50-A9F1-2D4DA559011B}" type="datetimeFigureOut">
               <a:rPr lang="en-US" smtClean="0"/>
               <a:pPr/>
-              <a:t>10/26/2021</a:t>
+              <a:t>10/28/2021</a:t>
             </a:fld>
             <a:endParaRPr lang="en-US" dirty="0"/>
           </a:p>
@@ -4430,7 +5043,7 @@
             <a:fld id="{94411A62-4676-4A50-A9F1-2D4DA559011B}" type="datetimeFigureOut">
               <a:rPr lang="en-US" smtClean="0"/>
               <a:pPr/>
-              <a:t>10/26/2021</a:t>
+              <a:t>10/28/2021</a:t>
             </a:fld>
             <a:endParaRPr lang="en-US" dirty="0"/>
           </a:p>
@@ -4677,7 +5290,7 @@
             <a:fld id="{94411A62-4676-4A50-A9F1-2D4DA559011B}" type="datetimeFigureOut">
               <a:rPr lang="en-US" smtClean="0"/>
               <a:pPr/>
-              <a:t>10/26/2021</a:t>
+              <a:t>10/28/2021</a:t>
             </a:fld>
             <a:endParaRPr lang="en-US" dirty="0"/>
           </a:p>
@@ -4908,7 +5521,7 @@
             <a:fld id="{94411A62-4676-4A50-A9F1-2D4DA559011B}" type="datetimeFigureOut">
               <a:rPr lang="en-US" smtClean="0"/>
               <a:pPr/>
-              <a:t>10/26/2021</a:t>
+              <a:t>10/28/2021</a:t>
             </a:fld>
             <a:endParaRPr lang="en-US" dirty="0"/>
           </a:p>
@@ -5274,7 +5887,7 @@
             <a:fld id="{94411A62-4676-4A50-A9F1-2D4DA559011B}" type="datetimeFigureOut">
               <a:rPr lang="en-US" smtClean="0"/>
               <a:pPr/>
-              <a:t>10/26/2021</a:t>
+              <a:t>10/28/2021</a:t>
             </a:fld>
             <a:endParaRPr lang="en-US" dirty="0"/>
           </a:p>
@@ -5393,7 +6006,7 @@
             <a:fld id="{94411A62-4676-4A50-A9F1-2D4DA559011B}" type="datetimeFigureOut">
               <a:rPr lang="en-US" smtClean="0"/>
               <a:pPr/>
-              <a:t>10/26/2021</a:t>
+              <a:t>10/28/2021</a:t>
             </a:fld>
             <a:endParaRPr lang="en-US" dirty="0"/>
           </a:p>
@@ -5490,7 +6103,7 @@
             <a:fld id="{94411A62-4676-4A50-A9F1-2D4DA559011B}" type="datetimeFigureOut">
               <a:rPr lang="en-US" smtClean="0"/>
               <a:pPr/>
-              <a:t>10/26/2021</a:t>
+              <a:t>10/28/2021</a:t>
             </a:fld>
             <a:endParaRPr lang="en-US" dirty="0"/>
           </a:p>
@@ -5767,7 +6380,7 @@
             <a:fld id="{94411A62-4676-4A50-A9F1-2D4DA559011B}" type="datetimeFigureOut">
               <a:rPr lang="en-US" smtClean="0"/>
               <a:pPr/>
-              <a:t>10/26/2021</a:t>
+              <a:t>10/28/2021</a:t>
             </a:fld>
             <a:endParaRPr lang="en-US" dirty="0"/>
           </a:p>
@@ -6021,7 +6634,7 @@
             <a:fld id="{94411A62-4676-4A50-A9F1-2D4DA559011B}" type="datetimeFigureOut">
               <a:rPr lang="en-US" smtClean="0"/>
               <a:pPr/>
-              <a:t>10/26/2021</a:t>
+              <a:t>10/28/2021</a:t>
             </a:fld>
             <a:endParaRPr lang="en-US" dirty="0"/>
           </a:p>
@@ -6234,7 +6847,7 @@
             <a:fld id="{94411A62-4676-4A50-A9F1-2D4DA559011B}" type="datetimeFigureOut">
               <a:rPr lang="en-US" smtClean="0"/>
               <a:pPr/>
-              <a:t>10/26/2021</a:t>
+              <a:t>10/28/2021</a:t>
             </a:fld>
             <a:endParaRPr lang="en-US" dirty="0"/>
           </a:p>
@@ -6714,7 +7327,7 @@
           <p:nvPr/>
         </p:nvPicPr>
         <p:blipFill>
-          <a:blip r:embed="rId2"/>
+          <a:blip r:embed="rId3"/>
           <a:stretch>
             <a:fillRect/>
           </a:stretch>
@@ -6738,7 +7351,7 @@
           <p:nvPr/>
         </p:nvPicPr>
         <p:blipFill>
-          <a:blip r:embed="rId3"/>
+          <a:blip r:embed="rId4"/>
           <a:stretch>
             <a:fillRect/>
           </a:stretch>
@@ -6762,7 +7375,7 @@
           <p:nvPr/>
         </p:nvPicPr>
         <p:blipFill>
-          <a:blip r:embed="rId4">
+          <a:blip r:embed="rId5">
             <a:extLst>
               <a:ext uri="{28A0092B-C50C-407E-A947-70E740481C1C}">
                 <a14:useLocalDpi xmlns:a14="http://schemas.microsoft.com/office/drawing/2010/main" val="0"/>
@@ -10676,7 +11289,7 @@
           <p:nvPr/>
         </p:nvPicPr>
         <p:blipFill>
-          <a:blip r:embed="rId2" cstate="print"/>
+          <a:blip r:embed="rId3" cstate="print"/>
           <a:stretch>
             <a:fillRect/>
           </a:stretch>
@@ -10700,7 +11313,7 @@
           <p:nvPr/>
         </p:nvPicPr>
         <p:blipFill>
-          <a:blip r:embed="rId3" cstate="print"/>
+          <a:blip r:embed="rId4" cstate="print"/>
           <a:stretch>
             <a:fillRect/>
           </a:stretch>
@@ -10724,7 +11337,7 @@
           <p:nvPr/>
         </p:nvPicPr>
         <p:blipFill>
-          <a:blip r:embed="rId4" cstate="print"/>
+          <a:blip r:embed="rId5" cstate="print"/>
           <a:stretch>
             <a:fillRect/>
           </a:stretch>
@@ -10782,7 +11395,7 @@
           <p:nvPr/>
         </p:nvPicPr>
         <p:blipFill>
-          <a:blip r:embed="rId5">
+          <a:blip r:embed="rId6">
             <a:extLst>
               <a:ext uri="{28A0092B-C50C-407E-A947-70E740481C1C}">
                 <a14:useLocalDpi xmlns:a14="http://schemas.microsoft.com/office/drawing/2010/main" val="0"/>
@@ -16387,7 +17000,7 @@
           <p:nvPr/>
         </p:nvPicPr>
         <p:blipFill>
-          <a:blip r:embed="rId2" cstate="print"/>
+          <a:blip r:embed="rId3" cstate="print"/>
           <a:stretch>
             <a:fillRect/>
           </a:stretch>
@@ -16411,7 +17024,7 @@
           <p:nvPr/>
         </p:nvPicPr>
         <p:blipFill>
-          <a:blip r:embed="rId3" cstate="print"/>
+          <a:blip r:embed="rId4" cstate="print"/>
           <a:stretch>
             <a:fillRect/>
           </a:stretch>
@@ -16435,7 +17048,7 @@
           <p:nvPr/>
         </p:nvPicPr>
         <p:blipFill>
-          <a:blip r:embed="rId4" cstate="print"/>
+          <a:blip r:embed="rId5" cstate="print"/>
           <a:stretch>
             <a:fillRect/>
           </a:stretch>
@@ -16493,7 +17106,7 @@
           <p:nvPr/>
         </p:nvPicPr>
         <p:blipFill>
-          <a:blip r:embed="rId5">
+          <a:blip r:embed="rId6">
             <a:extLst>
               <a:ext uri="{28A0092B-C50C-407E-A947-70E740481C1C}">
                 <a14:useLocalDpi xmlns:a14="http://schemas.microsoft.com/office/drawing/2010/main" val="0"/>
@@ -20855,7 +21468,7 @@
           <p:nvPr/>
         </p:nvPicPr>
         <p:blipFill>
-          <a:blip r:embed="rId2" cstate="print"/>
+          <a:blip r:embed="rId3" cstate="print"/>
           <a:stretch>
             <a:fillRect/>
           </a:stretch>
@@ -20879,7 +21492,7 @@
           <p:nvPr/>
         </p:nvPicPr>
         <p:blipFill>
-          <a:blip r:embed="rId3" cstate="print"/>
+          <a:blip r:embed="rId4" cstate="print"/>
           <a:stretch>
             <a:fillRect/>
           </a:stretch>
@@ -20903,7 +21516,7 @@
           <p:nvPr/>
         </p:nvPicPr>
         <p:blipFill>
-          <a:blip r:embed="rId4" cstate="print"/>
+          <a:blip r:embed="rId5" cstate="print"/>
           <a:stretch>
             <a:fillRect/>
           </a:stretch>
@@ -20961,7 +21574,7 @@
           <p:nvPr/>
         </p:nvPicPr>
         <p:blipFill>
-          <a:blip r:embed="rId5">
+          <a:blip r:embed="rId6">
             <a:extLst>
               <a:ext uri="{28A0092B-C50C-407E-A947-70E740481C1C}">
                 <a14:useLocalDpi xmlns:a14="http://schemas.microsoft.com/office/drawing/2010/main" val="0"/>
@@ -22903,6 +23516,20 @@
           <a:p>
             <a:r>
               <a:rPr lang="en-US" dirty="0" smtClean="0"/>
+              <a:t>Are QC just trying </a:t>
+            </a:r>
+            <a:r>
+              <a:rPr lang="en-US" dirty="0"/>
+              <a:t>all possibilities </a:t>
+            </a:r>
+            <a:r>
+              <a:rPr lang="en-US" dirty="0" smtClean="0"/>
+              <a:t>at the same time?</a:t>
+            </a:r>
+          </a:p>
+          <a:p>
+            <a:r>
+              <a:rPr lang="en-US" dirty="0" smtClean="0"/>
               <a:t>Why </a:t>
             </a:r>
             <a:r>
@@ -22923,6 +23550,45 @@
           </a:p>
         </p:txBody>
       </p:sp>
+      <p:pic>
+        <p:nvPicPr>
+          <p:cNvPr id="2050" name="Picture 2" descr="https://qtxasset.com/styles/breakpoint_xl_880px_w/s3/fierceelectronics/1623351407/IBM%20Q%20at%20CES%202020.jpg?VersionId=RHStRvewJeTlfdBuxzNJjzYyKrPqVivI&amp;itok=NJWr65a7"/>
+          <p:cNvPicPr>
+            <a:picLocks noChangeAspect="1" noChangeArrowheads="1"/>
+          </p:cNvPicPr>
+          <p:nvPr/>
+        </p:nvPicPr>
+        <p:blipFill rotWithShape="1">
+          <a:blip r:embed="rId7">
+            <a:extLst>
+              <a:ext uri="{28A0092B-C50C-407E-A947-70E740481C1C}">
+                <a14:useLocalDpi xmlns:a14="http://schemas.microsoft.com/office/drawing/2010/main" val="0"/>
+              </a:ext>
+            </a:extLst>
+          </a:blip>
+          <a:srcRect l="29799" r="23809" b="5533"/>
+          <a:stretch/>
+        </p:blipFill>
+        <p:spPr bwMode="auto">
+          <a:xfrm>
+            <a:off x="9164039" y="2787162"/>
+            <a:ext cx="2572364" cy="3493990"/>
+          </a:xfrm>
+          <a:prstGeom prst="rect">
+            <a:avLst/>
+          </a:prstGeom>
+          <a:noFill/>
+          <a:extLst>
+            <a:ext uri="{909E8E84-426E-40DD-AFC4-6F175D3DCCD1}">
+              <a14:hiddenFill xmlns:a14="http://schemas.microsoft.com/office/drawing/2010/main">
+                <a:solidFill>
+                  <a:srgbClr val="FFFFFF"/>
+                </a:solidFill>
+              </a14:hiddenFill>
+            </a:ext>
+          </a:extLst>
+        </p:spPr>
+      </p:pic>
     </p:spTree>
     <p:extLst>
       <p:ext uri="{BB962C8B-B14F-4D97-AF65-F5344CB8AC3E}">
@@ -22944,6 +23610,486 @@
 </file>
 
 <file path=ppt/slides/slide45.xml><?xml version="1.0" encoding="utf-8"?>
+<p:sld xmlns:a="http://schemas.openxmlformats.org/drawingml/2006/main" xmlns:r="http://schemas.openxmlformats.org/officeDocument/2006/relationships" xmlns:p="http://schemas.openxmlformats.org/presentationml/2006/main">
+  <p:cSld>
+    <p:spTree>
+      <p:nvGrpSpPr>
+        <p:cNvPr id="1" name=""/>
+        <p:cNvGrpSpPr/>
+        <p:nvPr/>
+      </p:nvGrpSpPr>
+      <p:grpSpPr>
+        <a:xfrm>
+          <a:off x="0" y="0"/>
+          <a:ext cx="0" cy="0"/>
+          <a:chOff x="0" y="0"/>
+          <a:chExt cx="0" cy="0"/>
+        </a:xfrm>
+      </p:grpSpPr>
+      <p:sp>
+        <p:nvSpPr>
+          <p:cNvPr id="12" name="Content Placeholder 6"/>
+          <p:cNvSpPr txBox="1">
+            <a:spLocks/>
+          </p:cNvSpPr>
+          <p:nvPr/>
+        </p:nvSpPr>
+        <p:spPr>
+          <a:xfrm>
+            <a:off x="1244338" y="1739263"/>
+            <a:ext cx="9703324" cy="4104325"/>
+          </a:xfrm>
+          <a:prstGeom prst="rect">
+            <a:avLst/>
+          </a:prstGeom>
+        </p:spPr>
+        <p:txBody>
+          <a:bodyPr/>
+          <a:lstStyle>
+            <a:lvl1pPr marL="228600" indent="-228600" algn="l" defTabSz="914400" rtl="0" eaLnBrk="1" latinLnBrk="0" hangingPunct="1">
+              <a:lnSpc>
+                <a:spcPct val="90000"/>
+              </a:lnSpc>
+              <a:spcBef>
+                <a:spcPts val="1000"/>
+              </a:spcBef>
+              <a:buFont typeface="Arial" panose="020B0604020202020204" pitchFamily="34" charset="0"/>
+              <a:buChar char="•"/>
+              <a:defRPr sz="2800" kern="1200">
+                <a:solidFill>
+                  <a:schemeClr val="tx1"/>
+                </a:solidFill>
+                <a:latin typeface="+mn-lt"/>
+                <a:ea typeface="+mn-ea"/>
+                <a:cs typeface="+mn-cs"/>
+              </a:defRPr>
+            </a:lvl1pPr>
+            <a:lvl2pPr marL="685800" indent="-228600" algn="l" defTabSz="914400" rtl="0" eaLnBrk="1" latinLnBrk="0" hangingPunct="1">
+              <a:lnSpc>
+                <a:spcPct val="90000"/>
+              </a:lnSpc>
+              <a:spcBef>
+                <a:spcPts val="500"/>
+              </a:spcBef>
+              <a:buFont typeface="Arial" panose="020B0604020202020204" pitchFamily="34" charset="0"/>
+              <a:buChar char="•"/>
+              <a:defRPr sz="2400" kern="1200">
+                <a:solidFill>
+                  <a:schemeClr val="tx1"/>
+                </a:solidFill>
+                <a:latin typeface="+mn-lt"/>
+                <a:ea typeface="+mn-ea"/>
+                <a:cs typeface="+mn-cs"/>
+              </a:defRPr>
+            </a:lvl2pPr>
+            <a:lvl3pPr marL="1143000" indent="-228600" algn="l" defTabSz="914400" rtl="0" eaLnBrk="1" latinLnBrk="0" hangingPunct="1">
+              <a:lnSpc>
+                <a:spcPct val="90000"/>
+              </a:lnSpc>
+              <a:spcBef>
+                <a:spcPts val="500"/>
+              </a:spcBef>
+              <a:buFont typeface="Arial" panose="020B0604020202020204" pitchFamily="34" charset="0"/>
+              <a:buChar char="•"/>
+              <a:defRPr sz="2000" kern="1200">
+                <a:solidFill>
+                  <a:schemeClr val="tx1"/>
+                </a:solidFill>
+                <a:latin typeface="+mn-lt"/>
+                <a:ea typeface="+mn-ea"/>
+                <a:cs typeface="+mn-cs"/>
+              </a:defRPr>
+            </a:lvl3pPr>
+            <a:lvl4pPr marL="1600200" indent="-228600" algn="l" defTabSz="914400" rtl="0" eaLnBrk="1" latinLnBrk="0" hangingPunct="1">
+              <a:lnSpc>
+                <a:spcPct val="90000"/>
+              </a:lnSpc>
+              <a:spcBef>
+                <a:spcPts val="500"/>
+              </a:spcBef>
+              <a:buFont typeface="Arial" panose="020B0604020202020204" pitchFamily="34" charset="0"/>
+              <a:buChar char="•"/>
+              <a:defRPr sz="1800" kern="1200">
+                <a:solidFill>
+                  <a:schemeClr val="tx1"/>
+                </a:solidFill>
+                <a:latin typeface="+mn-lt"/>
+                <a:ea typeface="+mn-ea"/>
+                <a:cs typeface="+mn-cs"/>
+              </a:defRPr>
+            </a:lvl4pPr>
+            <a:lvl5pPr marL="2057400" indent="-228600" algn="l" defTabSz="914400" rtl="0" eaLnBrk="1" latinLnBrk="0" hangingPunct="1">
+              <a:lnSpc>
+                <a:spcPct val="90000"/>
+              </a:lnSpc>
+              <a:spcBef>
+                <a:spcPts val="500"/>
+              </a:spcBef>
+              <a:buFont typeface="Arial" panose="020B0604020202020204" pitchFamily="34" charset="0"/>
+              <a:buChar char="•"/>
+              <a:defRPr sz="1800" kern="1200">
+                <a:solidFill>
+                  <a:schemeClr val="tx1"/>
+                </a:solidFill>
+                <a:latin typeface="+mn-lt"/>
+                <a:ea typeface="+mn-ea"/>
+                <a:cs typeface="+mn-cs"/>
+              </a:defRPr>
+            </a:lvl5pPr>
+            <a:lvl6pPr marL="2514600" indent="-228600" algn="l" defTabSz="914400" rtl="0" eaLnBrk="1" latinLnBrk="0" hangingPunct="1">
+              <a:lnSpc>
+                <a:spcPct val="90000"/>
+              </a:lnSpc>
+              <a:spcBef>
+                <a:spcPts val="500"/>
+              </a:spcBef>
+              <a:buFont typeface="Arial" panose="020B0604020202020204" pitchFamily="34" charset="0"/>
+              <a:buChar char="•"/>
+              <a:defRPr sz="1800" kern="1200">
+                <a:solidFill>
+                  <a:schemeClr val="tx1"/>
+                </a:solidFill>
+                <a:latin typeface="+mn-lt"/>
+                <a:ea typeface="+mn-ea"/>
+                <a:cs typeface="+mn-cs"/>
+              </a:defRPr>
+            </a:lvl6pPr>
+            <a:lvl7pPr marL="2971800" indent="-228600" algn="l" defTabSz="914400" rtl="0" eaLnBrk="1" latinLnBrk="0" hangingPunct="1">
+              <a:lnSpc>
+                <a:spcPct val="90000"/>
+              </a:lnSpc>
+              <a:spcBef>
+                <a:spcPts val="500"/>
+              </a:spcBef>
+              <a:buFont typeface="Arial" panose="020B0604020202020204" pitchFamily="34" charset="0"/>
+              <a:buChar char="•"/>
+              <a:defRPr sz="1800" kern="1200">
+                <a:solidFill>
+                  <a:schemeClr val="tx1"/>
+                </a:solidFill>
+                <a:latin typeface="+mn-lt"/>
+                <a:ea typeface="+mn-ea"/>
+                <a:cs typeface="+mn-cs"/>
+              </a:defRPr>
+            </a:lvl7pPr>
+            <a:lvl8pPr marL="3429000" indent="-228600" algn="l" defTabSz="914400" rtl="0" eaLnBrk="1" latinLnBrk="0" hangingPunct="1">
+              <a:lnSpc>
+                <a:spcPct val="90000"/>
+              </a:lnSpc>
+              <a:spcBef>
+                <a:spcPts val="500"/>
+              </a:spcBef>
+              <a:buFont typeface="Arial" panose="020B0604020202020204" pitchFamily="34" charset="0"/>
+              <a:buChar char="•"/>
+              <a:defRPr sz="1800" kern="1200">
+                <a:solidFill>
+                  <a:schemeClr val="tx1"/>
+                </a:solidFill>
+                <a:latin typeface="+mn-lt"/>
+                <a:ea typeface="+mn-ea"/>
+                <a:cs typeface="+mn-cs"/>
+              </a:defRPr>
+            </a:lvl8pPr>
+            <a:lvl9pPr marL="3886200" indent="-228600" algn="l" defTabSz="914400" rtl="0" eaLnBrk="1" latinLnBrk="0" hangingPunct="1">
+              <a:lnSpc>
+                <a:spcPct val="90000"/>
+              </a:lnSpc>
+              <a:spcBef>
+                <a:spcPts val="500"/>
+              </a:spcBef>
+              <a:buFont typeface="Arial" panose="020B0604020202020204" pitchFamily="34" charset="0"/>
+              <a:buChar char="•"/>
+              <a:defRPr sz="1800" kern="1200">
+                <a:solidFill>
+                  <a:schemeClr val="tx1"/>
+                </a:solidFill>
+                <a:latin typeface="+mn-lt"/>
+                <a:ea typeface="+mn-ea"/>
+                <a:cs typeface="+mn-cs"/>
+              </a:defRPr>
+            </a:lvl9pPr>
+          </a:lstStyle>
+          <a:p>
+            <a:endParaRPr lang="en-US" dirty="0" smtClean="0"/>
+          </a:p>
+          <a:p>
+            <a:endParaRPr lang="en-US" dirty="0" smtClean="0"/>
+          </a:p>
+          <a:p>
+            <a:r>
+              <a:rPr lang="en-US" dirty="0"/>
+              <a:t>Parallelization capacity</a:t>
+            </a:r>
+          </a:p>
+          <a:p>
+            <a:r>
+              <a:rPr lang="en-US" dirty="0" smtClean="0"/>
+              <a:t>Handling fix point operations</a:t>
+            </a:r>
+          </a:p>
+          <a:p>
+            <a:r>
+              <a:rPr lang="en-US" dirty="0"/>
+              <a:t>Take advantage of </a:t>
+            </a:r>
+            <a:r>
+              <a:rPr lang="en-US" dirty="0" smtClean="0"/>
+              <a:t>its blocks</a:t>
+            </a:r>
+          </a:p>
+          <a:p>
+            <a:r>
+              <a:rPr lang="en-US" dirty="0" smtClean="0"/>
+              <a:t>Memory manage</a:t>
+            </a:r>
+          </a:p>
+          <a:p>
+            <a:endParaRPr lang="en-US" dirty="0" smtClean="0"/>
+          </a:p>
+          <a:p>
+            <a:endParaRPr lang="en-US" dirty="0" smtClean="0"/>
+          </a:p>
+        </p:txBody>
+      </p:sp>
+      <p:pic>
+        <p:nvPicPr>
+          <p:cNvPr id="5" name="Picture 4"/>
+          <p:cNvPicPr>
+            <a:picLocks noChangeAspect="1"/>
+          </p:cNvPicPr>
+          <p:nvPr/>
+        </p:nvPicPr>
+        <p:blipFill>
+          <a:blip r:embed="rId3" cstate="print"/>
+          <a:stretch>
+            <a:fillRect/>
+          </a:stretch>
+        </p:blipFill>
+        <p:spPr>
+          <a:xfrm>
+            <a:off x="-1" y="6536890"/>
+            <a:ext cx="12191999" cy="323165"/>
+          </a:xfrm>
+          <a:prstGeom prst="rect">
+            <a:avLst/>
+          </a:prstGeom>
+        </p:spPr>
+      </p:pic>
+      <p:pic>
+        <p:nvPicPr>
+          <p:cNvPr id="6" name="Picture 5"/>
+          <p:cNvPicPr>
+            <a:picLocks noChangeAspect="1"/>
+          </p:cNvPicPr>
+          <p:nvPr/>
+        </p:nvPicPr>
+        <p:blipFill>
+          <a:blip r:embed="rId4" cstate="print"/>
+          <a:stretch>
+            <a:fillRect/>
+          </a:stretch>
+        </p:blipFill>
+        <p:spPr>
+          <a:xfrm>
+            <a:off x="1" y="-25452"/>
+            <a:ext cx="12191999" cy="926544"/>
+          </a:xfrm>
+          <a:prstGeom prst="rect">
+            <a:avLst/>
+          </a:prstGeom>
+        </p:spPr>
+      </p:pic>
+      <p:pic>
+        <p:nvPicPr>
+          <p:cNvPr id="10" name="Picture 9"/>
+          <p:cNvPicPr>
+            <a:picLocks noChangeAspect="1"/>
+          </p:cNvPicPr>
+          <p:nvPr/>
+        </p:nvPicPr>
+        <p:blipFill>
+          <a:blip r:embed="rId5" cstate="print"/>
+          <a:stretch>
+            <a:fillRect/>
+          </a:stretch>
+        </p:blipFill>
+        <p:spPr>
+          <a:xfrm>
+            <a:off x="466725" y="-30771"/>
+            <a:ext cx="2857500" cy="912813"/>
+          </a:xfrm>
+          <a:prstGeom prst="rect">
+            <a:avLst/>
+          </a:prstGeom>
+        </p:spPr>
+      </p:pic>
+      <p:sp>
+        <p:nvSpPr>
+          <p:cNvPr id="13" name="TextBox 12"/>
+          <p:cNvSpPr txBox="1"/>
+          <p:nvPr/>
+        </p:nvSpPr>
+        <p:spPr>
+          <a:xfrm>
+            <a:off x="0" y="6536891"/>
+            <a:ext cx="12258675" cy="323165"/>
+          </a:xfrm>
+          <a:prstGeom prst="rect">
+            <a:avLst/>
+          </a:prstGeom>
+          <a:noFill/>
+        </p:spPr>
+        <p:txBody>
+          <a:bodyPr wrap="square" rtlCol="0">
+            <a:spAutoFit/>
+          </a:bodyPr>
+          <a:lstStyle/>
+          <a:p>
+            <a:pPr algn="ctr"/>
+            <a:r>
+              <a:rPr lang="en-US" sz="1500" b="1" dirty="0">
+                <a:solidFill>
+                  <a:schemeClr val="bg1"/>
+                </a:solidFill>
+              </a:rPr>
+              <a:t>Trieste - Italy</a:t>
+            </a:r>
+          </a:p>
+        </p:txBody>
+      </p:sp>
+      <p:pic>
+        <p:nvPicPr>
+          <p:cNvPr id="14" name="Picture 2" descr="Instituto de Investigaciones Científicas y Tecnológicas en Electrónica ( ICYTE) - CIC"/>
+          <p:cNvPicPr>
+            <a:picLocks noChangeAspect="1" noChangeArrowheads="1"/>
+          </p:cNvPicPr>
+          <p:nvPr/>
+        </p:nvPicPr>
+        <p:blipFill>
+          <a:blip r:embed="rId6">
+            <a:extLst>
+              <a:ext uri="{28A0092B-C50C-407E-A947-70E740481C1C}">
+                <a14:useLocalDpi xmlns:a14="http://schemas.microsoft.com/office/drawing/2010/main" val="0"/>
+              </a:ext>
+            </a:extLst>
+          </a:blip>
+          <a:srcRect/>
+          <a:stretch>
+            <a:fillRect/>
+          </a:stretch>
+        </p:blipFill>
+        <p:spPr bwMode="auto">
+          <a:xfrm>
+            <a:off x="8303490" y="-465191"/>
+            <a:ext cx="4146473" cy="1806021"/>
+          </a:xfrm>
+          <a:prstGeom prst="rect">
+            <a:avLst/>
+          </a:prstGeom>
+          <a:noFill/>
+          <a:extLst>
+            <a:ext uri="{909E8E84-426E-40DD-AFC4-6F175D3DCCD1}">
+              <a14:hiddenFill xmlns:a14="http://schemas.microsoft.com/office/drawing/2010/main">
+                <a:solidFill>
+                  <a:srgbClr val="FFFFFF"/>
+                </a:solidFill>
+              </a14:hiddenFill>
+            </a:ext>
+          </a:extLst>
+        </p:spPr>
+      </p:pic>
+      <p:sp>
+        <p:nvSpPr>
+          <p:cNvPr id="11" name="Title 3"/>
+          <p:cNvSpPr>
+            <a:spLocks noGrp="1"/>
+          </p:cNvSpPr>
+          <p:nvPr>
+            <p:ph type="title"/>
+          </p:nvPr>
+        </p:nvSpPr>
+        <p:spPr>
+          <a:xfrm>
+            <a:off x="1244336" y="1780569"/>
+            <a:ext cx="9703324" cy="750856"/>
+          </a:xfrm>
+        </p:spPr>
+        <p:txBody>
+          <a:bodyPr>
+            <a:normAutofit/>
+          </a:bodyPr>
+          <a:lstStyle/>
+          <a:p>
+            <a:r>
+              <a:rPr lang="en-US" sz="3600" dirty="0" smtClean="0"/>
+              <a:t>Why FPGAs?</a:t>
+            </a:r>
+            <a:endParaRPr lang="en-US" sz="3600" dirty="0"/>
+          </a:p>
+        </p:txBody>
+      </p:sp>
+      <p:pic>
+        <p:nvPicPr>
+          <p:cNvPr id="1026" name="Picture 2" descr="https://ni.scene7.com/is/image/ni/swvvifhq55851?scl=1"/>
+          <p:cNvPicPr>
+            <a:picLocks noChangeAspect="1" noChangeArrowheads="1"/>
+          </p:cNvPicPr>
+          <p:nvPr/>
+        </p:nvPicPr>
+        <p:blipFill>
+          <a:blip r:embed="rId7">
+            <a:extLst>
+              <a:ext uri="{28A0092B-C50C-407E-A947-70E740481C1C}">
+                <a14:useLocalDpi xmlns:a14="http://schemas.microsoft.com/office/drawing/2010/main" val="0"/>
+              </a:ext>
+            </a:extLst>
+          </a:blip>
+          <a:srcRect/>
+          <a:stretch>
+            <a:fillRect/>
+          </a:stretch>
+        </p:blipFill>
+        <p:spPr bwMode="auto">
+          <a:xfrm>
+            <a:off x="6465910" y="3716367"/>
+            <a:ext cx="4672191" cy="2380786"/>
+          </a:xfrm>
+          <a:prstGeom prst="rect">
+            <a:avLst/>
+          </a:prstGeom>
+          <a:noFill/>
+          <a:extLst>
+            <a:ext uri="{909E8E84-426E-40DD-AFC4-6F175D3DCCD1}">
+              <a14:hiddenFill xmlns:a14="http://schemas.microsoft.com/office/drawing/2010/main">
+                <a:solidFill>
+                  <a:srgbClr val="FFFFFF"/>
+                </a:solidFill>
+              </a14:hiddenFill>
+            </a:ext>
+          </a:extLst>
+        </p:spPr>
+      </p:pic>
+    </p:spTree>
+    <p:extLst>
+      <p:ext uri="{BB962C8B-B14F-4D97-AF65-F5344CB8AC3E}">
+        <p14:creationId xmlns:p14="http://schemas.microsoft.com/office/powerpoint/2010/main" val="3492012736"/>
+      </p:ext>
+    </p:extLst>
+  </p:cSld>
+  <p:clrMapOvr>
+    <a:masterClrMapping/>
+  </p:clrMapOvr>
+  <p:timing>
+    <p:tnLst>
+      <p:par>
+        <p:cTn id="1" dur="indefinite" restart="never" nodeType="tmRoot"/>
+      </p:par>
+    </p:tnLst>
+  </p:timing>
+</p:sld>
+</file>
+
+<file path=ppt/slides/slide46.xml><?xml version="1.0" encoding="utf-8"?>
 <p:sld xmlns:a="http://schemas.openxmlformats.org/drawingml/2006/main" xmlns:r="http://schemas.openxmlformats.org/officeDocument/2006/relationships" xmlns:p="http://schemas.openxmlformats.org/presentationml/2006/main">
   <p:cSld>
     <p:spTree>
@@ -23197,7 +24343,7 @@
           <p:nvPr/>
         </p:nvPicPr>
         <p:blipFill>
-          <a:blip r:embed="rId2" cstate="print"/>
+          <a:blip r:embed="rId3" cstate="print"/>
           <a:stretch>
             <a:fillRect/>
           </a:stretch>
@@ -23221,7 +24367,7 @@
           <p:nvPr/>
         </p:nvPicPr>
         <p:blipFill>
-          <a:blip r:embed="rId3" cstate="print"/>
+          <a:blip r:embed="rId4" cstate="print"/>
           <a:stretch>
             <a:fillRect/>
           </a:stretch>
@@ -23245,7 +24391,7 @@
           <p:nvPr/>
         </p:nvPicPr>
         <p:blipFill>
-          <a:blip r:embed="rId4" cstate="print"/>
+          <a:blip r:embed="rId5" cstate="print"/>
           <a:stretch>
             <a:fillRect/>
           </a:stretch>
@@ -23303,7 +24449,7 @@
           <p:nvPr/>
         </p:nvPicPr>
         <p:blipFill>
-          <a:blip r:embed="rId5">
+          <a:blip r:embed="rId6">
             <a:extLst>
               <a:ext uri="{28A0092B-C50C-407E-A947-70E740481C1C}">
                 <a14:useLocalDpi xmlns:a14="http://schemas.microsoft.com/office/drawing/2010/main" val="0"/>
@@ -23757,7 +24903,7 @@
           <p:nvPr/>
         </p:nvPicPr>
         <p:blipFill>
-          <a:blip r:embed="rId2" cstate="print"/>
+          <a:blip r:embed="rId3" cstate="print"/>
           <a:stretch>
             <a:fillRect/>
           </a:stretch>
@@ -23781,7 +24927,7 @@
           <p:nvPr/>
         </p:nvPicPr>
         <p:blipFill>
-          <a:blip r:embed="rId3" cstate="print"/>
+          <a:blip r:embed="rId4" cstate="print"/>
           <a:stretch>
             <a:fillRect/>
           </a:stretch>
@@ -23805,7 +24951,7 @@
           <p:nvPr/>
         </p:nvPicPr>
         <p:blipFill>
-          <a:blip r:embed="rId4" cstate="print"/>
+          <a:blip r:embed="rId5" cstate="print"/>
           <a:stretch>
             <a:fillRect/>
           </a:stretch>
@@ -23863,7 +25009,7 @@
           <p:nvPr/>
         </p:nvPicPr>
         <p:blipFill>
-          <a:blip r:embed="rId5">
+          <a:blip r:embed="rId6">
             <a:extLst>
               <a:ext uri="{28A0092B-C50C-407E-A947-70E740481C1C}">
                 <a14:useLocalDpi xmlns:a14="http://schemas.microsoft.com/office/drawing/2010/main" val="0"/>
